--- a/usab/Personas.pptx
+++ b/usab/Personas.pptx
@@ -5,7 +5,7 @@
     <p:sldMasterId id="2147483648" r:id="rId1"/>
   </p:sldMasterIdLst>
   <p:notesMasterIdLst>
-    <p:notesMasterId r:id="rId14"/>
+    <p:notesMasterId r:id="rId19"/>
   </p:notesMasterIdLst>
   <p:sldIdLst>
     <p:sldId id="256" r:id="rId2"/>
@@ -14,12 +14,17 @@
     <p:sldId id="258" r:id="rId5"/>
     <p:sldId id="259" r:id="rId6"/>
     <p:sldId id="260" r:id="rId7"/>
-    <p:sldId id="262" r:id="rId8"/>
-    <p:sldId id="263" r:id="rId9"/>
-    <p:sldId id="264" r:id="rId10"/>
-    <p:sldId id="265" r:id="rId11"/>
-    <p:sldId id="266" r:id="rId12"/>
-    <p:sldId id="267" r:id="rId13"/>
+    <p:sldId id="268" r:id="rId8"/>
+    <p:sldId id="270" r:id="rId9"/>
+    <p:sldId id="271" r:id="rId10"/>
+    <p:sldId id="272" r:id="rId11"/>
+    <p:sldId id="274" r:id="rId12"/>
+    <p:sldId id="262" r:id="rId13"/>
+    <p:sldId id="263" r:id="rId14"/>
+    <p:sldId id="264" r:id="rId15"/>
+    <p:sldId id="265" r:id="rId16"/>
+    <p:sldId id="266" r:id="rId17"/>
+    <p:sldId id="267" r:id="rId18"/>
   </p:sldIdLst>
   <p:sldSz cx="12192000" cy="6858000"/>
   <p:notesSz cx="6858000" cy="9144000"/>
@@ -211,7 +216,7 @@
           </a:lstStyle>
           <a:p>
             <a:fld id="{8718E019-CDAF-D642-92CF-A32A7B5D2B1F}" type="datetimeFigureOut">
-              <a:t>03.04.18</a:t>
+              <a:t>4/30/2018</a:t>
             </a:fld>
             <a:endParaRPr lang="de-DE"/>
           </a:p>
@@ -500,7 +505,7 @@
           <p:cNvPr id="2" name="Title 1">
             <a:extLst>
               <a:ext uri="{FF2B5EF4-FFF2-40B4-BE49-F238E27FC236}">
-                <a16:creationId xmlns:a16="http://schemas.microsoft.com/office/drawing/2014/main" xmlns="" id="{1C52F46A-E8C9-4272-A5E5-7C79EF798F31}"/>
+                <a16:creationId xmlns:a16="http://schemas.microsoft.com/office/drawing/2014/main" id="{1C52F46A-E8C9-4272-A5E5-7C79EF798F31}"/>
               </a:ext>
             </a:extLst>
           </p:cNvPr>
@@ -537,7 +542,7 @@
           <p:cNvPr id="3" name="Subtitle 2">
             <a:extLst>
               <a:ext uri="{FF2B5EF4-FFF2-40B4-BE49-F238E27FC236}">
-                <a16:creationId xmlns:a16="http://schemas.microsoft.com/office/drawing/2014/main" xmlns="" id="{AC10DF08-D7A7-49ED-9AEC-0C46D531A618}"/>
+                <a16:creationId xmlns:a16="http://schemas.microsoft.com/office/drawing/2014/main" id="{AC10DF08-D7A7-49ED-9AEC-0C46D531A618}"/>
               </a:ext>
             </a:extLst>
           </p:cNvPr>
@@ -607,7 +612,7 @@
           <p:cNvPr id="4" name="Date Placeholder 3">
             <a:extLst>
               <a:ext uri="{FF2B5EF4-FFF2-40B4-BE49-F238E27FC236}">
-                <a16:creationId xmlns:a16="http://schemas.microsoft.com/office/drawing/2014/main" xmlns="" id="{DC9F30B5-F06A-48D1-A889-25613538A690}"/>
+                <a16:creationId xmlns:a16="http://schemas.microsoft.com/office/drawing/2014/main" id="{DC9F30B5-F06A-48D1-A889-25613538A690}"/>
               </a:ext>
             </a:extLst>
           </p:cNvPr>
@@ -625,7 +630,7 @@
           <a:p>
             <a:fld id="{4CBF3FDA-05A6-4B67-B1A0-7EE43F99B5DB}" type="datetimeFigureOut">
               <a:rPr lang="en-US" smtClean="0"/>
-              <a:t>4/3/18</a:t>
+              <a:t>4/30/2018</a:t>
             </a:fld>
             <a:endParaRPr lang="en-US"/>
           </a:p>
@@ -636,7 +641,7 @@
           <p:cNvPr id="5" name="Footer Placeholder 4">
             <a:extLst>
               <a:ext uri="{FF2B5EF4-FFF2-40B4-BE49-F238E27FC236}">
-                <a16:creationId xmlns:a16="http://schemas.microsoft.com/office/drawing/2014/main" xmlns="" id="{9AA0427A-23E5-4958-9BB5-9CF90DABDFCA}"/>
+                <a16:creationId xmlns:a16="http://schemas.microsoft.com/office/drawing/2014/main" id="{9AA0427A-23E5-4958-9BB5-9CF90DABDFCA}"/>
               </a:ext>
             </a:extLst>
           </p:cNvPr>
@@ -661,7 +666,7 @@
           <p:cNvPr id="6" name="Slide Number Placeholder 5">
             <a:extLst>
               <a:ext uri="{FF2B5EF4-FFF2-40B4-BE49-F238E27FC236}">
-                <a16:creationId xmlns:a16="http://schemas.microsoft.com/office/drawing/2014/main" xmlns="" id="{817D774B-9D42-4B20-ACCF-7828F75113CA}"/>
+                <a16:creationId xmlns:a16="http://schemas.microsoft.com/office/drawing/2014/main" id="{817D774B-9D42-4B20-ACCF-7828F75113CA}"/>
               </a:ext>
             </a:extLst>
           </p:cNvPr>
@@ -720,7 +725,7 @@
           <p:cNvPr id="2" name="Title 1">
             <a:extLst>
               <a:ext uri="{FF2B5EF4-FFF2-40B4-BE49-F238E27FC236}">
-                <a16:creationId xmlns:a16="http://schemas.microsoft.com/office/drawing/2014/main" xmlns="" id="{4E237F9A-02A0-4FD8-A388-62AB5D86AD56}"/>
+                <a16:creationId xmlns:a16="http://schemas.microsoft.com/office/drawing/2014/main" id="{4E237F9A-02A0-4FD8-A388-62AB5D86AD56}"/>
               </a:ext>
             </a:extLst>
           </p:cNvPr>
@@ -748,7 +753,7 @@
           <p:cNvPr id="3" name="Vertical Text Placeholder 2">
             <a:extLst>
               <a:ext uri="{FF2B5EF4-FFF2-40B4-BE49-F238E27FC236}">
-                <a16:creationId xmlns:a16="http://schemas.microsoft.com/office/drawing/2014/main" xmlns="" id="{ADDF8D1F-E3EB-46AE-A6EF-F0C7A306C50C}"/>
+                <a16:creationId xmlns:a16="http://schemas.microsoft.com/office/drawing/2014/main" id="{ADDF8D1F-E3EB-46AE-A6EF-F0C7A306C50C}"/>
               </a:ext>
             </a:extLst>
           </p:cNvPr>
@@ -805,7 +810,7 @@
           <p:cNvPr id="4" name="Date Placeholder 3">
             <a:extLst>
               <a:ext uri="{FF2B5EF4-FFF2-40B4-BE49-F238E27FC236}">
-                <a16:creationId xmlns:a16="http://schemas.microsoft.com/office/drawing/2014/main" xmlns="" id="{EEBEFD3E-CBCE-42AC-AB12-289DC5F7D83E}"/>
+                <a16:creationId xmlns:a16="http://schemas.microsoft.com/office/drawing/2014/main" id="{EEBEFD3E-CBCE-42AC-AB12-289DC5F7D83E}"/>
               </a:ext>
             </a:extLst>
           </p:cNvPr>
@@ -823,7 +828,7 @@
           <a:p>
             <a:fld id="{4CBF3FDA-05A6-4B67-B1A0-7EE43F99B5DB}" type="datetimeFigureOut">
               <a:rPr lang="en-US" smtClean="0"/>
-              <a:t>4/3/18</a:t>
+              <a:t>4/30/2018</a:t>
             </a:fld>
             <a:endParaRPr lang="en-US"/>
           </a:p>
@@ -834,7 +839,7 @@
           <p:cNvPr id="5" name="Footer Placeholder 4">
             <a:extLst>
               <a:ext uri="{FF2B5EF4-FFF2-40B4-BE49-F238E27FC236}">
-                <a16:creationId xmlns:a16="http://schemas.microsoft.com/office/drawing/2014/main" xmlns="" id="{7E633FD8-0D49-4101-A8BE-207970717E19}"/>
+                <a16:creationId xmlns:a16="http://schemas.microsoft.com/office/drawing/2014/main" id="{7E633FD8-0D49-4101-A8BE-207970717E19}"/>
               </a:ext>
             </a:extLst>
           </p:cNvPr>
@@ -859,7 +864,7 @@
           <p:cNvPr id="6" name="Slide Number Placeholder 5">
             <a:extLst>
               <a:ext uri="{FF2B5EF4-FFF2-40B4-BE49-F238E27FC236}">
-                <a16:creationId xmlns:a16="http://schemas.microsoft.com/office/drawing/2014/main" xmlns="" id="{5F95BABF-6BA0-48A6-85AB-DEF6AFCBD999}"/>
+                <a16:creationId xmlns:a16="http://schemas.microsoft.com/office/drawing/2014/main" id="{5F95BABF-6BA0-48A6-85AB-DEF6AFCBD999}"/>
               </a:ext>
             </a:extLst>
           </p:cNvPr>
@@ -918,7 +923,7 @@
           <p:cNvPr id="2" name="Vertical Title 1">
             <a:extLst>
               <a:ext uri="{FF2B5EF4-FFF2-40B4-BE49-F238E27FC236}">
-                <a16:creationId xmlns:a16="http://schemas.microsoft.com/office/drawing/2014/main" xmlns="" id="{922B6A7B-B135-4E62-B5BB-70DB484146CA}"/>
+                <a16:creationId xmlns:a16="http://schemas.microsoft.com/office/drawing/2014/main" id="{922B6A7B-B135-4E62-B5BB-70DB484146CA}"/>
               </a:ext>
             </a:extLst>
           </p:cNvPr>
@@ -951,7 +956,7 @@
           <p:cNvPr id="3" name="Vertical Text Placeholder 2">
             <a:extLst>
               <a:ext uri="{FF2B5EF4-FFF2-40B4-BE49-F238E27FC236}">
-                <a16:creationId xmlns:a16="http://schemas.microsoft.com/office/drawing/2014/main" xmlns="" id="{43AA1453-8F5C-4A30-B446-A83FAFF12712}"/>
+                <a16:creationId xmlns:a16="http://schemas.microsoft.com/office/drawing/2014/main" id="{43AA1453-8F5C-4A30-B446-A83FAFF12712}"/>
               </a:ext>
             </a:extLst>
           </p:cNvPr>
@@ -1013,7 +1018,7 @@
           <p:cNvPr id="4" name="Date Placeholder 3">
             <a:extLst>
               <a:ext uri="{FF2B5EF4-FFF2-40B4-BE49-F238E27FC236}">
-                <a16:creationId xmlns:a16="http://schemas.microsoft.com/office/drawing/2014/main" xmlns="" id="{75D073A7-DBFF-418A-883E-C136538A4994}"/>
+                <a16:creationId xmlns:a16="http://schemas.microsoft.com/office/drawing/2014/main" id="{75D073A7-DBFF-418A-883E-C136538A4994}"/>
               </a:ext>
             </a:extLst>
           </p:cNvPr>
@@ -1031,7 +1036,7 @@
           <a:p>
             <a:fld id="{4CBF3FDA-05A6-4B67-B1A0-7EE43F99B5DB}" type="datetimeFigureOut">
               <a:rPr lang="en-US" smtClean="0"/>
-              <a:t>4/3/18</a:t>
+              <a:t>4/30/2018</a:t>
             </a:fld>
             <a:endParaRPr lang="en-US"/>
           </a:p>
@@ -1042,7 +1047,7 @@
           <p:cNvPr id="5" name="Footer Placeholder 4">
             <a:extLst>
               <a:ext uri="{FF2B5EF4-FFF2-40B4-BE49-F238E27FC236}">
-                <a16:creationId xmlns:a16="http://schemas.microsoft.com/office/drawing/2014/main" xmlns="" id="{2E73CCB4-8182-4470-BC34-ABFEDC277803}"/>
+                <a16:creationId xmlns:a16="http://schemas.microsoft.com/office/drawing/2014/main" id="{2E73CCB4-8182-4470-BC34-ABFEDC277803}"/>
               </a:ext>
             </a:extLst>
           </p:cNvPr>
@@ -1067,7 +1072,7 @@
           <p:cNvPr id="6" name="Slide Number Placeholder 5">
             <a:extLst>
               <a:ext uri="{FF2B5EF4-FFF2-40B4-BE49-F238E27FC236}">
-                <a16:creationId xmlns:a16="http://schemas.microsoft.com/office/drawing/2014/main" xmlns="" id="{9DE6FA0D-E4A3-45C8-BE7E-8ACBE5703DC5}"/>
+                <a16:creationId xmlns:a16="http://schemas.microsoft.com/office/drawing/2014/main" id="{9DE6FA0D-E4A3-45C8-BE7E-8ACBE5703DC5}"/>
               </a:ext>
             </a:extLst>
           </p:cNvPr>
@@ -1126,7 +1131,7 @@
           <p:cNvPr id="2" name="Title 1">
             <a:extLst>
               <a:ext uri="{FF2B5EF4-FFF2-40B4-BE49-F238E27FC236}">
-                <a16:creationId xmlns:a16="http://schemas.microsoft.com/office/drawing/2014/main" xmlns="" id="{4FEE12E1-FDF5-4FF2-B707-615F5F0507B4}"/>
+                <a16:creationId xmlns:a16="http://schemas.microsoft.com/office/drawing/2014/main" id="{4FEE12E1-FDF5-4FF2-B707-615F5F0507B4}"/>
               </a:ext>
             </a:extLst>
           </p:cNvPr>
@@ -1154,7 +1159,7 @@
           <p:cNvPr id="3" name="Content Placeholder 2">
             <a:extLst>
               <a:ext uri="{FF2B5EF4-FFF2-40B4-BE49-F238E27FC236}">
-                <a16:creationId xmlns:a16="http://schemas.microsoft.com/office/drawing/2014/main" xmlns="" id="{068BEF90-DE6F-42CD-897A-C3CD88AD3EF8}"/>
+                <a16:creationId xmlns:a16="http://schemas.microsoft.com/office/drawing/2014/main" id="{068BEF90-DE6F-42CD-897A-C3CD88AD3EF8}"/>
               </a:ext>
             </a:extLst>
           </p:cNvPr>
@@ -1211,7 +1216,7 @@
           <p:cNvPr id="4" name="Date Placeholder 3">
             <a:extLst>
               <a:ext uri="{FF2B5EF4-FFF2-40B4-BE49-F238E27FC236}">
-                <a16:creationId xmlns:a16="http://schemas.microsoft.com/office/drawing/2014/main" xmlns="" id="{7BB72C8A-60CC-4B27-A10C-393046AC2737}"/>
+                <a16:creationId xmlns:a16="http://schemas.microsoft.com/office/drawing/2014/main" id="{7BB72C8A-60CC-4B27-A10C-393046AC2737}"/>
               </a:ext>
             </a:extLst>
           </p:cNvPr>
@@ -1229,7 +1234,7 @@
           <a:p>
             <a:fld id="{4CBF3FDA-05A6-4B67-B1A0-7EE43F99B5DB}" type="datetimeFigureOut">
               <a:rPr lang="en-US" smtClean="0"/>
-              <a:t>4/3/18</a:t>
+              <a:t>4/30/2018</a:t>
             </a:fld>
             <a:endParaRPr lang="en-US"/>
           </a:p>
@@ -1240,7 +1245,7 @@
           <p:cNvPr id="5" name="Footer Placeholder 4">
             <a:extLst>
               <a:ext uri="{FF2B5EF4-FFF2-40B4-BE49-F238E27FC236}">
-                <a16:creationId xmlns:a16="http://schemas.microsoft.com/office/drawing/2014/main" xmlns="" id="{4BCA0452-F6D5-4D7C-B8EE-AA1589576016}"/>
+                <a16:creationId xmlns:a16="http://schemas.microsoft.com/office/drawing/2014/main" id="{4BCA0452-F6D5-4D7C-B8EE-AA1589576016}"/>
               </a:ext>
             </a:extLst>
           </p:cNvPr>
@@ -1265,7 +1270,7 @@
           <p:cNvPr id="6" name="Slide Number Placeholder 5">
             <a:extLst>
               <a:ext uri="{FF2B5EF4-FFF2-40B4-BE49-F238E27FC236}">
-                <a16:creationId xmlns:a16="http://schemas.microsoft.com/office/drawing/2014/main" xmlns="" id="{DB4B2D4C-96ED-4112-9DD2-AE1D5579DD67}"/>
+                <a16:creationId xmlns:a16="http://schemas.microsoft.com/office/drawing/2014/main" id="{DB4B2D4C-96ED-4112-9DD2-AE1D5579DD67}"/>
               </a:ext>
             </a:extLst>
           </p:cNvPr>
@@ -1324,7 +1329,7 @@
           <p:cNvPr id="2" name="Title 1">
             <a:extLst>
               <a:ext uri="{FF2B5EF4-FFF2-40B4-BE49-F238E27FC236}">
-                <a16:creationId xmlns:a16="http://schemas.microsoft.com/office/drawing/2014/main" xmlns="" id="{A0A71025-C445-4CB5-BEE7-209ECAA9CB45}"/>
+                <a16:creationId xmlns:a16="http://schemas.microsoft.com/office/drawing/2014/main" id="{A0A71025-C445-4CB5-BEE7-209ECAA9CB45}"/>
               </a:ext>
             </a:extLst>
           </p:cNvPr>
@@ -1361,7 +1366,7 @@
           <p:cNvPr id="3" name="Text Placeholder 2">
             <a:extLst>
               <a:ext uri="{FF2B5EF4-FFF2-40B4-BE49-F238E27FC236}">
-                <a16:creationId xmlns:a16="http://schemas.microsoft.com/office/drawing/2014/main" xmlns="" id="{11EBB8E1-388B-4BD2-BB46-AD6CB79E9942}"/>
+                <a16:creationId xmlns:a16="http://schemas.microsoft.com/office/drawing/2014/main" id="{11EBB8E1-388B-4BD2-BB46-AD6CB79E9942}"/>
               </a:ext>
             </a:extLst>
           </p:cNvPr>
@@ -1486,7 +1491,7 @@
           <p:cNvPr id="4" name="Date Placeholder 3">
             <a:extLst>
               <a:ext uri="{FF2B5EF4-FFF2-40B4-BE49-F238E27FC236}">
-                <a16:creationId xmlns:a16="http://schemas.microsoft.com/office/drawing/2014/main" xmlns="" id="{5700151C-4B2E-4AAC-A1E7-46B981B184A0}"/>
+                <a16:creationId xmlns:a16="http://schemas.microsoft.com/office/drawing/2014/main" id="{5700151C-4B2E-4AAC-A1E7-46B981B184A0}"/>
               </a:ext>
             </a:extLst>
           </p:cNvPr>
@@ -1504,7 +1509,7 @@
           <a:p>
             <a:fld id="{4CBF3FDA-05A6-4B67-B1A0-7EE43F99B5DB}" type="datetimeFigureOut">
               <a:rPr lang="en-US" smtClean="0"/>
-              <a:t>4/3/18</a:t>
+              <a:t>4/30/2018</a:t>
             </a:fld>
             <a:endParaRPr lang="en-US"/>
           </a:p>
@@ -1515,7 +1520,7 @@
           <p:cNvPr id="5" name="Footer Placeholder 4">
             <a:extLst>
               <a:ext uri="{FF2B5EF4-FFF2-40B4-BE49-F238E27FC236}">
-                <a16:creationId xmlns:a16="http://schemas.microsoft.com/office/drawing/2014/main" xmlns="" id="{6C85D658-8DA4-4834-B048-C0737BDF37CF}"/>
+                <a16:creationId xmlns:a16="http://schemas.microsoft.com/office/drawing/2014/main" id="{6C85D658-8DA4-4834-B048-C0737BDF37CF}"/>
               </a:ext>
             </a:extLst>
           </p:cNvPr>
@@ -1540,7 +1545,7 @@
           <p:cNvPr id="6" name="Slide Number Placeholder 5">
             <a:extLst>
               <a:ext uri="{FF2B5EF4-FFF2-40B4-BE49-F238E27FC236}">
-                <a16:creationId xmlns:a16="http://schemas.microsoft.com/office/drawing/2014/main" xmlns="" id="{2FF3CF68-0671-43FF-BB4F-20D9CD5A810B}"/>
+                <a16:creationId xmlns:a16="http://schemas.microsoft.com/office/drawing/2014/main" id="{2FF3CF68-0671-43FF-BB4F-20D9CD5A810B}"/>
               </a:ext>
             </a:extLst>
           </p:cNvPr>
@@ -1599,7 +1604,7 @@
           <p:cNvPr id="2" name="Title 1">
             <a:extLst>
               <a:ext uri="{FF2B5EF4-FFF2-40B4-BE49-F238E27FC236}">
-                <a16:creationId xmlns:a16="http://schemas.microsoft.com/office/drawing/2014/main" xmlns="" id="{439EA751-1D31-45D3-A069-5D8D27967CF6}"/>
+                <a16:creationId xmlns:a16="http://schemas.microsoft.com/office/drawing/2014/main" id="{439EA751-1D31-45D3-A069-5D8D27967CF6}"/>
               </a:ext>
             </a:extLst>
           </p:cNvPr>
@@ -1627,7 +1632,7 @@
           <p:cNvPr id="3" name="Content Placeholder 2">
             <a:extLst>
               <a:ext uri="{FF2B5EF4-FFF2-40B4-BE49-F238E27FC236}">
-                <a16:creationId xmlns:a16="http://schemas.microsoft.com/office/drawing/2014/main" xmlns="" id="{B8B82DD7-F37D-4920-9602-6BD6F7E291E0}"/>
+                <a16:creationId xmlns:a16="http://schemas.microsoft.com/office/drawing/2014/main" id="{B8B82DD7-F37D-4920-9602-6BD6F7E291E0}"/>
               </a:ext>
             </a:extLst>
           </p:cNvPr>
@@ -1689,7 +1694,7 @@
           <p:cNvPr id="4" name="Content Placeholder 3">
             <a:extLst>
               <a:ext uri="{FF2B5EF4-FFF2-40B4-BE49-F238E27FC236}">
-                <a16:creationId xmlns:a16="http://schemas.microsoft.com/office/drawing/2014/main" xmlns="" id="{2541DC1C-7753-4E41-AA38-951283795002}"/>
+                <a16:creationId xmlns:a16="http://schemas.microsoft.com/office/drawing/2014/main" id="{2541DC1C-7753-4E41-AA38-951283795002}"/>
               </a:ext>
             </a:extLst>
           </p:cNvPr>
@@ -1751,7 +1756,7 @@
           <p:cNvPr id="5" name="Date Placeholder 4">
             <a:extLst>
               <a:ext uri="{FF2B5EF4-FFF2-40B4-BE49-F238E27FC236}">
-                <a16:creationId xmlns:a16="http://schemas.microsoft.com/office/drawing/2014/main" xmlns="" id="{9BB9F6DA-36A5-47F9-8E62-6EB6EA1BCE39}"/>
+                <a16:creationId xmlns:a16="http://schemas.microsoft.com/office/drawing/2014/main" id="{9BB9F6DA-36A5-47F9-8E62-6EB6EA1BCE39}"/>
               </a:ext>
             </a:extLst>
           </p:cNvPr>
@@ -1769,7 +1774,7 @@
           <a:p>
             <a:fld id="{4CBF3FDA-05A6-4B67-B1A0-7EE43F99B5DB}" type="datetimeFigureOut">
               <a:rPr lang="en-US" smtClean="0"/>
-              <a:t>4/3/18</a:t>
+              <a:t>4/30/2018</a:t>
             </a:fld>
             <a:endParaRPr lang="en-US"/>
           </a:p>
@@ -1780,7 +1785,7 @@
           <p:cNvPr id="6" name="Footer Placeholder 5">
             <a:extLst>
               <a:ext uri="{FF2B5EF4-FFF2-40B4-BE49-F238E27FC236}">
-                <a16:creationId xmlns:a16="http://schemas.microsoft.com/office/drawing/2014/main" xmlns="" id="{7138FC36-1B56-4A01-AF1C-D413FCB34DB8}"/>
+                <a16:creationId xmlns:a16="http://schemas.microsoft.com/office/drawing/2014/main" id="{7138FC36-1B56-4A01-AF1C-D413FCB34DB8}"/>
               </a:ext>
             </a:extLst>
           </p:cNvPr>
@@ -1805,7 +1810,7 @@
           <p:cNvPr id="7" name="Slide Number Placeholder 6">
             <a:extLst>
               <a:ext uri="{FF2B5EF4-FFF2-40B4-BE49-F238E27FC236}">
-                <a16:creationId xmlns:a16="http://schemas.microsoft.com/office/drawing/2014/main" xmlns="" id="{350E5C12-34C3-4563-825D-DB9BE0AE02C6}"/>
+                <a16:creationId xmlns:a16="http://schemas.microsoft.com/office/drawing/2014/main" id="{350E5C12-34C3-4563-825D-DB9BE0AE02C6}"/>
               </a:ext>
             </a:extLst>
           </p:cNvPr>
@@ -1864,7 +1869,7 @@
           <p:cNvPr id="2" name="Title 1">
             <a:extLst>
               <a:ext uri="{FF2B5EF4-FFF2-40B4-BE49-F238E27FC236}">
-                <a16:creationId xmlns:a16="http://schemas.microsoft.com/office/drawing/2014/main" xmlns="" id="{1718E8CD-77D8-4E33-988F-E2AD8170DE61}"/>
+                <a16:creationId xmlns:a16="http://schemas.microsoft.com/office/drawing/2014/main" id="{1718E8CD-77D8-4E33-988F-E2AD8170DE61}"/>
               </a:ext>
             </a:extLst>
           </p:cNvPr>
@@ -1897,7 +1902,7 @@
           <p:cNvPr id="3" name="Text Placeholder 2">
             <a:extLst>
               <a:ext uri="{FF2B5EF4-FFF2-40B4-BE49-F238E27FC236}">
-                <a16:creationId xmlns:a16="http://schemas.microsoft.com/office/drawing/2014/main" xmlns="" id="{32CE2C41-3DC0-49EE-A579-CFE1AAEFED7C}"/>
+                <a16:creationId xmlns:a16="http://schemas.microsoft.com/office/drawing/2014/main" id="{32CE2C41-3DC0-49EE-A579-CFE1AAEFED7C}"/>
               </a:ext>
             </a:extLst>
           </p:cNvPr>
@@ -1968,7 +1973,7 @@
           <p:cNvPr id="4" name="Content Placeholder 3">
             <a:extLst>
               <a:ext uri="{FF2B5EF4-FFF2-40B4-BE49-F238E27FC236}">
-                <a16:creationId xmlns:a16="http://schemas.microsoft.com/office/drawing/2014/main" xmlns="" id="{DD225640-740B-4E6B-BF9A-92EE4F8C5A8B}"/>
+                <a16:creationId xmlns:a16="http://schemas.microsoft.com/office/drawing/2014/main" id="{DD225640-740B-4E6B-BF9A-92EE4F8C5A8B}"/>
               </a:ext>
             </a:extLst>
           </p:cNvPr>
@@ -2030,7 +2035,7 @@
           <p:cNvPr id="5" name="Text Placeholder 4">
             <a:extLst>
               <a:ext uri="{FF2B5EF4-FFF2-40B4-BE49-F238E27FC236}">
-                <a16:creationId xmlns:a16="http://schemas.microsoft.com/office/drawing/2014/main" xmlns="" id="{3488787F-FEE3-4F6A-B201-230C02318760}"/>
+                <a16:creationId xmlns:a16="http://schemas.microsoft.com/office/drawing/2014/main" id="{3488787F-FEE3-4F6A-B201-230C02318760}"/>
               </a:ext>
             </a:extLst>
           </p:cNvPr>
@@ -2101,7 +2106,7 @@
           <p:cNvPr id="6" name="Content Placeholder 5">
             <a:extLst>
               <a:ext uri="{FF2B5EF4-FFF2-40B4-BE49-F238E27FC236}">
-                <a16:creationId xmlns:a16="http://schemas.microsoft.com/office/drawing/2014/main" xmlns="" id="{92AAB766-D34D-4142-B6F5-C03AC5086B5E}"/>
+                <a16:creationId xmlns:a16="http://schemas.microsoft.com/office/drawing/2014/main" id="{92AAB766-D34D-4142-B6F5-C03AC5086B5E}"/>
               </a:ext>
             </a:extLst>
           </p:cNvPr>
@@ -2163,7 +2168,7 @@
           <p:cNvPr id="7" name="Date Placeholder 6">
             <a:extLst>
               <a:ext uri="{FF2B5EF4-FFF2-40B4-BE49-F238E27FC236}">
-                <a16:creationId xmlns:a16="http://schemas.microsoft.com/office/drawing/2014/main" xmlns="" id="{A8EC303F-8A9E-4AAC-8777-DA030A1F7CEE}"/>
+                <a16:creationId xmlns:a16="http://schemas.microsoft.com/office/drawing/2014/main" id="{A8EC303F-8A9E-4AAC-8777-DA030A1F7CEE}"/>
               </a:ext>
             </a:extLst>
           </p:cNvPr>
@@ -2181,7 +2186,7 @@
           <a:p>
             <a:fld id="{4CBF3FDA-05A6-4B67-B1A0-7EE43F99B5DB}" type="datetimeFigureOut">
               <a:rPr lang="en-US" smtClean="0"/>
-              <a:t>4/3/18</a:t>
+              <a:t>4/30/2018</a:t>
             </a:fld>
             <a:endParaRPr lang="en-US"/>
           </a:p>
@@ -2192,7 +2197,7 @@
           <p:cNvPr id="8" name="Footer Placeholder 7">
             <a:extLst>
               <a:ext uri="{FF2B5EF4-FFF2-40B4-BE49-F238E27FC236}">
-                <a16:creationId xmlns:a16="http://schemas.microsoft.com/office/drawing/2014/main" xmlns="" id="{21BB6DFE-DBCF-4DE8-9642-F7695F96AEB1}"/>
+                <a16:creationId xmlns:a16="http://schemas.microsoft.com/office/drawing/2014/main" id="{21BB6DFE-DBCF-4DE8-9642-F7695F96AEB1}"/>
               </a:ext>
             </a:extLst>
           </p:cNvPr>
@@ -2217,7 +2222,7 @@
           <p:cNvPr id="9" name="Slide Number Placeholder 8">
             <a:extLst>
               <a:ext uri="{FF2B5EF4-FFF2-40B4-BE49-F238E27FC236}">
-                <a16:creationId xmlns:a16="http://schemas.microsoft.com/office/drawing/2014/main" xmlns="" id="{440F2FBA-ED92-4D5F-85FD-12C2C2C2D6D4}"/>
+                <a16:creationId xmlns:a16="http://schemas.microsoft.com/office/drawing/2014/main" id="{440F2FBA-ED92-4D5F-85FD-12C2C2C2D6D4}"/>
               </a:ext>
             </a:extLst>
           </p:cNvPr>
@@ -2276,7 +2281,7 @@
           <p:cNvPr id="2" name="Title 1">
             <a:extLst>
               <a:ext uri="{FF2B5EF4-FFF2-40B4-BE49-F238E27FC236}">
-                <a16:creationId xmlns:a16="http://schemas.microsoft.com/office/drawing/2014/main" xmlns="" id="{4C430737-CE3A-46E7-B4F1-463ACAA7D15F}"/>
+                <a16:creationId xmlns:a16="http://schemas.microsoft.com/office/drawing/2014/main" id="{4C430737-CE3A-46E7-B4F1-463ACAA7D15F}"/>
               </a:ext>
             </a:extLst>
           </p:cNvPr>
@@ -2304,7 +2309,7 @@
           <p:cNvPr id="3" name="Date Placeholder 2">
             <a:extLst>
               <a:ext uri="{FF2B5EF4-FFF2-40B4-BE49-F238E27FC236}">
-                <a16:creationId xmlns:a16="http://schemas.microsoft.com/office/drawing/2014/main" xmlns="" id="{68A6CA4F-B539-4F3B-8015-90376A3760FF}"/>
+                <a16:creationId xmlns:a16="http://schemas.microsoft.com/office/drawing/2014/main" id="{68A6CA4F-B539-4F3B-8015-90376A3760FF}"/>
               </a:ext>
             </a:extLst>
           </p:cNvPr>
@@ -2322,7 +2327,7 @@
           <a:p>
             <a:fld id="{4CBF3FDA-05A6-4B67-B1A0-7EE43F99B5DB}" type="datetimeFigureOut">
               <a:rPr lang="en-US" smtClean="0"/>
-              <a:t>4/3/18</a:t>
+              <a:t>4/30/2018</a:t>
             </a:fld>
             <a:endParaRPr lang="en-US"/>
           </a:p>
@@ -2333,7 +2338,7 @@
           <p:cNvPr id="4" name="Footer Placeholder 3">
             <a:extLst>
               <a:ext uri="{FF2B5EF4-FFF2-40B4-BE49-F238E27FC236}">
-                <a16:creationId xmlns:a16="http://schemas.microsoft.com/office/drawing/2014/main" xmlns="" id="{CD345010-E202-497F-8F36-9EB1CF63E6DF}"/>
+                <a16:creationId xmlns:a16="http://schemas.microsoft.com/office/drawing/2014/main" id="{CD345010-E202-497F-8F36-9EB1CF63E6DF}"/>
               </a:ext>
             </a:extLst>
           </p:cNvPr>
@@ -2358,7 +2363,7 @@
           <p:cNvPr id="5" name="Slide Number Placeholder 4">
             <a:extLst>
               <a:ext uri="{FF2B5EF4-FFF2-40B4-BE49-F238E27FC236}">
-                <a16:creationId xmlns:a16="http://schemas.microsoft.com/office/drawing/2014/main" xmlns="" id="{82D20BDD-B41C-467D-A06B-397DF9953A51}"/>
+                <a16:creationId xmlns:a16="http://schemas.microsoft.com/office/drawing/2014/main" id="{82D20BDD-B41C-467D-A06B-397DF9953A51}"/>
               </a:ext>
             </a:extLst>
           </p:cNvPr>
@@ -2417,7 +2422,7 @@
           <p:cNvPr id="2" name="Date Placeholder 1">
             <a:extLst>
               <a:ext uri="{FF2B5EF4-FFF2-40B4-BE49-F238E27FC236}">
-                <a16:creationId xmlns:a16="http://schemas.microsoft.com/office/drawing/2014/main" xmlns="" id="{F98DC1D7-B6A8-4859-A48B-E52EA5DB2909}"/>
+                <a16:creationId xmlns:a16="http://schemas.microsoft.com/office/drawing/2014/main" id="{F98DC1D7-B6A8-4859-A48B-E52EA5DB2909}"/>
               </a:ext>
             </a:extLst>
           </p:cNvPr>
@@ -2435,7 +2440,7 @@
           <a:p>
             <a:fld id="{4CBF3FDA-05A6-4B67-B1A0-7EE43F99B5DB}" type="datetimeFigureOut">
               <a:rPr lang="en-US" smtClean="0"/>
-              <a:t>4/3/18</a:t>
+              <a:t>4/30/2018</a:t>
             </a:fld>
             <a:endParaRPr lang="en-US"/>
           </a:p>
@@ -2446,7 +2451,7 @@
           <p:cNvPr id="3" name="Footer Placeholder 2">
             <a:extLst>
               <a:ext uri="{FF2B5EF4-FFF2-40B4-BE49-F238E27FC236}">
-                <a16:creationId xmlns:a16="http://schemas.microsoft.com/office/drawing/2014/main" xmlns="" id="{9717E500-7658-46E1-B731-B318E007116D}"/>
+                <a16:creationId xmlns:a16="http://schemas.microsoft.com/office/drawing/2014/main" id="{9717E500-7658-46E1-B731-B318E007116D}"/>
               </a:ext>
             </a:extLst>
           </p:cNvPr>
@@ -2471,7 +2476,7 @@
           <p:cNvPr id="4" name="Slide Number Placeholder 3">
             <a:extLst>
               <a:ext uri="{FF2B5EF4-FFF2-40B4-BE49-F238E27FC236}">
-                <a16:creationId xmlns:a16="http://schemas.microsoft.com/office/drawing/2014/main" xmlns="" id="{73EC7F6C-6E2F-408B-93F4-4D64FBFF1DCA}"/>
+                <a16:creationId xmlns:a16="http://schemas.microsoft.com/office/drawing/2014/main" id="{73EC7F6C-6E2F-408B-93F4-4D64FBFF1DCA}"/>
               </a:ext>
             </a:extLst>
           </p:cNvPr>
@@ -2530,7 +2535,7 @@
           <p:cNvPr id="2" name="Title 1">
             <a:extLst>
               <a:ext uri="{FF2B5EF4-FFF2-40B4-BE49-F238E27FC236}">
-                <a16:creationId xmlns:a16="http://schemas.microsoft.com/office/drawing/2014/main" xmlns="" id="{93BA8C25-D02F-458E-B010-E42F4F3CC647}"/>
+                <a16:creationId xmlns:a16="http://schemas.microsoft.com/office/drawing/2014/main" id="{93BA8C25-D02F-458E-B010-E42F4F3CC647}"/>
               </a:ext>
             </a:extLst>
           </p:cNvPr>
@@ -2567,7 +2572,7 @@
           <p:cNvPr id="3" name="Content Placeholder 2">
             <a:extLst>
               <a:ext uri="{FF2B5EF4-FFF2-40B4-BE49-F238E27FC236}">
-                <a16:creationId xmlns:a16="http://schemas.microsoft.com/office/drawing/2014/main" xmlns="" id="{611FE5E7-02F6-4D25-93ED-6671A5E83EE7}"/>
+                <a16:creationId xmlns:a16="http://schemas.microsoft.com/office/drawing/2014/main" id="{611FE5E7-02F6-4D25-93ED-6671A5E83EE7}"/>
               </a:ext>
             </a:extLst>
           </p:cNvPr>
@@ -2657,7 +2662,7 @@
           <p:cNvPr id="4" name="Text Placeholder 3">
             <a:extLst>
               <a:ext uri="{FF2B5EF4-FFF2-40B4-BE49-F238E27FC236}">
-                <a16:creationId xmlns:a16="http://schemas.microsoft.com/office/drawing/2014/main" xmlns="" id="{70BC8072-D038-4A61-B203-DD68CD8F5F99}"/>
+                <a16:creationId xmlns:a16="http://schemas.microsoft.com/office/drawing/2014/main" id="{70BC8072-D038-4A61-B203-DD68CD8F5F99}"/>
               </a:ext>
             </a:extLst>
           </p:cNvPr>
@@ -2728,7 +2733,7 @@
           <p:cNvPr id="5" name="Date Placeholder 4">
             <a:extLst>
               <a:ext uri="{FF2B5EF4-FFF2-40B4-BE49-F238E27FC236}">
-                <a16:creationId xmlns:a16="http://schemas.microsoft.com/office/drawing/2014/main" xmlns="" id="{3E11E078-7A22-49B8-A6C6-8D800CC29948}"/>
+                <a16:creationId xmlns:a16="http://schemas.microsoft.com/office/drawing/2014/main" id="{3E11E078-7A22-49B8-A6C6-8D800CC29948}"/>
               </a:ext>
             </a:extLst>
           </p:cNvPr>
@@ -2746,7 +2751,7 @@
           <a:p>
             <a:fld id="{4CBF3FDA-05A6-4B67-B1A0-7EE43F99B5DB}" type="datetimeFigureOut">
               <a:rPr lang="en-US" smtClean="0"/>
-              <a:t>4/3/18</a:t>
+              <a:t>4/30/2018</a:t>
             </a:fld>
             <a:endParaRPr lang="en-US"/>
           </a:p>
@@ -2757,7 +2762,7 @@
           <p:cNvPr id="6" name="Footer Placeholder 5">
             <a:extLst>
               <a:ext uri="{FF2B5EF4-FFF2-40B4-BE49-F238E27FC236}">
-                <a16:creationId xmlns:a16="http://schemas.microsoft.com/office/drawing/2014/main" xmlns="" id="{36D0926B-84BB-43A7-B942-4AEB82C8E0AA}"/>
+                <a16:creationId xmlns:a16="http://schemas.microsoft.com/office/drawing/2014/main" id="{36D0926B-84BB-43A7-B942-4AEB82C8E0AA}"/>
               </a:ext>
             </a:extLst>
           </p:cNvPr>
@@ -2782,7 +2787,7 @@
           <p:cNvPr id="7" name="Slide Number Placeholder 6">
             <a:extLst>
               <a:ext uri="{FF2B5EF4-FFF2-40B4-BE49-F238E27FC236}">
-                <a16:creationId xmlns:a16="http://schemas.microsoft.com/office/drawing/2014/main" xmlns="" id="{5801882A-D6B9-4C22-89C5-39801221310B}"/>
+                <a16:creationId xmlns:a16="http://schemas.microsoft.com/office/drawing/2014/main" id="{5801882A-D6B9-4C22-89C5-39801221310B}"/>
               </a:ext>
             </a:extLst>
           </p:cNvPr>
@@ -2841,7 +2846,7 @@
           <p:cNvPr id="2" name="Title 1">
             <a:extLst>
               <a:ext uri="{FF2B5EF4-FFF2-40B4-BE49-F238E27FC236}">
-                <a16:creationId xmlns:a16="http://schemas.microsoft.com/office/drawing/2014/main" xmlns="" id="{FB023EB4-68CF-4C7D-A117-3868FE120E0D}"/>
+                <a16:creationId xmlns:a16="http://schemas.microsoft.com/office/drawing/2014/main" id="{FB023EB4-68CF-4C7D-A117-3868FE120E0D}"/>
               </a:ext>
             </a:extLst>
           </p:cNvPr>
@@ -2878,7 +2883,7 @@
           <p:cNvPr id="3" name="Picture Placeholder 2">
             <a:extLst>
               <a:ext uri="{FF2B5EF4-FFF2-40B4-BE49-F238E27FC236}">
-                <a16:creationId xmlns:a16="http://schemas.microsoft.com/office/drawing/2014/main" xmlns="" id="{09891076-A815-43C5-95AB-D12A6C5B5403}"/>
+                <a16:creationId xmlns:a16="http://schemas.microsoft.com/office/drawing/2014/main" id="{09891076-A815-43C5-95AB-D12A6C5B5403}"/>
               </a:ext>
             </a:extLst>
           </p:cNvPr>
@@ -2945,7 +2950,7 @@
           <p:cNvPr id="4" name="Text Placeholder 3">
             <a:extLst>
               <a:ext uri="{FF2B5EF4-FFF2-40B4-BE49-F238E27FC236}">
-                <a16:creationId xmlns:a16="http://schemas.microsoft.com/office/drawing/2014/main" xmlns="" id="{32934487-F4B5-42FC-8D24-42C654DE43EC}"/>
+                <a16:creationId xmlns:a16="http://schemas.microsoft.com/office/drawing/2014/main" id="{32934487-F4B5-42FC-8D24-42C654DE43EC}"/>
               </a:ext>
             </a:extLst>
           </p:cNvPr>
@@ -3016,7 +3021,7 @@
           <p:cNvPr id="5" name="Date Placeholder 4">
             <a:extLst>
               <a:ext uri="{FF2B5EF4-FFF2-40B4-BE49-F238E27FC236}">
-                <a16:creationId xmlns:a16="http://schemas.microsoft.com/office/drawing/2014/main" xmlns="" id="{CF28E8C8-8A27-47BC-AF79-EAD8C7E66C74}"/>
+                <a16:creationId xmlns:a16="http://schemas.microsoft.com/office/drawing/2014/main" id="{CF28E8C8-8A27-47BC-AF79-EAD8C7E66C74}"/>
               </a:ext>
             </a:extLst>
           </p:cNvPr>
@@ -3034,7 +3039,7 @@
           <a:p>
             <a:fld id="{4CBF3FDA-05A6-4B67-B1A0-7EE43F99B5DB}" type="datetimeFigureOut">
               <a:rPr lang="en-US" smtClean="0"/>
-              <a:t>4/3/18</a:t>
+              <a:t>4/30/2018</a:t>
             </a:fld>
             <a:endParaRPr lang="en-US"/>
           </a:p>
@@ -3045,7 +3050,7 @@
           <p:cNvPr id="6" name="Footer Placeholder 5">
             <a:extLst>
               <a:ext uri="{FF2B5EF4-FFF2-40B4-BE49-F238E27FC236}">
-                <a16:creationId xmlns:a16="http://schemas.microsoft.com/office/drawing/2014/main" xmlns="" id="{821F5800-63CB-45B9-9209-A0D8A9FA6832}"/>
+                <a16:creationId xmlns:a16="http://schemas.microsoft.com/office/drawing/2014/main" id="{821F5800-63CB-45B9-9209-A0D8A9FA6832}"/>
               </a:ext>
             </a:extLst>
           </p:cNvPr>
@@ -3070,7 +3075,7 @@
           <p:cNvPr id="7" name="Slide Number Placeholder 6">
             <a:extLst>
               <a:ext uri="{FF2B5EF4-FFF2-40B4-BE49-F238E27FC236}">
-                <a16:creationId xmlns:a16="http://schemas.microsoft.com/office/drawing/2014/main" xmlns="" id="{144558AE-77D4-4BCF-B563-4423B5B6C9C8}"/>
+                <a16:creationId xmlns:a16="http://schemas.microsoft.com/office/drawing/2014/main" id="{144558AE-77D4-4BCF-B563-4423B5B6C9C8}"/>
               </a:ext>
             </a:extLst>
           </p:cNvPr>
@@ -3134,7 +3139,7 @@
           <p:cNvPr id="2" name="Title Placeholder 1">
             <a:extLst>
               <a:ext uri="{FF2B5EF4-FFF2-40B4-BE49-F238E27FC236}">
-                <a16:creationId xmlns:a16="http://schemas.microsoft.com/office/drawing/2014/main" xmlns="" id="{03F8FD26-8D87-4861-B952-19AF16E9D620}"/>
+                <a16:creationId xmlns:a16="http://schemas.microsoft.com/office/drawing/2014/main" id="{03F8FD26-8D87-4861-B952-19AF16E9D620}"/>
               </a:ext>
             </a:extLst>
           </p:cNvPr>
@@ -3172,7 +3177,7 @@
           <p:cNvPr id="3" name="Text Placeholder 2">
             <a:extLst>
               <a:ext uri="{FF2B5EF4-FFF2-40B4-BE49-F238E27FC236}">
-                <a16:creationId xmlns:a16="http://schemas.microsoft.com/office/drawing/2014/main" xmlns="" id="{91B3A21B-8AB2-4761-BA73-00FC3CFA2A2B}"/>
+                <a16:creationId xmlns:a16="http://schemas.microsoft.com/office/drawing/2014/main" id="{91B3A21B-8AB2-4761-BA73-00FC3CFA2A2B}"/>
               </a:ext>
             </a:extLst>
           </p:cNvPr>
@@ -3239,7 +3244,7 @@
           <p:cNvPr id="4" name="Date Placeholder 3">
             <a:extLst>
               <a:ext uri="{FF2B5EF4-FFF2-40B4-BE49-F238E27FC236}">
-                <a16:creationId xmlns:a16="http://schemas.microsoft.com/office/drawing/2014/main" xmlns="" id="{3D236E30-67B3-4573-B346-531490413788}"/>
+                <a16:creationId xmlns:a16="http://schemas.microsoft.com/office/drawing/2014/main" id="{3D236E30-67B3-4573-B346-531490413788}"/>
               </a:ext>
             </a:extLst>
           </p:cNvPr>
@@ -3275,7 +3280,7 @@
           <a:p>
             <a:fld id="{4CBF3FDA-05A6-4B67-B1A0-7EE43F99B5DB}" type="datetimeFigureOut">
               <a:rPr lang="en-US" smtClean="0"/>
-              <a:t>4/3/18</a:t>
+              <a:t>4/30/2018</a:t>
             </a:fld>
             <a:endParaRPr lang="en-US"/>
           </a:p>
@@ -3286,7 +3291,7 @@
           <p:cNvPr id="5" name="Footer Placeholder 4">
             <a:extLst>
               <a:ext uri="{FF2B5EF4-FFF2-40B4-BE49-F238E27FC236}">
-                <a16:creationId xmlns:a16="http://schemas.microsoft.com/office/drawing/2014/main" xmlns="" id="{20D0BD92-0DC1-4A49-BA16-92A5EB96D7DA}"/>
+                <a16:creationId xmlns:a16="http://schemas.microsoft.com/office/drawing/2014/main" id="{20D0BD92-0DC1-4A49-BA16-92A5EB96D7DA}"/>
               </a:ext>
             </a:extLst>
           </p:cNvPr>
@@ -3329,7 +3334,7 @@
           <p:cNvPr id="6" name="Slide Number Placeholder 5">
             <a:extLst>
               <a:ext uri="{FF2B5EF4-FFF2-40B4-BE49-F238E27FC236}">
-                <a16:creationId xmlns:a16="http://schemas.microsoft.com/office/drawing/2014/main" xmlns="" id="{1D5086B6-ECDF-4B95-AD22-87B72C38A8E8}"/>
+                <a16:creationId xmlns:a16="http://schemas.microsoft.com/office/drawing/2014/main" id="{1D5086B6-ECDF-4B95-AD22-87B72C38A8E8}"/>
               </a:ext>
             </a:extLst>
           </p:cNvPr>
@@ -3697,7 +3702,7 @@
           <p:cNvPr id="2" name="Title 1">
             <a:extLst>
               <a:ext uri="{FF2B5EF4-FFF2-40B4-BE49-F238E27FC236}">
-                <a16:creationId xmlns:a16="http://schemas.microsoft.com/office/drawing/2014/main" xmlns="" id="{E963BF55-D87B-4EEA-B2A9-11D9646B8ABF}"/>
+                <a16:creationId xmlns:a16="http://schemas.microsoft.com/office/drawing/2014/main" id="{E963BF55-D87B-4EEA-B2A9-11D9646B8ABF}"/>
               </a:ext>
             </a:extLst>
           </p:cNvPr>
@@ -3725,7 +3730,7 @@
           <p:cNvPr id="3" name="Subtitle 2">
             <a:extLst>
               <a:ext uri="{FF2B5EF4-FFF2-40B4-BE49-F238E27FC236}">
-                <a16:creationId xmlns:a16="http://schemas.microsoft.com/office/drawing/2014/main" xmlns="" id="{B835F513-471D-4E14-9773-51CF6EB1CFEA}"/>
+                <a16:creationId xmlns:a16="http://schemas.microsoft.com/office/drawing/2014/main" id="{B835F513-471D-4E14-9773-51CF6EB1CFEA}"/>
               </a:ext>
             </a:extLst>
           </p:cNvPr>
@@ -3744,7 +3749,7 @@
           <a:lstStyle/>
           <a:p>
             <a:r>
-              <a:rPr lang="en-US" sz="2800" b="1"/>
+              <a:rPr lang="en-US" sz="2800" b="1" dirty="0"/>
               <a:t>Car4U</a:t>
             </a:r>
           </a:p>
@@ -3764,6 +3769,1697 @@
 </file>
 
 <file path=ppt/slides/slide10.xml><?xml version="1.0" encoding="utf-8"?>
+<p:sld xmlns:a="http://schemas.openxmlformats.org/drawingml/2006/main" xmlns:r="http://schemas.openxmlformats.org/officeDocument/2006/relationships" xmlns:p="http://schemas.openxmlformats.org/presentationml/2006/main">
+  <p:cSld>
+    <p:spTree>
+      <p:nvGrpSpPr>
+        <p:cNvPr id="1" name=""/>
+        <p:cNvGrpSpPr/>
+        <p:nvPr/>
+      </p:nvGrpSpPr>
+      <p:grpSpPr>
+        <a:xfrm>
+          <a:off x="0" y="0"/>
+          <a:ext cx="0" cy="0"/>
+          <a:chOff x="0" y="0"/>
+          <a:chExt cx="0" cy="0"/>
+        </a:xfrm>
+      </p:grpSpPr>
+      <p:sp>
+        <p:nvSpPr>
+          <p:cNvPr id="14" name="Content Placeholder 2">
+            <a:extLst>
+              <a:ext uri="{FF2B5EF4-FFF2-40B4-BE49-F238E27FC236}">
+                <a16:creationId xmlns:a16="http://schemas.microsoft.com/office/drawing/2014/main" id="{ACDD2540-F14D-4F7B-B2CE-75D30E7A4F96}"/>
+              </a:ext>
+            </a:extLst>
+          </p:cNvPr>
+          <p:cNvSpPr txBox="1">
+            <a:spLocks/>
+          </p:cNvSpPr>
+          <p:nvPr/>
+        </p:nvSpPr>
+        <p:spPr>
+          <a:xfrm>
+            <a:off x="-4072467" y="-1009782"/>
+            <a:ext cx="10515600" cy="4351338"/>
+          </a:xfrm>
+          <a:prstGeom prst="rect">
+            <a:avLst/>
+          </a:prstGeom>
+        </p:spPr>
+        <p:txBody>
+          <a:bodyPr vert="horz" lIns="91440" tIns="45720" rIns="91440" bIns="45720" rtlCol="0">
+            <a:normAutofit/>
+          </a:bodyPr>
+          <a:lstStyle>
+            <a:lvl1pPr marL="228600" indent="-228600" algn="l" defTabSz="914400" rtl="0" eaLnBrk="1" latinLnBrk="0" hangingPunct="1">
+              <a:lnSpc>
+                <a:spcPct val="90000"/>
+              </a:lnSpc>
+              <a:spcBef>
+                <a:spcPts val="1000"/>
+              </a:spcBef>
+              <a:buFont typeface="Arial" panose="020B0604020202020204" pitchFamily="34" charset="0"/>
+              <a:buChar char="•"/>
+              <a:defRPr sz="2800" kern="1200">
+                <a:solidFill>
+                  <a:schemeClr val="tx1"/>
+                </a:solidFill>
+                <a:latin typeface="+mn-lt"/>
+                <a:ea typeface="+mn-ea"/>
+                <a:cs typeface="+mn-cs"/>
+              </a:defRPr>
+            </a:lvl1pPr>
+            <a:lvl2pPr marL="685800" indent="-228600" algn="l" defTabSz="914400" rtl="0" eaLnBrk="1" latinLnBrk="0" hangingPunct="1">
+              <a:lnSpc>
+                <a:spcPct val="90000"/>
+              </a:lnSpc>
+              <a:spcBef>
+                <a:spcPts val="500"/>
+              </a:spcBef>
+              <a:buFont typeface="Arial" panose="020B0604020202020204" pitchFamily="34" charset="0"/>
+              <a:buChar char="•"/>
+              <a:defRPr sz="2400" kern="1200">
+                <a:solidFill>
+                  <a:schemeClr val="tx1"/>
+                </a:solidFill>
+                <a:latin typeface="+mn-lt"/>
+                <a:ea typeface="+mn-ea"/>
+                <a:cs typeface="+mn-cs"/>
+              </a:defRPr>
+            </a:lvl2pPr>
+            <a:lvl3pPr marL="1143000" indent="-228600" algn="l" defTabSz="914400" rtl="0" eaLnBrk="1" latinLnBrk="0" hangingPunct="1">
+              <a:lnSpc>
+                <a:spcPct val="90000"/>
+              </a:lnSpc>
+              <a:spcBef>
+                <a:spcPts val="500"/>
+              </a:spcBef>
+              <a:buFont typeface="Arial" panose="020B0604020202020204" pitchFamily="34" charset="0"/>
+              <a:buChar char="•"/>
+              <a:defRPr sz="2000" kern="1200">
+                <a:solidFill>
+                  <a:schemeClr val="tx1"/>
+                </a:solidFill>
+                <a:latin typeface="+mn-lt"/>
+                <a:ea typeface="+mn-ea"/>
+                <a:cs typeface="+mn-cs"/>
+              </a:defRPr>
+            </a:lvl3pPr>
+            <a:lvl4pPr marL="1600200" indent="-228600" algn="l" defTabSz="914400" rtl="0" eaLnBrk="1" latinLnBrk="0" hangingPunct="1">
+              <a:lnSpc>
+                <a:spcPct val="90000"/>
+              </a:lnSpc>
+              <a:spcBef>
+                <a:spcPts val="500"/>
+              </a:spcBef>
+              <a:buFont typeface="Arial" panose="020B0604020202020204" pitchFamily="34" charset="0"/>
+              <a:buChar char="•"/>
+              <a:defRPr sz="1800" kern="1200">
+                <a:solidFill>
+                  <a:schemeClr val="tx1"/>
+                </a:solidFill>
+                <a:latin typeface="+mn-lt"/>
+                <a:ea typeface="+mn-ea"/>
+                <a:cs typeface="+mn-cs"/>
+              </a:defRPr>
+            </a:lvl4pPr>
+            <a:lvl5pPr marL="2057400" indent="-228600" algn="l" defTabSz="914400" rtl="0" eaLnBrk="1" latinLnBrk="0" hangingPunct="1">
+              <a:lnSpc>
+                <a:spcPct val="90000"/>
+              </a:lnSpc>
+              <a:spcBef>
+                <a:spcPts val="500"/>
+              </a:spcBef>
+              <a:buFont typeface="Arial" panose="020B0604020202020204" pitchFamily="34" charset="0"/>
+              <a:buChar char="•"/>
+              <a:defRPr sz="1800" kern="1200">
+                <a:solidFill>
+                  <a:schemeClr val="tx1"/>
+                </a:solidFill>
+                <a:latin typeface="+mn-lt"/>
+                <a:ea typeface="+mn-ea"/>
+                <a:cs typeface="+mn-cs"/>
+              </a:defRPr>
+            </a:lvl5pPr>
+            <a:lvl6pPr marL="2514600" indent="-228600" algn="l" defTabSz="914400" rtl="0" eaLnBrk="1" latinLnBrk="0" hangingPunct="1">
+              <a:lnSpc>
+                <a:spcPct val="90000"/>
+              </a:lnSpc>
+              <a:spcBef>
+                <a:spcPts val="500"/>
+              </a:spcBef>
+              <a:buFont typeface="Arial" panose="020B0604020202020204" pitchFamily="34" charset="0"/>
+              <a:buChar char="•"/>
+              <a:defRPr sz="1800" kern="1200">
+                <a:solidFill>
+                  <a:schemeClr val="tx1"/>
+                </a:solidFill>
+                <a:latin typeface="+mn-lt"/>
+                <a:ea typeface="+mn-ea"/>
+                <a:cs typeface="+mn-cs"/>
+              </a:defRPr>
+            </a:lvl6pPr>
+            <a:lvl7pPr marL="2971800" indent="-228600" algn="l" defTabSz="914400" rtl="0" eaLnBrk="1" latinLnBrk="0" hangingPunct="1">
+              <a:lnSpc>
+                <a:spcPct val="90000"/>
+              </a:lnSpc>
+              <a:spcBef>
+                <a:spcPts val="500"/>
+              </a:spcBef>
+              <a:buFont typeface="Arial" panose="020B0604020202020204" pitchFamily="34" charset="0"/>
+              <a:buChar char="•"/>
+              <a:defRPr sz="1800" kern="1200">
+                <a:solidFill>
+                  <a:schemeClr val="tx1"/>
+                </a:solidFill>
+                <a:latin typeface="+mn-lt"/>
+                <a:ea typeface="+mn-ea"/>
+                <a:cs typeface="+mn-cs"/>
+              </a:defRPr>
+            </a:lvl7pPr>
+            <a:lvl8pPr marL="3429000" indent="-228600" algn="l" defTabSz="914400" rtl="0" eaLnBrk="1" latinLnBrk="0" hangingPunct="1">
+              <a:lnSpc>
+                <a:spcPct val="90000"/>
+              </a:lnSpc>
+              <a:spcBef>
+                <a:spcPts val="500"/>
+              </a:spcBef>
+              <a:buFont typeface="Arial" panose="020B0604020202020204" pitchFamily="34" charset="0"/>
+              <a:buChar char="•"/>
+              <a:defRPr sz="1800" kern="1200">
+                <a:solidFill>
+                  <a:schemeClr val="tx1"/>
+                </a:solidFill>
+                <a:latin typeface="+mn-lt"/>
+                <a:ea typeface="+mn-ea"/>
+                <a:cs typeface="+mn-cs"/>
+              </a:defRPr>
+            </a:lvl8pPr>
+            <a:lvl9pPr marL="3886200" indent="-228600" algn="l" defTabSz="914400" rtl="0" eaLnBrk="1" latinLnBrk="0" hangingPunct="1">
+              <a:lnSpc>
+                <a:spcPct val="90000"/>
+              </a:lnSpc>
+              <a:spcBef>
+                <a:spcPts val="500"/>
+              </a:spcBef>
+              <a:buFont typeface="Arial" panose="020B0604020202020204" pitchFamily="34" charset="0"/>
+              <a:buChar char="•"/>
+              <a:defRPr sz="1800" kern="1200">
+                <a:solidFill>
+                  <a:schemeClr val="tx1"/>
+                </a:solidFill>
+                <a:latin typeface="+mn-lt"/>
+                <a:ea typeface="+mn-ea"/>
+                <a:cs typeface="+mn-cs"/>
+              </a:defRPr>
+            </a:lvl9pPr>
+          </a:lstStyle>
+          <a:p>
+            <a:endParaRPr lang="en-US" dirty="0"/>
+          </a:p>
+        </p:txBody>
+      </p:sp>
+      <p:sp>
+        <p:nvSpPr>
+          <p:cNvPr id="22" name="Title 1">
+            <a:extLst>
+              <a:ext uri="{FF2B5EF4-FFF2-40B4-BE49-F238E27FC236}">
+                <a16:creationId xmlns:a16="http://schemas.microsoft.com/office/drawing/2014/main" id="{8D9F7371-85C1-415E-80EF-4A438412B1D9}"/>
+              </a:ext>
+            </a:extLst>
+          </p:cNvPr>
+          <p:cNvSpPr>
+            <a:spLocks noGrp="1"/>
+          </p:cNvSpPr>
+          <p:nvPr>
+            <p:ph type="title"/>
+          </p:nvPr>
+        </p:nvSpPr>
+        <p:spPr>
+          <a:xfrm>
+            <a:off x="402627" y="286375"/>
+            <a:ext cx="4393588" cy="641783"/>
+          </a:xfrm>
+        </p:spPr>
+        <p:txBody>
+          <a:bodyPr>
+            <a:normAutofit fontScale="90000"/>
+          </a:bodyPr>
+          <a:lstStyle/>
+          <a:p>
+            <a:r>
+              <a:rPr lang="en-US" sz="4900" dirty="0"/>
+              <a:t>Hans Müller</a:t>
+            </a:r>
+            <a:endParaRPr lang="en-US" dirty="0"/>
+          </a:p>
+        </p:txBody>
+      </p:sp>
+      <p:pic>
+        <p:nvPicPr>
+          <p:cNvPr id="23" name="Content Placeholder 5">
+            <a:extLst>
+              <a:ext uri="{FF2B5EF4-FFF2-40B4-BE49-F238E27FC236}">
+                <a16:creationId xmlns:a16="http://schemas.microsoft.com/office/drawing/2014/main" id="{D08DDC76-039A-4B76-8C6E-FC118EF46753}"/>
+              </a:ext>
+            </a:extLst>
+          </p:cNvPr>
+          <p:cNvPicPr>
+            <a:picLocks noGrp="1" noChangeAspect="1"/>
+          </p:cNvPicPr>
+          <p:nvPr>
+            <p:ph idx="1"/>
+          </p:nvPr>
+        </p:nvPicPr>
+        <p:blipFill>
+          <a:blip r:embed="rId2">
+            <a:extLst>
+              <a:ext uri="{28A0092B-C50C-407E-A947-70E740481C1C}">
+                <a14:useLocalDpi xmlns:a14="http://schemas.microsoft.com/office/drawing/2010/main" val="0"/>
+              </a:ext>
+            </a:extLst>
+          </a:blip>
+          <a:stretch>
+            <a:fillRect/>
+          </a:stretch>
+        </p:blipFill>
+        <p:spPr>
+          <a:xfrm>
+            <a:off x="402627" y="1127983"/>
+            <a:ext cx="3758472" cy="2738986"/>
+          </a:xfrm>
+        </p:spPr>
+      </p:pic>
+      <p:sp>
+        <p:nvSpPr>
+          <p:cNvPr id="24" name="TextBox 23">
+            <a:extLst>
+              <a:ext uri="{FF2B5EF4-FFF2-40B4-BE49-F238E27FC236}">
+                <a16:creationId xmlns:a16="http://schemas.microsoft.com/office/drawing/2014/main" id="{FCF12F68-2201-4606-B93C-F87055A860DB}"/>
+              </a:ext>
+            </a:extLst>
+          </p:cNvPr>
+          <p:cNvSpPr txBox="1"/>
+          <p:nvPr/>
+        </p:nvSpPr>
+        <p:spPr>
+          <a:xfrm>
+            <a:off x="321160" y="3955897"/>
+            <a:ext cx="3758472" cy="646331"/>
+          </a:xfrm>
+          <a:prstGeom prst="rect">
+            <a:avLst/>
+          </a:prstGeom>
+          <a:noFill/>
+        </p:spPr>
+        <p:txBody>
+          <a:bodyPr wrap="square" rtlCol="0">
+            <a:spAutoFit/>
+          </a:bodyPr>
+          <a:lstStyle/>
+          <a:p>
+            <a:r>
+              <a:rPr lang="en-US" dirty="0">
+                <a:solidFill>
+                  <a:schemeClr val="tx1">
+                    <a:lumMod val="50000"/>
+                    <a:lumOff val="50000"/>
+                  </a:schemeClr>
+                </a:solidFill>
+              </a:rPr>
+              <a:t>“Ich will </a:t>
+            </a:r>
+            <a:r>
+              <a:rPr lang="en-US" dirty="0" err="1">
+                <a:solidFill>
+                  <a:schemeClr val="tx1">
+                    <a:lumMod val="50000"/>
+                    <a:lumOff val="50000"/>
+                  </a:schemeClr>
+                </a:solidFill>
+              </a:rPr>
+              <a:t>mit</a:t>
+            </a:r>
+            <a:r>
+              <a:rPr lang="en-US" dirty="0">
+                <a:solidFill>
+                  <a:schemeClr val="tx1">
+                    <a:lumMod val="50000"/>
+                    <a:lumOff val="50000"/>
+                  </a:schemeClr>
+                </a:solidFill>
+              </a:rPr>
+              <a:t> </a:t>
+            </a:r>
+            <a:r>
+              <a:rPr lang="en-US" dirty="0" err="1">
+                <a:solidFill>
+                  <a:schemeClr val="tx1">
+                    <a:lumMod val="50000"/>
+                    <a:lumOff val="50000"/>
+                  </a:schemeClr>
+                </a:solidFill>
+              </a:rPr>
+              <a:t>meiner</a:t>
+            </a:r>
+            <a:r>
+              <a:rPr lang="en-US" dirty="0">
+                <a:solidFill>
+                  <a:schemeClr val="tx1">
+                    <a:lumMod val="50000"/>
+                    <a:lumOff val="50000"/>
+                  </a:schemeClr>
+                </a:solidFill>
+              </a:rPr>
+              <a:t> </a:t>
+            </a:r>
+            <a:r>
+              <a:rPr lang="en-US" dirty="0" err="1">
+                <a:solidFill>
+                  <a:schemeClr val="tx1">
+                    <a:lumMod val="50000"/>
+                    <a:lumOff val="50000"/>
+                  </a:schemeClr>
+                </a:solidFill>
+              </a:rPr>
+              <a:t>Arbeit</a:t>
+            </a:r>
+            <a:r>
+              <a:rPr lang="en-US" dirty="0">
+                <a:solidFill>
+                  <a:schemeClr val="tx1">
+                    <a:lumMod val="50000"/>
+                    <a:lumOff val="50000"/>
+                  </a:schemeClr>
+                </a:solidFill>
+              </a:rPr>
+              <a:t> Leben </a:t>
+            </a:r>
+            <a:r>
+              <a:rPr lang="en-US" dirty="0" err="1">
+                <a:solidFill>
+                  <a:schemeClr val="tx1">
+                    <a:lumMod val="50000"/>
+                    <a:lumOff val="50000"/>
+                  </a:schemeClr>
+                </a:solidFill>
+              </a:rPr>
+              <a:t>retten</a:t>
+            </a:r>
+            <a:r>
+              <a:rPr lang="en-US" dirty="0">
+                <a:solidFill>
+                  <a:schemeClr val="tx1">
+                    <a:lumMod val="50000"/>
+                    <a:lumOff val="50000"/>
+                  </a:schemeClr>
+                </a:solidFill>
+              </a:rPr>
+              <a:t>”</a:t>
+            </a:r>
+          </a:p>
+        </p:txBody>
+      </p:sp>
+      <p:grpSp>
+        <p:nvGrpSpPr>
+          <p:cNvPr id="25" name="Group 24">
+            <a:extLst>
+              <a:ext uri="{FF2B5EF4-FFF2-40B4-BE49-F238E27FC236}">
+                <a16:creationId xmlns:a16="http://schemas.microsoft.com/office/drawing/2014/main" id="{07FDF18E-DC0E-4629-8663-210C7F0735B2}"/>
+              </a:ext>
+            </a:extLst>
+          </p:cNvPr>
+          <p:cNvGrpSpPr/>
+          <p:nvPr/>
+        </p:nvGrpSpPr>
+        <p:grpSpPr>
+          <a:xfrm>
+            <a:off x="4658243" y="1127983"/>
+            <a:ext cx="2438397" cy="634502"/>
+            <a:chOff x="9083040" y="1237842"/>
+            <a:chExt cx="2105293" cy="634502"/>
+          </a:xfrm>
+        </p:grpSpPr>
+        <p:sp>
+          <p:nvSpPr>
+            <p:cNvPr id="26" name="Rectangle: Rounded Corners 25">
+              <a:extLst>
+                <a:ext uri="{FF2B5EF4-FFF2-40B4-BE49-F238E27FC236}">
+                  <a16:creationId xmlns:a16="http://schemas.microsoft.com/office/drawing/2014/main" id="{6C497FA3-4066-4BBC-A89B-47492867A141}"/>
+                </a:ext>
+              </a:extLst>
+            </p:cNvPr>
+            <p:cNvSpPr/>
+            <p:nvPr/>
+          </p:nvSpPr>
+          <p:spPr>
+            <a:xfrm>
+              <a:off x="9524996" y="1237842"/>
+              <a:ext cx="1663337" cy="634502"/>
+            </a:xfrm>
+            <a:prstGeom prst="roundRect">
+              <a:avLst/>
+            </a:prstGeom>
+            <a:solidFill>
+              <a:schemeClr val="bg1"/>
+            </a:solidFill>
+            <a:ln w="38100">
+              <a:solidFill>
+                <a:schemeClr val="accent1">
+                  <a:lumMod val="75000"/>
+                </a:schemeClr>
+              </a:solidFill>
+            </a:ln>
+          </p:spPr>
+          <p:style>
+            <a:lnRef idx="2">
+              <a:schemeClr val="accent2"/>
+            </a:lnRef>
+            <a:fillRef idx="1">
+              <a:schemeClr val="lt1"/>
+            </a:fillRef>
+            <a:effectRef idx="0">
+              <a:schemeClr val="accent2"/>
+            </a:effectRef>
+            <a:fontRef idx="minor">
+              <a:schemeClr val="dk1"/>
+            </a:fontRef>
+          </p:style>
+          <p:txBody>
+            <a:bodyPr rtlCol="0" anchor="ctr"/>
+            <a:lstStyle/>
+            <a:p>
+              <a:pPr algn="ctr"/>
+              <a:r>
+                <a:rPr lang="en-US" b="1" dirty="0" err="1"/>
+                <a:t>Pflichtbewusst</a:t>
+              </a:r>
+              <a:endParaRPr lang="en-US" b="1" dirty="0"/>
+            </a:p>
+          </p:txBody>
+        </p:sp>
+        <p:sp>
+          <p:nvSpPr>
+            <p:cNvPr id="27" name="Arrow: Right 26">
+              <a:extLst>
+                <a:ext uri="{FF2B5EF4-FFF2-40B4-BE49-F238E27FC236}">
+                  <a16:creationId xmlns:a16="http://schemas.microsoft.com/office/drawing/2014/main" id="{FE25003F-3ABB-40AD-9EE3-07B5D2EC8827}"/>
+                </a:ext>
+              </a:extLst>
+            </p:cNvPr>
+            <p:cNvSpPr/>
+            <p:nvPr/>
+          </p:nvSpPr>
+          <p:spPr>
+            <a:xfrm>
+              <a:off x="9083040" y="1382150"/>
+              <a:ext cx="441958" cy="308537"/>
+            </a:xfrm>
+            <a:prstGeom prst="rightArrow">
+              <a:avLst/>
+            </a:prstGeom>
+          </p:spPr>
+          <p:style>
+            <a:lnRef idx="2">
+              <a:schemeClr val="accent1">
+                <a:shade val="50000"/>
+              </a:schemeClr>
+            </a:lnRef>
+            <a:fillRef idx="1">
+              <a:schemeClr val="accent1"/>
+            </a:fillRef>
+            <a:effectRef idx="0">
+              <a:schemeClr val="accent1"/>
+            </a:effectRef>
+            <a:fontRef idx="minor">
+              <a:schemeClr val="lt1"/>
+            </a:fontRef>
+          </p:style>
+          <p:txBody>
+            <a:bodyPr rtlCol="0" anchor="ctr"/>
+            <a:lstStyle/>
+            <a:p>
+              <a:pPr algn="ctr"/>
+              <a:endParaRPr lang="en-US"/>
+            </a:p>
+          </p:txBody>
+        </p:sp>
+      </p:grpSp>
+      <p:grpSp>
+        <p:nvGrpSpPr>
+          <p:cNvPr id="28" name="Group 27">
+            <a:extLst>
+              <a:ext uri="{FF2B5EF4-FFF2-40B4-BE49-F238E27FC236}">
+                <a16:creationId xmlns:a16="http://schemas.microsoft.com/office/drawing/2014/main" id="{BF0DD0E8-C2E4-4FCF-8E49-5C1D801C9D0E}"/>
+              </a:ext>
+            </a:extLst>
+          </p:cNvPr>
+          <p:cNvGrpSpPr/>
+          <p:nvPr/>
+        </p:nvGrpSpPr>
+        <p:grpSpPr>
+          <a:xfrm>
+            <a:off x="4608170" y="2134634"/>
+            <a:ext cx="2475667" cy="634502"/>
+            <a:chOff x="9083040" y="1237842"/>
+            <a:chExt cx="2105295" cy="634502"/>
+          </a:xfrm>
+        </p:grpSpPr>
+        <p:sp>
+          <p:nvSpPr>
+            <p:cNvPr id="29" name="Rectangle: Rounded Corners 28">
+              <a:extLst>
+                <a:ext uri="{FF2B5EF4-FFF2-40B4-BE49-F238E27FC236}">
+                  <a16:creationId xmlns:a16="http://schemas.microsoft.com/office/drawing/2014/main" id="{2EF62A1D-3212-411C-8D40-2FC93635CF53}"/>
+                </a:ext>
+              </a:extLst>
+            </p:cNvPr>
+            <p:cNvSpPr/>
+            <p:nvPr/>
+          </p:nvSpPr>
+          <p:spPr>
+            <a:xfrm>
+              <a:off x="9524998" y="1237842"/>
+              <a:ext cx="1663337" cy="634502"/>
+            </a:xfrm>
+            <a:prstGeom prst="roundRect">
+              <a:avLst/>
+            </a:prstGeom>
+            <a:solidFill>
+              <a:schemeClr val="bg1"/>
+            </a:solidFill>
+            <a:ln w="38100">
+              <a:solidFill>
+                <a:schemeClr val="accent1">
+                  <a:lumMod val="75000"/>
+                </a:schemeClr>
+              </a:solidFill>
+            </a:ln>
+          </p:spPr>
+          <p:style>
+            <a:lnRef idx="2">
+              <a:schemeClr val="accent2"/>
+            </a:lnRef>
+            <a:fillRef idx="1">
+              <a:schemeClr val="lt1"/>
+            </a:fillRef>
+            <a:effectRef idx="0">
+              <a:schemeClr val="accent2"/>
+            </a:effectRef>
+            <a:fontRef idx="minor">
+              <a:schemeClr val="dk1"/>
+            </a:fontRef>
+          </p:style>
+          <p:txBody>
+            <a:bodyPr rtlCol="0" anchor="ctr"/>
+            <a:lstStyle/>
+            <a:p>
+              <a:pPr algn="ctr"/>
+              <a:r>
+                <a:rPr lang="en-US" b="1" dirty="0" err="1"/>
+                <a:t>Fleissig</a:t>
+              </a:r>
+              <a:endParaRPr lang="en-US" b="1" dirty="0"/>
+            </a:p>
+          </p:txBody>
+        </p:sp>
+        <p:sp>
+          <p:nvSpPr>
+            <p:cNvPr id="30" name="Arrow: Right 29">
+              <a:extLst>
+                <a:ext uri="{FF2B5EF4-FFF2-40B4-BE49-F238E27FC236}">
+                  <a16:creationId xmlns:a16="http://schemas.microsoft.com/office/drawing/2014/main" id="{9E109DFF-6E82-4A03-9C3F-B60E5DF12DA1}"/>
+                </a:ext>
+              </a:extLst>
+            </p:cNvPr>
+            <p:cNvSpPr/>
+            <p:nvPr/>
+          </p:nvSpPr>
+          <p:spPr>
+            <a:xfrm>
+              <a:off x="9083040" y="1382150"/>
+              <a:ext cx="441958" cy="308537"/>
+            </a:xfrm>
+            <a:prstGeom prst="rightArrow">
+              <a:avLst/>
+            </a:prstGeom>
+          </p:spPr>
+          <p:style>
+            <a:lnRef idx="2">
+              <a:schemeClr val="accent1">
+                <a:shade val="50000"/>
+              </a:schemeClr>
+            </a:lnRef>
+            <a:fillRef idx="1">
+              <a:schemeClr val="accent1"/>
+            </a:fillRef>
+            <a:effectRef idx="0">
+              <a:schemeClr val="accent1"/>
+            </a:effectRef>
+            <a:fontRef idx="minor">
+              <a:schemeClr val="lt1"/>
+            </a:fontRef>
+          </p:style>
+          <p:txBody>
+            <a:bodyPr rtlCol="0" anchor="ctr"/>
+            <a:lstStyle/>
+            <a:p>
+              <a:pPr algn="ctr"/>
+              <a:endParaRPr lang="en-US"/>
+            </a:p>
+          </p:txBody>
+        </p:sp>
+      </p:grpSp>
+      <p:grpSp>
+        <p:nvGrpSpPr>
+          <p:cNvPr id="31" name="Group 30">
+            <a:extLst>
+              <a:ext uri="{FF2B5EF4-FFF2-40B4-BE49-F238E27FC236}">
+                <a16:creationId xmlns:a16="http://schemas.microsoft.com/office/drawing/2014/main" id="{3CD8A164-3916-45C7-983F-831CB374D73B}"/>
+              </a:ext>
+            </a:extLst>
+          </p:cNvPr>
+          <p:cNvGrpSpPr/>
+          <p:nvPr/>
+        </p:nvGrpSpPr>
+        <p:grpSpPr>
+          <a:xfrm>
+            <a:off x="4645438" y="3139708"/>
+            <a:ext cx="2438399" cy="634502"/>
+            <a:chOff x="9083040" y="1237842"/>
+            <a:chExt cx="2105295" cy="634502"/>
+          </a:xfrm>
+        </p:grpSpPr>
+        <p:sp>
+          <p:nvSpPr>
+            <p:cNvPr id="32" name="Rectangle: Rounded Corners 31">
+              <a:extLst>
+                <a:ext uri="{FF2B5EF4-FFF2-40B4-BE49-F238E27FC236}">
+                  <a16:creationId xmlns:a16="http://schemas.microsoft.com/office/drawing/2014/main" id="{7F5B38DB-8550-4ECF-89E2-6EFB276E7F0F}"/>
+                </a:ext>
+              </a:extLst>
+            </p:cNvPr>
+            <p:cNvSpPr/>
+            <p:nvPr/>
+          </p:nvSpPr>
+          <p:spPr>
+            <a:xfrm>
+              <a:off x="9524998" y="1237842"/>
+              <a:ext cx="1663337" cy="634502"/>
+            </a:xfrm>
+            <a:prstGeom prst="roundRect">
+              <a:avLst/>
+            </a:prstGeom>
+            <a:solidFill>
+              <a:schemeClr val="bg1"/>
+            </a:solidFill>
+            <a:ln w="38100">
+              <a:solidFill>
+                <a:schemeClr val="accent1">
+                  <a:lumMod val="75000"/>
+                </a:schemeClr>
+              </a:solidFill>
+            </a:ln>
+          </p:spPr>
+          <p:style>
+            <a:lnRef idx="2">
+              <a:schemeClr val="accent2"/>
+            </a:lnRef>
+            <a:fillRef idx="1">
+              <a:schemeClr val="lt1"/>
+            </a:fillRef>
+            <a:effectRef idx="0">
+              <a:schemeClr val="accent2"/>
+            </a:effectRef>
+            <a:fontRef idx="minor">
+              <a:schemeClr val="dk1"/>
+            </a:fontRef>
+          </p:style>
+          <p:txBody>
+            <a:bodyPr rtlCol="0" anchor="ctr"/>
+            <a:lstStyle/>
+            <a:p>
+              <a:pPr algn="ctr"/>
+              <a:r>
+                <a:rPr lang="en-US" b="1" dirty="0" err="1"/>
+                <a:t>Exakt</a:t>
+              </a:r>
+              <a:endParaRPr lang="en-US" b="1" dirty="0"/>
+            </a:p>
+          </p:txBody>
+        </p:sp>
+        <p:sp>
+          <p:nvSpPr>
+            <p:cNvPr id="33" name="Arrow: Right 32">
+              <a:extLst>
+                <a:ext uri="{FF2B5EF4-FFF2-40B4-BE49-F238E27FC236}">
+                  <a16:creationId xmlns:a16="http://schemas.microsoft.com/office/drawing/2014/main" id="{00563BFE-E291-4FF3-B02C-2D02944DA60D}"/>
+                </a:ext>
+              </a:extLst>
+            </p:cNvPr>
+            <p:cNvSpPr/>
+            <p:nvPr/>
+          </p:nvSpPr>
+          <p:spPr>
+            <a:xfrm>
+              <a:off x="9083040" y="1382150"/>
+              <a:ext cx="441958" cy="308537"/>
+            </a:xfrm>
+            <a:prstGeom prst="rightArrow">
+              <a:avLst/>
+            </a:prstGeom>
+          </p:spPr>
+          <p:style>
+            <a:lnRef idx="2">
+              <a:schemeClr val="accent1">
+                <a:shade val="50000"/>
+              </a:schemeClr>
+            </a:lnRef>
+            <a:fillRef idx="1">
+              <a:schemeClr val="accent1"/>
+            </a:fillRef>
+            <a:effectRef idx="0">
+              <a:schemeClr val="accent1"/>
+            </a:effectRef>
+            <a:fontRef idx="minor">
+              <a:schemeClr val="lt1"/>
+            </a:fontRef>
+          </p:style>
+          <p:txBody>
+            <a:bodyPr rtlCol="0" anchor="ctr"/>
+            <a:lstStyle/>
+            <a:p>
+              <a:pPr algn="ctr"/>
+              <a:endParaRPr lang="en-US"/>
+            </a:p>
+          </p:txBody>
+        </p:sp>
+      </p:grpSp>
+    </p:spTree>
+    <p:extLst>
+      <p:ext uri="{BB962C8B-B14F-4D97-AF65-F5344CB8AC3E}">
+        <p14:creationId xmlns:p14="http://schemas.microsoft.com/office/powerpoint/2010/main" val="956525338"/>
+      </p:ext>
+    </p:extLst>
+  </p:cSld>
+  <p:clrMapOvr>
+    <a:masterClrMapping/>
+  </p:clrMapOvr>
+</p:sld>
+</file>
+
+<file path=ppt/slides/slide11.xml><?xml version="1.0" encoding="utf-8"?>
+<p:sld xmlns:a="http://schemas.openxmlformats.org/drawingml/2006/main" xmlns:r="http://schemas.openxmlformats.org/officeDocument/2006/relationships" xmlns:p="http://schemas.openxmlformats.org/presentationml/2006/main">
+  <p:cSld>
+    <p:spTree>
+      <p:nvGrpSpPr>
+        <p:cNvPr id="1" name=""/>
+        <p:cNvGrpSpPr/>
+        <p:nvPr/>
+      </p:nvGrpSpPr>
+      <p:grpSpPr>
+        <a:xfrm>
+          <a:off x="0" y="0"/>
+          <a:ext cx="0" cy="0"/>
+          <a:chOff x="0" y="0"/>
+          <a:chExt cx="0" cy="0"/>
+        </a:xfrm>
+      </p:grpSpPr>
+      <p:sp>
+        <p:nvSpPr>
+          <p:cNvPr id="14" name="Content Placeholder 2">
+            <a:extLst>
+              <a:ext uri="{FF2B5EF4-FFF2-40B4-BE49-F238E27FC236}">
+                <a16:creationId xmlns:a16="http://schemas.microsoft.com/office/drawing/2014/main" id="{ACDD2540-F14D-4F7B-B2CE-75D30E7A4F96}"/>
+              </a:ext>
+            </a:extLst>
+          </p:cNvPr>
+          <p:cNvSpPr txBox="1">
+            <a:spLocks/>
+          </p:cNvSpPr>
+          <p:nvPr/>
+        </p:nvSpPr>
+        <p:spPr>
+          <a:xfrm>
+            <a:off x="-4072467" y="-1009782"/>
+            <a:ext cx="10515600" cy="4351338"/>
+          </a:xfrm>
+          <a:prstGeom prst="rect">
+            <a:avLst/>
+          </a:prstGeom>
+        </p:spPr>
+        <p:txBody>
+          <a:bodyPr vert="horz" lIns="91440" tIns="45720" rIns="91440" bIns="45720" rtlCol="0">
+            <a:normAutofit/>
+          </a:bodyPr>
+          <a:lstStyle>
+            <a:lvl1pPr marL="228600" indent="-228600" algn="l" defTabSz="914400" rtl="0" eaLnBrk="1" latinLnBrk="0" hangingPunct="1">
+              <a:lnSpc>
+                <a:spcPct val="90000"/>
+              </a:lnSpc>
+              <a:spcBef>
+                <a:spcPts val="1000"/>
+              </a:spcBef>
+              <a:buFont typeface="Arial" panose="020B0604020202020204" pitchFamily="34" charset="0"/>
+              <a:buChar char="•"/>
+              <a:defRPr sz="2800" kern="1200">
+                <a:solidFill>
+                  <a:schemeClr val="tx1"/>
+                </a:solidFill>
+                <a:latin typeface="+mn-lt"/>
+                <a:ea typeface="+mn-ea"/>
+                <a:cs typeface="+mn-cs"/>
+              </a:defRPr>
+            </a:lvl1pPr>
+            <a:lvl2pPr marL="685800" indent="-228600" algn="l" defTabSz="914400" rtl="0" eaLnBrk="1" latinLnBrk="0" hangingPunct="1">
+              <a:lnSpc>
+                <a:spcPct val="90000"/>
+              </a:lnSpc>
+              <a:spcBef>
+                <a:spcPts val="500"/>
+              </a:spcBef>
+              <a:buFont typeface="Arial" panose="020B0604020202020204" pitchFamily="34" charset="0"/>
+              <a:buChar char="•"/>
+              <a:defRPr sz="2400" kern="1200">
+                <a:solidFill>
+                  <a:schemeClr val="tx1"/>
+                </a:solidFill>
+                <a:latin typeface="+mn-lt"/>
+                <a:ea typeface="+mn-ea"/>
+                <a:cs typeface="+mn-cs"/>
+              </a:defRPr>
+            </a:lvl2pPr>
+            <a:lvl3pPr marL="1143000" indent="-228600" algn="l" defTabSz="914400" rtl="0" eaLnBrk="1" latinLnBrk="0" hangingPunct="1">
+              <a:lnSpc>
+                <a:spcPct val="90000"/>
+              </a:lnSpc>
+              <a:spcBef>
+                <a:spcPts val="500"/>
+              </a:spcBef>
+              <a:buFont typeface="Arial" panose="020B0604020202020204" pitchFamily="34" charset="0"/>
+              <a:buChar char="•"/>
+              <a:defRPr sz="2000" kern="1200">
+                <a:solidFill>
+                  <a:schemeClr val="tx1"/>
+                </a:solidFill>
+                <a:latin typeface="+mn-lt"/>
+                <a:ea typeface="+mn-ea"/>
+                <a:cs typeface="+mn-cs"/>
+              </a:defRPr>
+            </a:lvl3pPr>
+            <a:lvl4pPr marL="1600200" indent="-228600" algn="l" defTabSz="914400" rtl="0" eaLnBrk="1" latinLnBrk="0" hangingPunct="1">
+              <a:lnSpc>
+                <a:spcPct val="90000"/>
+              </a:lnSpc>
+              <a:spcBef>
+                <a:spcPts val="500"/>
+              </a:spcBef>
+              <a:buFont typeface="Arial" panose="020B0604020202020204" pitchFamily="34" charset="0"/>
+              <a:buChar char="•"/>
+              <a:defRPr sz="1800" kern="1200">
+                <a:solidFill>
+                  <a:schemeClr val="tx1"/>
+                </a:solidFill>
+                <a:latin typeface="+mn-lt"/>
+                <a:ea typeface="+mn-ea"/>
+                <a:cs typeface="+mn-cs"/>
+              </a:defRPr>
+            </a:lvl4pPr>
+            <a:lvl5pPr marL="2057400" indent="-228600" algn="l" defTabSz="914400" rtl="0" eaLnBrk="1" latinLnBrk="0" hangingPunct="1">
+              <a:lnSpc>
+                <a:spcPct val="90000"/>
+              </a:lnSpc>
+              <a:spcBef>
+                <a:spcPts val="500"/>
+              </a:spcBef>
+              <a:buFont typeface="Arial" panose="020B0604020202020204" pitchFamily="34" charset="0"/>
+              <a:buChar char="•"/>
+              <a:defRPr sz="1800" kern="1200">
+                <a:solidFill>
+                  <a:schemeClr val="tx1"/>
+                </a:solidFill>
+                <a:latin typeface="+mn-lt"/>
+                <a:ea typeface="+mn-ea"/>
+                <a:cs typeface="+mn-cs"/>
+              </a:defRPr>
+            </a:lvl5pPr>
+            <a:lvl6pPr marL="2514600" indent="-228600" algn="l" defTabSz="914400" rtl="0" eaLnBrk="1" latinLnBrk="0" hangingPunct="1">
+              <a:lnSpc>
+                <a:spcPct val="90000"/>
+              </a:lnSpc>
+              <a:spcBef>
+                <a:spcPts val="500"/>
+              </a:spcBef>
+              <a:buFont typeface="Arial" panose="020B0604020202020204" pitchFamily="34" charset="0"/>
+              <a:buChar char="•"/>
+              <a:defRPr sz="1800" kern="1200">
+                <a:solidFill>
+                  <a:schemeClr val="tx1"/>
+                </a:solidFill>
+                <a:latin typeface="+mn-lt"/>
+                <a:ea typeface="+mn-ea"/>
+                <a:cs typeface="+mn-cs"/>
+              </a:defRPr>
+            </a:lvl6pPr>
+            <a:lvl7pPr marL="2971800" indent="-228600" algn="l" defTabSz="914400" rtl="0" eaLnBrk="1" latinLnBrk="0" hangingPunct="1">
+              <a:lnSpc>
+                <a:spcPct val="90000"/>
+              </a:lnSpc>
+              <a:spcBef>
+                <a:spcPts val="500"/>
+              </a:spcBef>
+              <a:buFont typeface="Arial" panose="020B0604020202020204" pitchFamily="34" charset="0"/>
+              <a:buChar char="•"/>
+              <a:defRPr sz="1800" kern="1200">
+                <a:solidFill>
+                  <a:schemeClr val="tx1"/>
+                </a:solidFill>
+                <a:latin typeface="+mn-lt"/>
+                <a:ea typeface="+mn-ea"/>
+                <a:cs typeface="+mn-cs"/>
+              </a:defRPr>
+            </a:lvl7pPr>
+            <a:lvl8pPr marL="3429000" indent="-228600" algn="l" defTabSz="914400" rtl="0" eaLnBrk="1" latinLnBrk="0" hangingPunct="1">
+              <a:lnSpc>
+                <a:spcPct val="90000"/>
+              </a:lnSpc>
+              <a:spcBef>
+                <a:spcPts val="500"/>
+              </a:spcBef>
+              <a:buFont typeface="Arial" panose="020B0604020202020204" pitchFamily="34" charset="0"/>
+              <a:buChar char="•"/>
+              <a:defRPr sz="1800" kern="1200">
+                <a:solidFill>
+                  <a:schemeClr val="tx1"/>
+                </a:solidFill>
+                <a:latin typeface="+mn-lt"/>
+                <a:ea typeface="+mn-ea"/>
+                <a:cs typeface="+mn-cs"/>
+              </a:defRPr>
+            </a:lvl8pPr>
+            <a:lvl9pPr marL="3886200" indent="-228600" algn="l" defTabSz="914400" rtl="0" eaLnBrk="1" latinLnBrk="0" hangingPunct="1">
+              <a:lnSpc>
+                <a:spcPct val="90000"/>
+              </a:lnSpc>
+              <a:spcBef>
+                <a:spcPts val="500"/>
+              </a:spcBef>
+              <a:buFont typeface="Arial" panose="020B0604020202020204" pitchFamily="34" charset="0"/>
+              <a:buChar char="•"/>
+              <a:defRPr sz="1800" kern="1200">
+                <a:solidFill>
+                  <a:schemeClr val="tx1"/>
+                </a:solidFill>
+                <a:latin typeface="+mn-lt"/>
+                <a:ea typeface="+mn-ea"/>
+                <a:cs typeface="+mn-cs"/>
+              </a:defRPr>
+            </a:lvl9pPr>
+          </a:lstStyle>
+          <a:p>
+            <a:endParaRPr lang="en-US" dirty="0"/>
+          </a:p>
+        </p:txBody>
+      </p:sp>
+      <p:sp>
+        <p:nvSpPr>
+          <p:cNvPr id="22" name="Title 1">
+            <a:extLst>
+              <a:ext uri="{FF2B5EF4-FFF2-40B4-BE49-F238E27FC236}">
+                <a16:creationId xmlns:a16="http://schemas.microsoft.com/office/drawing/2014/main" id="{8D9F7371-85C1-415E-80EF-4A438412B1D9}"/>
+              </a:ext>
+            </a:extLst>
+          </p:cNvPr>
+          <p:cNvSpPr>
+            <a:spLocks noGrp="1"/>
+          </p:cNvSpPr>
+          <p:nvPr>
+            <p:ph type="title"/>
+          </p:nvPr>
+        </p:nvSpPr>
+        <p:spPr>
+          <a:xfrm>
+            <a:off x="402627" y="286375"/>
+            <a:ext cx="4393588" cy="641783"/>
+          </a:xfrm>
+        </p:spPr>
+        <p:txBody>
+          <a:bodyPr>
+            <a:normAutofit fontScale="90000"/>
+          </a:bodyPr>
+          <a:lstStyle/>
+          <a:p>
+            <a:r>
+              <a:rPr lang="en-US" sz="4900" dirty="0"/>
+              <a:t>Philipp </a:t>
+            </a:r>
+            <a:r>
+              <a:rPr lang="en-US" sz="4900" dirty="0" err="1"/>
+              <a:t>Rast</a:t>
+            </a:r>
+            <a:endParaRPr lang="en-US" dirty="0"/>
+          </a:p>
+        </p:txBody>
+      </p:sp>
+      <p:pic>
+        <p:nvPicPr>
+          <p:cNvPr id="15" name="Content Placeholder 9">
+            <a:extLst>
+              <a:ext uri="{FF2B5EF4-FFF2-40B4-BE49-F238E27FC236}">
+                <a16:creationId xmlns:a16="http://schemas.microsoft.com/office/drawing/2014/main" id="{EFF4F460-AAA8-4A84-9A03-675613FEEEB0}"/>
+              </a:ext>
+            </a:extLst>
+          </p:cNvPr>
+          <p:cNvPicPr>
+            <a:picLocks noChangeAspect="1"/>
+          </p:cNvPicPr>
+          <p:nvPr/>
+        </p:nvPicPr>
+        <p:blipFill>
+          <a:blip r:embed="rId2">
+            <a:extLst>
+              <a:ext uri="{28A0092B-C50C-407E-A947-70E740481C1C}">
+                <a14:useLocalDpi xmlns:a14="http://schemas.microsoft.com/office/drawing/2010/main" val="0"/>
+              </a:ext>
+            </a:extLst>
+          </a:blip>
+          <a:stretch>
+            <a:fillRect/>
+          </a:stretch>
+        </p:blipFill>
+        <p:spPr>
+          <a:xfrm>
+            <a:off x="402627" y="1160976"/>
+            <a:ext cx="3768011" cy="2745938"/>
+          </a:xfrm>
+          <a:prstGeom prst="rect">
+            <a:avLst/>
+          </a:prstGeom>
+        </p:spPr>
+      </p:pic>
+      <p:sp>
+        <p:nvSpPr>
+          <p:cNvPr id="16" name="TextBox 15">
+            <a:extLst>
+              <a:ext uri="{FF2B5EF4-FFF2-40B4-BE49-F238E27FC236}">
+                <a16:creationId xmlns:a16="http://schemas.microsoft.com/office/drawing/2014/main" id="{1845070F-06BA-4385-A21E-4F75997B5F31}"/>
+              </a:ext>
+            </a:extLst>
+          </p:cNvPr>
+          <p:cNvSpPr txBox="1"/>
+          <p:nvPr/>
+        </p:nvSpPr>
+        <p:spPr>
+          <a:xfrm>
+            <a:off x="297807" y="3931308"/>
+            <a:ext cx="3758472" cy="646331"/>
+          </a:xfrm>
+          <a:prstGeom prst="rect">
+            <a:avLst/>
+          </a:prstGeom>
+          <a:noFill/>
+        </p:spPr>
+        <p:txBody>
+          <a:bodyPr wrap="square" rtlCol="0">
+            <a:spAutoFit/>
+          </a:bodyPr>
+          <a:lstStyle/>
+          <a:p>
+            <a:r>
+              <a:rPr lang="en-US" dirty="0">
+                <a:solidFill>
+                  <a:schemeClr val="tx1">
+                    <a:lumMod val="50000"/>
+                    <a:lumOff val="50000"/>
+                  </a:schemeClr>
+                </a:solidFill>
+              </a:rPr>
+              <a:t>“Ich bin der </a:t>
+            </a:r>
+            <a:r>
+              <a:rPr lang="en-US" dirty="0" err="1">
+                <a:solidFill>
+                  <a:schemeClr val="tx1">
+                    <a:lumMod val="50000"/>
+                    <a:lumOff val="50000"/>
+                  </a:schemeClr>
+                </a:solidFill>
+              </a:rPr>
+              <a:t>beste</a:t>
+            </a:r>
+            <a:r>
+              <a:rPr lang="en-US" dirty="0">
+                <a:solidFill>
+                  <a:schemeClr val="tx1">
+                    <a:lumMod val="50000"/>
+                    <a:lumOff val="50000"/>
+                  </a:schemeClr>
+                </a:solidFill>
+              </a:rPr>
+              <a:t> </a:t>
+            </a:r>
+            <a:r>
+              <a:rPr lang="en-US" dirty="0" err="1">
+                <a:solidFill>
+                  <a:schemeClr val="tx1">
+                    <a:lumMod val="50000"/>
+                    <a:lumOff val="50000"/>
+                  </a:schemeClr>
+                </a:solidFill>
+              </a:rPr>
+              <a:t>Autofahrer</a:t>
+            </a:r>
+            <a:r>
+              <a:rPr lang="en-US" dirty="0">
+                <a:solidFill>
+                  <a:schemeClr val="tx1">
+                    <a:lumMod val="50000"/>
+                    <a:lumOff val="50000"/>
+                  </a:schemeClr>
+                </a:solidFill>
+              </a:rPr>
+              <a:t>, den </a:t>
+            </a:r>
+            <a:r>
+              <a:rPr lang="en-US" dirty="0" err="1">
+                <a:solidFill>
+                  <a:schemeClr val="tx1">
+                    <a:lumMod val="50000"/>
+                    <a:lumOff val="50000"/>
+                  </a:schemeClr>
+                </a:solidFill>
+              </a:rPr>
+              <a:t>ich</a:t>
+            </a:r>
+            <a:r>
+              <a:rPr lang="en-US" dirty="0">
+                <a:solidFill>
+                  <a:schemeClr val="tx1">
+                    <a:lumMod val="50000"/>
+                    <a:lumOff val="50000"/>
+                  </a:schemeClr>
+                </a:solidFill>
+              </a:rPr>
+              <a:t> </a:t>
+            </a:r>
+            <a:r>
+              <a:rPr lang="en-US" dirty="0" err="1">
+                <a:solidFill>
+                  <a:schemeClr val="tx1">
+                    <a:lumMod val="50000"/>
+                    <a:lumOff val="50000"/>
+                  </a:schemeClr>
+                </a:solidFill>
+              </a:rPr>
+              <a:t>kenne</a:t>
+            </a:r>
+            <a:r>
+              <a:rPr lang="en-US" dirty="0">
+                <a:solidFill>
+                  <a:schemeClr val="tx1">
+                    <a:lumMod val="50000"/>
+                    <a:lumOff val="50000"/>
+                  </a:schemeClr>
+                </a:solidFill>
+              </a:rPr>
+              <a:t>!”</a:t>
+            </a:r>
+          </a:p>
+        </p:txBody>
+      </p:sp>
+      <p:grpSp>
+        <p:nvGrpSpPr>
+          <p:cNvPr id="17" name="Group 16">
+            <a:extLst>
+              <a:ext uri="{FF2B5EF4-FFF2-40B4-BE49-F238E27FC236}">
+                <a16:creationId xmlns:a16="http://schemas.microsoft.com/office/drawing/2014/main" id="{D2931987-C153-42D6-8D9C-B2E21276F63E}"/>
+              </a:ext>
+            </a:extLst>
+          </p:cNvPr>
+          <p:cNvGrpSpPr/>
+          <p:nvPr/>
+        </p:nvGrpSpPr>
+        <p:grpSpPr>
+          <a:xfrm>
+            <a:off x="4450204" y="1365235"/>
+            <a:ext cx="2438399" cy="634502"/>
+            <a:chOff x="9083040" y="1237842"/>
+            <a:chExt cx="2105295" cy="634502"/>
+          </a:xfrm>
+        </p:grpSpPr>
+        <p:sp>
+          <p:nvSpPr>
+            <p:cNvPr id="18" name="Rectangle: Rounded Corners 17">
+              <a:extLst>
+                <a:ext uri="{FF2B5EF4-FFF2-40B4-BE49-F238E27FC236}">
+                  <a16:creationId xmlns:a16="http://schemas.microsoft.com/office/drawing/2014/main" id="{B0BD058D-EF88-4FEC-9C53-A1C85D9A5520}"/>
+                </a:ext>
+              </a:extLst>
+            </p:cNvPr>
+            <p:cNvSpPr/>
+            <p:nvPr/>
+          </p:nvSpPr>
+          <p:spPr>
+            <a:xfrm>
+              <a:off x="9524998" y="1237842"/>
+              <a:ext cx="1663337" cy="634502"/>
+            </a:xfrm>
+            <a:prstGeom prst="roundRect">
+              <a:avLst/>
+            </a:prstGeom>
+            <a:solidFill>
+              <a:schemeClr val="bg1"/>
+            </a:solidFill>
+            <a:ln w="38100">
+              <a:solidFill>
+                <a:schemeClr val="accent1">
+                  <a:lumMod val="75000"/>
+                </a:schemeClr>
+              </a:solidFill>
+            </a:ln>
+          </p:spPr>
+          <p:style>
+            <a:lnRef idx="2">
+              <a:schemeClr val="accent2"/>
+            </a:lnRef>
+            <a:fillRef idx="1">
+              <a:schemeClr val="lt1"/>
+            </a:fillRef>
+            <a:effectRef idx="0">
+              <a:schemeClr val="accent2"/>
+            </a:effectRef>
+            <a:fontRef idx="minor">
+              <a:schemeClr val="dk1"/>
+            </a:fontRef>
+          </p:style>
+          <p:txBody>
+            <a:bodyPr rtlCol="0" anchor="ctr"/>
+            <a:lstStyle/>
+            <a:p>
+              <a:pPr algn="ctr"/>
+              <a:r>
+                <a:rPr lang="en-US" b="1" dirty="0"/>
+                <a:t>Intelligent</a:t>
+              </a:r>
+            </a:p>
+          </p:txBody>
+        </p:sp>
+        <p:sp>
+          <p:nvSpPr>
+            <p:cNvPr id="19" name="Arrow: Right 18">
+              <a:extLst>
+                <a:ext uri="{FF2B5EF4-FFF2-40B4-BE49-F238E27FC236}">
+                  <a16:creationId xmlns:a16="http://schemas.microsoft.com/office/drawing/2014/main" id="{A7409B9C-5B14-42E1-B91D-37C5EF6BF0B7}"/>
+                </a:ext>
+              </a:extLst>
+            </p:cNvPr>
+            <p:cNvSpPr/>
+            <p:nvPr/>
+          </p:nvSpPr>
+          <p:spPr>
+            <a:xfrm>
+              <a:off x="9083040" y="1382150"/>
+              <a:ext cx="441958" cy="308537"/>
+            </a:xfrm>
+            <a:prstGeom prst="rightArrow">
+              <a:avLst/>
+            </a:prstGeom>
+          </p:spPr>
+          <p:style>
+            <a:lnRef idx="2">
+              <a:schemeClr val="accent1">
+                <a:shade val="50000"/>
+              </a:schemeClr>
+            </a:lnRef>
+            <a:fillRef idx="1">
+              <a:schemeClr val="accent1"/>
+            </a:fillRef>
+            <a:effectRef idx="0">
+              <a:schemeClr val="accent1"/>
+            </a:effectRef>
+            <a:fontRef idx="minor">
+              <a:schemeClr val="lt1"/>
+            </a:fontRef>
+          </p:style>
+          <p:txBody>
+            <a:bodyPr rtlCol="0" anchor="ctr"/>
+            <a:lstStyle/>
+            <a:p>
+              <a:pPr algn="ctr"/>
+              <a:endParaRPr lang="en-US"/>
+            </a:p>
+          </p:txBody>
+        </p:sp>
+      </p:grpSp>
+      <p:grpSp>
+        <p:nvGrpSpPr>
+          <p:cNvPr id="20" name="Group 19">
+            <a:extLst>
+              <a:ext uri="{FF2B5EF4-FFF2-40B4-BE49-F238E27FC236}">
+                <a16:creationId xmlns:a16="http://schemas.microsoft.com/office/drawing/2014/main" id="{9D6B78ED-4CFD-492B-A84B-FA46CA3EFBC7}"/>
+              </a:ext>
+            </a:extLst>
+          </p:cNvPr>
+          <p:cNvGrpSpPr/>
+          <p:nvPr/>
+        </p:nvGrpSpPr>
+        <p:grpSpPr>
+          <a:xfrm>
+            <a:off x="4450204" y="2393911"/>
+            <a:ext cx="2475667" cy="634502"/>
+            <a:chOff x="9083040" y="1237842"/>
+            <a:chExt cx="2105295" cy="634502"/>
+          </a:xfrm>
+        </p:grpSpPr>
+        <p:sp>
+          <p:nvSpPr>
+            <p:cNvPr id="21" name="Rectangle: Rounded Corners 20">
+              <a:extLst>
+                <a:ext uri="{FF2B5EF4-FFF2-40B4-BE49-F238E27FC236}">
+                  <a16:creationId xmlns:a16="http://schemas.microsoft.com/office/drawing/2014/main" id="{2B0293E4-B84C-4CF8-B202-748105016AAC}"/>
+                </a:ext>
+              </a:extLst>
+            </p:cNvPr>
+            <p:cNvSpPr/>
+            <p:nvPr/>
+          </p:nvSpPr>
+          <p:spPr>
+            <a:xfrm>
+              <a:off x="9524998" y="1237842"/>
+              <a:ext cx="1663337" cy="634502"/>
+            </a:xfrm>
+            <a:prstGeom prst="roundRect">
+              <a:avLst/>
+            </a:prstGeom>
+            <a:solidFill>
+              <a:schemeClr val="bg1"/>
+            </a:solidFill>
+            <a:ln w="38100">
+              <a:solidFill>
+                <a:schemeClr val="accent1">
+                  <a:lumMod val="75000"/>
+                </a:schemeClr>
+              </a:solidFill>
+            </a:ln>
+          </p:spPr>
+          <p:style>
+            <a:lnRef idx="2">
+              <a:schemeClr val="accent2"/>
+            </a:lnRef>
+            <a:fillRef idx="1">
+              <a:schemeClr val="lt1"/>
+            </a:fillRef>
+            <a:effectRef idx="0">
+              <a:schemeClr val="accent2"/>
+            </a:effectRef>
+            <a:fontRef idx="minor">
+              <a:schemeClr val="dk1"/>
+            </a:fontRef>
+          </p:style>
+          <p:txBody>
+            <a:bodyPr rtlCol="0" anchor="ctr"/>
+            <a:lstStyle/>
+            <a:p>
+              <a:pPr algn="ctr"/>
+              <a:r>
+                <a:rPr lang="en-US" b="1" dirty="0" err="1"/>
+                <a:t>Unverschämt</a:t>
+              </a:r>
+              <a:endParaRPr lang="en-US" b="1" dirty="0"/>
+            </a:p>
+          </p:txBody>
+        </p:sp>
+        <p:sp>
+          <p:nvSpPr>
+            <p:cNvPr id="34" name="Arrow: Right 33">
+              <a:extLst>
+                <a:ext uri="{FF2B5EF4-FFF2-40B4-BE49-F238E27FC236}">
+                  <a16:creationId xmlns:a16="http://schemas.microsoft.com/office/drawing/2014/main" id="{26ACB5A2-637B-44A9-978F-10B0C2B8157C}"/>
+                </a:ext>
+              </a:extLst>
+            </p:cNvPr>
+            <p:cNvSpPr/>
+            <p:nvPr/>
+          </p:nvSpPr>
+          <p:spPr>
+            <a:xfrm>
+              <a:off x="9083040" y="1382150"/>
+              <a:ext cx="441958" cy="308537"/>
+            </a:xfrm>
+            <a:prstGeom prst="rightArrow">
+              <a:avLst/>
+            </a:prstGeom>
+          </p:spPr>
+          <p:style>
+            <a:lnRef idx="2">
+              <a:schemeClr val="accent1">
+                <a:shade val="50000"/>
+              </a:schemeClr>
+            </a:lnRef>
+            <a:fillRef idx="1">
+              <a:schemeClr val="accent1"/>
+            </a:fillRef>
+            <a:effectRef idx="0">
+              <a:schemeClr val="accent1"/>
+            </a:effectRef>
+            <a:fontRef idx="minor">
+              <a:schemeClr val="lt1"/>
+            </a:fontRef>
+          </p:style>
+          <p:txBody>
+            <a:bodyPr rtlCol="0" anchor="ctr"/>
+            <a:lstStyle/>
+            <a:p>
+              <a:pPr algn="ctr"/>
+              <a:endParaRPr lang="en-US"/>
+            </a:p>
+          </p:txBody>
+        </p:sp>
+      </p:grpSp>
+      <p:grpSp>
+        <p:nvGrpSpPr>
+          <p:cNvPr id="35" name="Group 34">
+            <a:extLst>
+              <a:ext uri="{FF2B5EF4-FFF2-40B4-BE49-F238E27FC236}">
+                <a16:creationId xmlns:a16="http://schemas.microsoft.com/office/drawing/2014/main" id="{CA80C66A-8562-4820-8DFC-D4A369C1D161}"/>
+              </a:ext>
+            </a:extLst>
+          </p:cNvPr>
+          <p:cNvGrpSpPr/>
+          <p:nvPr/>
+        </p:nvGrpSpPr>
+        <p:grpSpPr>
+          <a:xfrm>
+            <a:off x="4487472" y="3341556"/>
+            <a:ext cx="2438399" cy="634502"/>
+            <a:chOff x="9083040" y="1237842"/>
+            <a:chExt cx="2105295" cy="634502"/>
+          </a:xfrm>
+        </p:grpSpPr>
+        <p:sp>
+          <p:nvSpPr>
+            <p:cNvPr id="36" name="Rectangle: Rounded Corners 35">
+              <a:extLst>
+                <a:ext uri="{FF2B5EF4-FFF2-40B4-BE49-F238E27FC236}">
+                  <a16:creationId xmlns:a16="http://schemas.microsoft.com/office/drawing/2014/main" id="{4D08EC94-585E-4B1C-BA27-6AE4CE3572FC}"/>
+                </a:ext>
+              </a:extLst>
+            </p:cNvPr>
+            <p:cNvSpPr/>
+            <p:nvPr/>
+          </p:nvSpPr>
+          <p:spPr>
+            <a:xfrm>
+              <a:off x="9524998" y="1237842"/>
+              <a:ext cx="1663337" cy="634502"/>
+            </a:xfrm>
+            <a:prstGeom prst="roundRect">
+              <a:avLst/>
+            </a:prstGeom>
+            <a:solidFill>
+              <a:schemeClr val="bg1"/>
+            </a:solidFill>
+            <a:ln w="38100">
+              <a:solidFill>
+                <a:schemeClr val="accent1">
+                  <a:lumMod val="75000"/>
+                </a:schemeClr>
+              </a:solidFill>
+            </a:ln>
+          </p:spPr>
+          <p:style>
+            <a:lnRef idx="2">
+              <a:schemeClr val="accent2"/>
+            </a:lnRef>
+            <a:fillRef idx="1">
+              <a:schemeClr val="lt1"/>
+            </a:fillRef>
+            <a:effectRef idx="0">
+              <a:schemeClr val="accent2"/>
+            </a:effectRef>
+            <a:fontRef idx="minor">
+              <a:schemeClr val="dk1"/>
+            </a:fontRef>
+          </p:style>
+          <p:txBody>
+            <a:bodyPr rtlCol="0" anchor="ctr"/>
+            <a:lstStyle/>
+            <a:p>
+              <a:pPr algn="ctr"/>
+              <a:r>
+                <a:rPr lang="en-US" b="1" dirty="0" err="1"/>
+                <a:t>Impulsiv</a:t>
+              </a:r>
+              <a:endParaRPr lang="en-US" b="1" dirty="0"/>
+            </a:p>
+          </p:txBody>
+        </p:sp>
+        <p:sp>
+          <p:nvSpPr>
+            <p:cNvPr id="37" name="Arrow: Right 36">
+              <a:extLst>
+                <a:ext uri="{FF2B5EF4-FFF2-40B4-BE49-F238E27FC236}">
+                  <a16:creationId xmlns:a16="http://schemas.microsoft.com/office/drawing/2014/main" id="{47FF1118-EA44-4AE4-A582-5CF1CA078502}"/>
+                </a:ext>
+              </a:extLst>
+            </p:cNvPr>
+            <p:cNvSpPr/>
+            <p:nvPr/>
+          </p:nvSpPr>
+          <p:spPr>
+            <a:xfrm>
+              <a:off x="9083040" y="1382150"/>
+              <a:ext cx="441958" cy="308537"/>
+            </a:xfrm>
+            <a:prstGeom prst="rightArrow">
+              <a:avLst/>
+            </a:prstGeom>
+          </p:spPr>
+          <p:style>
+            <a:lnRef idx="2">
+              <a:schemeClr val="accent1">
+                <a:shade val="50000"/>
+              </a:schemeClr>
+            </a:lnRef>
+            <a:fillRef idx="1">
+              <a:schemeClr val="accent1"/>
+            </a:fillRef>
+            <a:effectRef idx="0">
+              <a:schemeClr val="accent1"/>
+            </a:effectRef>
+            <a:fontRef idx="minor">
+              <a:schemeClr val="lt1"/>
+            </a:fontRef>
+          </p:style>
+          <p:txBody>
+            <a:bodyPr rtlCol="0" anchor="ctr"/>
+            <a:lstStyle/>
+            <a:p>
+              <a:pPr algn="ctr"/>
+              <a:endParaRPr lang="en-US"/>
+            </a:p>
+          </p:txBody>
+        </p:sp>
+      </p:grpSp>
+    </p:spTree>
+    <p:extLst>
+      <p:ext uri="{BB962C8B-B14F-4D97-AF65-F5344CB8AC3E}">
+        <p14:creationId xmlns:p14="http://schemas.microsoft.com/office/powerpoint/2010/main" val="1670937869"/>
+      </p:ext>
+    </p:extLst>
+  </p:cSld>
+  <p:clrMapOvr>
+    <a:masterClrMapping/>
+  </p:clrMapOvr>
+</p:sld>
+</file>
+
+<file path=ppt/slides/slide12.xml><?xml version="1.0" encoding="utf-8"?>
+<p:sld xmlns:a="http://schemas.openxmlformats.org/drawingml/2006/main" xmlns:r="http://schemas.openxmlformats.org/officeDocument/2006/relationships" xmlns:p="http://schemas.openxmlformats.org/presentationml/2006/main">
+  <p:cSld>
+    <p:spTree>
+      <p:nvGrpSpPr>
+        <p:cNvPr id="1" name=""/>
+        <p:cNvGrpSpPr/>
+        <p:nvPr/>
+      </p:nvGrpSpPr>
+      <p:grpSpPr>
+        <a:xfrm>
+          <a:off x="0" y="0"/>
+          <a:ext cx="0" cy="0"/>
+          <a:chOff x="0" y="0"/>
+          <a:chExt cx="0" cy="0"/>
+        </a:xfrm>
+      </p:grpSpPr>
+      <p:sp>
+        <p:nvSpPr>
+          <p:cNvPr id="2" name="Title 1">
+            <a:extLst>
+              <a:ext uri="{FF2B5EF4-FFF2-40B4-BE49-F238E27FC236}">
+                <a16:creationId xmlns:a16="http://schemas.microsoft.com/office/drawing/2014/main" id="{E963BF55-D87B-4EEA-B2A9-11D9646B8ABF}"/>
+              </a:ext>
+            </a:extLst>
+          </p:cNvPr>
+          <p:cNvSpPr>
+            <a:spLocks noGrp="1"/>
+          </p:cNvSpPr>
+          <p:nvPr>
+            <p:ph type="ctrTitle"/>
+          </p:nvPr>
+        </p:nvSpPr>
+        <p:spPr/>
+        <p:txBody>
+          <a:bodyPr/>
+          <a:lstStyle/>
+          <a:p>
+            <a:r>
+              <a:rPr lang="en-US" dirty="0"/>
+              <a:t>Kontextszenarien</a:t>
+            </a:r>
+          </a:p>
+        </p:txBody>
+      </p:sp>
+      <p:sp>
+        <p:nvSpPr>
+          <p:cNvPr id="3" name="Subtitle 2">
+            <a:extLst>
+              <a:ext uri="{FF2B5EF4-FFF2-40B4-BE49-F238E27FC236}">
+                <a16:creationId xmlns:a16="http://schemas.microsoft.com/office/drawing/2014/main" id="{B835F513-471D-4E14-9773-51CF6EB1CFEA}"/>
+              </a:ext>
+            </a:extLst>
+          </p:cNvPr>
+          <p:cNvSpPr>
+            <a:spLocks noGrp="1"/>
+          </p:cNvSpPr>
+          <p:nvPr>
+            <p:ph type="subTitle" idx="1"/>
+          </p:nvPr>
+        </p:nvSpPr>
+        <p:spPr/>
+        <p:txBody>
+          <a:bodyPr/>
+          <a:lstStyle/>
+          <a:p>
+            <a:endParaRPr lang="en-US"/>
+          </a:p>
+        </p:txBody>
+      </p:sp>
+    </p:spTree>
+    <p:extLst>
+      <p:ext uri="{BB962C8B-B14F-4D97-AF65-F5344CB8AC3E}">
+        <p14:creationId xmlns:p14="http://schemas.microsoft.com/office/powerpoint/2010/main" val="221326466"/>
+      </p:ext>
+    </p:extLst>
+  </p:cSld>
+  <p:clrMapOvr>
+    <a:masterClrMapping/>
+  </p:clrMapOvr>
+</p:sld>
+</file>
+
+<file path=ppt/slides/slide13.xml><?xml version="1.0" encoding="utf-8"?>
 <p:sld xmlns:a="http://schemas.openxmlformats.org/drawingml/2006/main" xmlns:r="http://schemas.openxmlformats.org/officeDocument/2006/relationships" xmlns:p="http://schemas.openxmlformats.org/presentationml/2006/main">
   <p:cSld>
     <p:spTree>
@@ -3804,7 +5500,7 @@
           <a:p>
             <a:r>
               <a:rPr lang="de-DE"/>
-              <a:t>Szenario 1: </a:t>
+              <a:t>Szenario 1: Auto verleihen</a:t>
             </a:r>
           </a:p>
         </p:txBody>
@@ -3848,6 +5544,412 @@
             </a:pPr>
             <a:r>
               <a:rPr lang="de-DE" b="1"/>
+              <a:t>Szenario:</a:t>
+            </a:r>
+            <a:r>
+              <a:rPr lang="de-DE"/>
+              <a:t> Nach einem langen Arbeitstag kommt Thomas nach Hause. Er hat mit einem Arbeitskollegen über Apps gesprochen, mit welchen man sein eigenes Auto verleihen kann. Er ist müde, will jedoch mehr darüber erfahren. Er erstellt deshalb ein Account auf unserer Seite und will so herausfinden, was er alles tun muss, um sein Auto zu verleihen.</a:t>
+            </a:r>
+          </a:p>
+        </p:txBody>
+      </p:sp>
+      <p:pic>
+        <p:nvPicPr>
+          <p:cNvPr id="4" name="Content Placeholder 4">
+            <a:extLst>
+              <a:ext uri="{FF2B5EF4-FFF2-40B4-BE49-F238E27FC236}">
+                <a16:creationId xmlns:a16="http://schemas.microsoft.com/office/drawing/2014/main" id="{0FF40084-511C-41EC-98BA-78D5B14A9BC1}"/>
+              </a:ext>
+            </a:extLst>
+          </p:cNvPr>
+          <p:cNvPicPr>
+            <a:picLocks noChangeAspect="1"/>
+          </p:cNvPicPr>
+          <p:nvPr/>
+        </p:nvPicPr>
+        <p:blipFill>
+          <a:blip r:embed="rId2">
+            <a:extLst>
+              <a:ext uri="{28A0092B-C50C-407E-A947-70E740481C1C}">
+                <a14:useLocalDpi xmlns:a14="http://schemas.microsoft.com/office/drawing/2010/main" val="0"/>
+              </a:ext>
+            </a:extLst>
+          </a:blip>
+          <a:stretch>
+            <a:fillRect/>
+          </a:stretch>
+        </p:blipFill>
+        <p:spPr>
+          <a:xfrm>
+            <a:off x="838200" y="365126"/>
+            <a:ext cx="2537654" cy="1846144"/>
+          </a:xfrm>
+          <a:prstGeom prst="rect">
+            <a:avLst/>
+          </a:prstGeom>
+        </p:spPr>
+      </p:pic>
+      <p:sp>
+        <p:nvSpPr>
+          <p:cNvPr id="5" name="Title 1"/>
+          <p:cNvSpPr txBox="1">
+            <a:spLocks/>
+          </p:cNvSpPr>
+          <p:nvPr/>
+        </p:nvSpPr>
+        <p:spPr>
+          <a:xfrm>
+            <a:off x="3510454" y="998484"/>
+            <a:ext cx="7843345" cy="1212786"/>
+          </a:xfrm>
+          <a:prstGeom prst="rect">
+            <a:avLst/>
+          </a:prstGeom>
+        </p:spPr>
+        <p:txBody>
+          <a:bodyPr vert="horz" lIns="91440" tIns="45720" rIns="91440" bIns="45720" rtlCol="0" anchor="t">
+            <a:normAutofit fontScale="97500"/>
+          </a:bodyPr>
+          <a:lstStyle>
+            <a:lvl1pPr algn="l" defTabSz="914400" rtl="0" eaLnBrk="1" latinLnBrk="0" hangingPunct="1">
+              <a:lnSpc>
+                <a:spcPct val="90000"/>
+              </a:lnSpc>
+              <a:spcBef>
+                <a:spcPct val="0"/>
+              </a:spcBef>
+              <a:buNone/>
+              <a:defRPr sz="4400" kern="1200">
+                <a:solidFill>
+                  <a:schemeClr val="tx1"/>
+                </a:solidFill>
+                <a:latin typeface="+mj-lt"/>
+                <a:ea typeface="+mj-ea"/>
+                <a:cs typeface="+mj-cs"/>
+              </a:defRPr>
+            </a:lvl1pPr>
+          </a:lstStyle>
+          <a:p>
+            <a:r>
+              <a:rPr lang="de-DE" sz="2000"/>
+              <a:t>Produkt: Webapplikation</a:t>
+            </a:r>
+          </a:p>
+          <a:p>
+            <a:r>
+              <a:rPr lang="de-DE" sz="2000"/>
+              <a:t>Primäre Persona: Thomas Berchthold</a:t>
+            </a:r>
+          </a:p>
+          <a:p>
+            <a:r>
+              <a:rPr lang="de-DE" sz="2000"/>
+              <a:t>Will sein Auto verleihen</a:t>
+            </a:r>
+          </a:p>
+        </p:txBody>
+      </p:sp>
+    </p:spTree>
+    <p:extLst>
+      <p:ext uri="{BB962C8B-B14F-4D97-AF65-F5344CB8AC3E}">
+        <p14:creationId xmlns:p14="http://schemas.microsoft.com/office/powerpoint/2010/main" val="1975784048"/>
+      </p:ext>
+    </p:extLst>
+  </p:cSld>
+  <p:clrMapOvr>
+    <a:masterClrMapping/>
+  </p:clrMapOvr>
+</p:sld>
+</file>
+
+<file path=ppt/slides/slide14.xml><?xml version="1.0" encoding="utf-8"?>
+<p:sld xmlns:a="http://schemas.openxmlformats.org/drawingml/2006/main" xmlns:r="http://schemas.openxmlformats.org/officeDocument/2006/relationships" xmlns:p="http://schemas.openxmlformats.org/presentationml/2006/main">
+  <p:cSld>
+    <p:spTree>
+      <p:nvGrpSpPr>
+        <p:cNvPr id="1" name=""/>
+        <p:cNvGrpSpPr/>
+        <p:nvPr/>
+      </p:nvGrpSpPr>
+      <p:grpSpPr>
+        <a:xfrm>
+          <a:off x="0" y="0"/>
+          <a:ext cx="0" cy="0"/>
+          <a:chOff x="0" y="0"/>
+          <a:chExt cx="0" cy="0"/>
+        </a:xfrm>
+      </p:grpSpPr>
+      <p:sp>
+        <p:nvSpPr>
+          <p:cNvPr id="2" name="Title 1"/>
+          <p:cNvSpPr>
+            <a:spLocks noGrp="1"/>
+          </p:cNvSpPr>
+          <p:nvPr>
+            <p:ph type="title"/>
+          </p:nvPr>
+        </p:nvSpPr>
+        <p:spPr>
+          <a:xfrm>
+            <a:off x="3510455" y="365126"/>
+            <a:ext cx="7843345" cy="633358"/>
+          </a:xfrm>
+        </p:spPr>
+        <p:txBody>
+          <a:bodyPr>
+            <a:normAutofit fontScale="90000"/>
+          </a:bodyPr>
+          <a:lstStyle/>
+          <a:p>
+            <a:r>
+              <a:rPr lang="de-DE"/>
+              <a:t>Szenario 1: Auto Ausleihen</a:t>
+            </a:r>
+          </a:p>
+        </p:txBody>
+      </p:sp>
+      <p:sp>
+        <p:nvSpPr>
+          <p:cNvPr id="3" name="Content Placeholder 2"/>
+          <p:cNvSpPr>
+            <a:spLocks noGrp="1"/>
+          </p:cNvSpPr>
+          <p:nvPr>
+            <p:ph idx="1"/>
+          </p:nvPr>
+        </p:nvSpPr>
+        <p:spPr>
+          <a:xfrm>
+            <a:off x="838200" y="2522483"/>
+            <a:ext cx="10515600" cy="3654480"/>
+          </a:xfrm>
+        </p:spPr>
+        <p:txBody>
+          <a:bodyPr/>
+          <a:lstStyle/>
+          <a:p>
+            <a:pPr marL="0" marR="0" lvl="0" indent="0" defTabSz="914400" eaLnBrk="1" fontAlgn="auto" latinLnBrk="0" hangingPunct="1">
+              <a:lnSpc>
+                <a:spcPct val="100000"/>
+              </a:lnSpc>
+              <a:spcBef>
+                <a:spcPts val="0"/>
+              </a:spcBef>
+              <a:spcAft>
+                <a:spcPts val="0"/>
+              </a:spcAft>
+              <a:buClrTx/>
+              <a:buSzTx/>
+              <a:buFontTx/>
+              <a:buNone/>
+              <a:tabLst/>
+              <a:defRPr/>
+            </a:pPr>
+            <a:r>
+              <a:rPr lang="de-DE" b="1"/>
+              <a:t>Szenario: </a:t>
+            </a:r>
+            <a:r>
+              <a:rPr lang="de-DE"/>
+              <a:t>Simona hat ein Treffen mit ihrer Familie vereinbart. Sie hat momentan einen knappen Kontostand und überlegt sich, welches Verkehrsmittel sie benutzen soll. Sie hat bereits die Preise aus der SBB App herausgesucht und vergleicht diese nun mit den Preisen auf unserer App. Sie hofft, ein billiges und unkompliziertes Angebot zu finden.</a:t>
+            </a:r>
+          </a:p>
+        </p:txBody>
+      </p:sp>
+      <p:pic>
+        <p:nvPicPr>
+          <p:cNvPr id="6" name="Content Placeholder 4">
+            <a:extLst>
+              <a:ext uri="{FF2B5EF4-FFF2-40B4-BE49-F238E27FC236}">
+                <a16:creationId xmlns:a16="http://schemas.microsoft.com/office/drawing/2014/main" id="{8E26EE59-CCCA-465C-A229-F910BE4C298C}"/>
+              </a:ext>
+            </a:extLst>
+          </p:cNvPr>
+          <p:cNvPicPr>
+            <a:picLocks noChangeAspect="1"/>
+          </p:cNvPicPr>
+          <p:nvPr/>
+        </p:nvPicPr>
+        <p:blipFill>
+          <a:blip r:embed="rId2">
+            <a:extLst>
+              <a:ext uri="{28A0092B-C50C-407E-A947-70E740481C1C}">
+                <a14:useLocalDpi xmlns:a14="http://schemas.microsoft.com/office/drawing/2010/main" val="0"/>
+              </a:ext>
+            </a:extLst>
+          </a:blip>
+          <a:stretch>
+            <a:fillRect/>
+          </a:stretch>
+        </p:blipFill>
+        <p:spPr>
+          <a:xfrm>
+            <a:off x="838201" y="365126"/>
+            <a:ext cx="2537654" cy="1849315"/>
+          </a:xfrm>
+          <a:prstGeom prst="rect">
+            <a:avLst/>
+          </a:prstGeom>
+        </p:spPr>
+      </p:pic>
+      <p:sp>
+        <p:nvSpPr>
+          <p:cNvPr id="7" name="Title 1"/>
+          <p:cNvSpPr txBox="1">
+            <a:spLocks/>
+          </p:cNvSpPr>
+          <p:nvPr/>
+        </p:nvSpPr>
+        <p:spPr>
+          <a:xfrm>
+            <a:off x="3510454" y="998484"/>
+            <a:ext cx="7843345" cy="1212786"/>
+          </a:xfrm>
+          <a:prstGeom prst="rect">
+            <a:avLst/>
+          </a:prstGeom>
+        </p:spPr>
+        <p:txBody>
+          <a:bodyPr vert="horz" lIns="91440" tIns="45720" rIns="91440" bIns="45720" rtlCol="0" anchor="t">
+            <a:normAutofit fontScale="97500"/>
+          </a:bodyPr>
+          <a:lstStyle>
+            <a:lvl1pPr algn="l" defTabSz="914400" rtl="0" eaLnBrk="1" latinLnBrk="0" hangingPunct="1">
+              <a:lnSpc>
+                <a:spcPct val="90000"/>
+              </a:lnSpc>
+              <a:spcBef>
+                <a:spcPct val="0"/>
+              </a:spcBef>
+              <a:buNone/>
+              <a:defRPr sz="4400" kern="1200">
+                <a:solidFill>
+                  <a:schemeClr val="tx1"/>
+                </a:solidFill>
+                <a:latin typeface="+mj-lt"/>
+                <a:ea typeface="+mj-ea"/>
+                <a:cs typeface="+mj-cs"/>
+              </a:defRPr>
+            </a:lvl1pPr>
+          </a:lstStyle>
+          <a:p>
+            <a:r>
+              <a:rPr lang="de-DE" sz="2000"/>
+              <a:t>Produkt: IOS App</a:t>
+            </a:r>
+          </a:p>
+          <a:p>
+            <a:r>
+              <a:rPr lang="de-DE" sz="2000"/>
+              <a:t>Primäre Persona: Simona Wiederkehr</a:t>
+            </a:r>
+          </a:p>
+          <a:p>
+            <a:r>
+              <a:rPr lang="de-DE" sz="2000"/>
+              <a:t>Will ein möglichst billiges Auto ausleihen</a:t>
+            </a:r>
+          </a:p>
+        </p:txBody>
+      </p:sp>
+    </p:spTree>
+    <p:extLst>
+      <p:ext uri="{BB962C8B-B14F-4D97-AF65-F5344CB8AC3E}">
+        <p14:creationId xmlns:p14="http://schemas.microsoft.com/office/powerpoint/2010/main" val="847806206"/>
+      </p:ext>
+    </p:extLst>
+  </p:cSld>
+  <p:clrMapOvr>
+    <a:masterClrMapping/>
+  </p:clrMapOvr>
+</p:sld>
+</file>
+
+<file path=ppt/slides/slide15.xml><?xml version="1.0" encoding="utf-8"?>
+<p:sld xmlns:a="http://schemas.openxmlformats.org/drawingml/2006/main" xmlns:r="http://schemas.openxmlformats.org/officeDocument/2006/relationships" xmlns:p="http://schemas.openxmlformats.org/presentationml/2006/main">
+  <p:cSld>
+    <p:spTree>
+      <p:nvGrpSpPr>
+        <p:cNvPr id="1" name=""/>
+        <p:cNvGrpSpPr/>
+        <p:nvPr/>
+      </p:nvGrpSpPr>
+      <p:grpSpPr>
+        <a:xfrm>
+          <a:off x="0" y="0"/>
+          <a:ext cx="0" cy="0"/>
+          <a:chOff x="0" y="0"/>
+          <a:chExt cx="0" cy="0"/>
+        </a:xfrm>
+      </p:grpSpPr>
+      <p:sp>
+        <p:nvSpPr>
+          <p:cNvPr id="2" name="Title 1"/>
+          <p:cNvSpPr>
+            <a:spLocks noGrp="1"/>
+          </p:cNvSpPr>
+          <p:nvPr>
+            <p:ph type="title"/>
+          </p:nvPr>
+        </p:nvSpPr>
+        <p:spPr>
+          <a:xfrm>
+            <a:off x="3510455" y="365126"/>
+            <a:ext cx="7843345" cy="633358"/>
+          </a:xfrm>
+        </p:spPr>
+        <p:txBody>
+          <a:bodyPr>
+            <a:normAutofit fontScale="90000"/>
+          </a:bodyPr>
+          <a:lstStyle/>
+          <a:p>
+            <a:r>
+              <a:rPr lang="de-DE"/>
+              <a:t>Szenario 1: </a:t>
+            </a:r>
+          </a:p>
+        </p:txBody>
+      </p:sp>
+      <p:sp>
+        <p:nvSpPr>
+          <p:cNvPr id="3" name="Content Placeholder 2"/>
+          <p:cNvSpPr>
+            <a:spLocks noGrp="1"/>
+          </p:cNvSpPr>
+          <p:nvPr>
+            <p:ph idx="1"/>
+          </p:nvPr>
+        </p:nvSpPr>
+        <p:spPr>
+          <a:xfrm>
+            <a:off x="838200" y="2522483"/>
+            <a:ext cx="10515600" cy="3654480"/>
+          </a:xfrm>
+        </p:spPr>
+        <p:txBody>
+          <a:bodyPr/>
+          <a:lstStyle/>
+          <a:p>
+            <a:pPr marL="0" marR="0" lvl="0" indent="0" defTabSz="914400" eaLnBrk="1" fontAlgn="auto" latinLnBrk="0" hangingPunct="1">
+              <a:lnSpc>
+                <a:spcPct val="100000"/>
+              </a:lnSpc>
+              <a:spcBef>
+                <a:spcPts val="0"/>
+              </a:spcBef>
+              <a:spcAft>
+                <a:spcPts val="0"/>
+              </a:spcAft>
+              <a:buClrTx/>
+              <a:buSzTx/>
+              <a:buFontTx/>
+              <a:buNone/>
+              <a:tabLst/>
+              <a:defRPr/>
+            </a:pPr>
+            <a:r>
+              <a:rPr lang="de-DE" b="1"/>
               <a:t>Szenario: </a:t>
             </a:r>
             <a:r>
@@ -3862,7 +5964,7 @@
           <p:cNvPr id="6" name="Content Placeholder 8">
             <a:extLst>
               <a:ext uri="{FF2B5EF4-FFF2-40B4-BE49-F238E27FC236}">
-                <a16:creationId xmlns:a16="http://schemas.microsoft.com/office/drawing/2014/main" xmlns="" id="{C6F7B156-8F11-432C-B2CE-327CBB0BAEC6}"/>
+                <a16:creationId xmlns:a16="http://schemas.microsoft.com/office/drawing/2014/main" id="{C6F7B156-8F11-432C-B2CE-327CBB0BAEC6}"/>
               </a:ext>
             </a:extLst>
           </p:cNvPr>
@@ -3966,7 +6068,7 @@
 </p:sld>
 </file>
 
-<file path=ppt/slides/slide11.xml><?xml version="1.0" encoding="utf-8"?>
+<file path=ppt/slides/slide16.xml><?xml version="1.0" encoding="utf-8"?>
 <p:sld xmlns:a="http://schemas.openxmlformats.org/drawingml/2006/main" xmlns:r="http://schemas.openxmlformats.org/officeDocument/2006/relationships" xmlns:p="http://schemas.openxmlformats.org/presentationml/2006/main">
   <p:cSld>
     <p:spTree>
@@ -4065,7 +6167,7 @@
           <p:cNvPr id="6" name="Content Placeholder 5">
             <a:extLst>
               <a:ext uri="{FF2B5EF4-FFF2-40B4-BE49-F238E27FC236}">
-                <a16:creationId xmlns:a16="http://schemas.microsoft.com/office/drawing/2014/main" xmlns="" id="{33B2250B-9EA8-4F72-83BA-EAF6FCB9B2F5}"/>
+                <a16:creationId xmlns:a16="http://schemas.microsoft.com/office/drawing/2014/main" id="{33B2250B-9EA8-4F72-83BA-EAF6FCB9B2F5}"/>
               </a:ext>
             </a:extLst>
           </p:cNvPr>
@@ -4169,7 +6271,7 @@
 </p:sld>
 </file>
 
-<file path=ppt/slides/slide12.xml><?xml version="1.0" encoding="utf-8"?>
+<file path=ppt/slides/slide17.xml><?xml version="1.0" encoding="utf-8"?>
 <p:sld xmlns:a="http://schemas.openxmlformats.org/drawingml/2006/main" xmlns:r="http://schemas.openxmlformats.org/officeDocument/2006/relationships" xmlns:p="http://schemas.openxmlformats.org/presentationml/2006/main">
   <p:cSld>
     <p:spTree>
@@ -4268,7 +6370,7 @@
           <p:cNvPr id="6" name="Content Placeholder 9">
             <a:extLst>
               <a:ext uri="{FF2B5EF4-FFF2-40B4-BE49-F238E27FC236}">
-                <a16:creationId xmlns:a16="http://schemas.microsoft.com/office/drawing/2014/main" xmlns="" id="{6F03154E-C798-4103-802A-0495CC8B2366}"/>
+                <a16:creationId xmlns:a16="http://schemas.microsoft.com/office/drawing/2014/main" id="{6F03154E-C798-4103-802A-0495CC8B2366}"/>
               </a:ext>
             </a:extLst>
           </p:cNvPr>
@@ -4394,7 +6496,7 @@
           <p:cNvPr id="2" name="Title 1">
             <a:extLst>
               <a:ext uri="{FF2B5EF4-FFF2-40B4-BE49-F238E27FC236}">
-                <a16:creationId xmlns:a16="http://schemas.microsoft.com/office/drawing/2014/main" xmlns="" id="{BEA157D4-4D2F-435C-9140-A947D22EBD8A}"/>
+                <a16:creationId xmlns:a16="http://schemas.microsoft.com/office/drawing/2014/main" id="{BEA157D4-4D2F-435C-9140-A947D22EBD8A}"/>
               </a:ext>
             </a:extLst>
           </p:cNvPr>
@@ -4423,13 +6525,8 @@
             </a:r>
             <a:r>
               <a:rPr lang="en-US" dirty="0"/>
-              <a:t> </a:t>
-            </a:r>
-            <a:r>
-              <a:rPr lang="en-US" dirty="0" err="1"/>
-              <a:t>Berchtold</a:t>
-            </a:r>
-            <a:endParaRPr lang="en-US" dirty="0"/>
+              <a:t> Berchtold</a:t>
+            </a:r>
           </a:p>
         </p:txBody>
       </p:sp>
@@ -4438,7 +6535,7 @@
           <p:cNvPr id="5" name="Content Placeholder 4">
             <a:extLst>
               <a:ext uri="{FF2B5EF4-FFF2-40B4-BE49-F238E27FC236}">
-                <a16:creationId xmlns:a16="http://schemas.microsoft.com/office/drawing/2014/main" xmlns="" id="{0FF40084-511C-41EC-98BA-78D5B14A9BC1}"/>
+                <a16:creationId xmlns:a16="http://schemas.microsoft.com/office/drawing/2014/main" id="{0FF40084-511C-41EC-98BA-78D5B14A9BC1}"/>
               </a:ext>
             </a:extLst>
           </p:cNvPr>
@@ -4473,7 +6570,7 @@
           <p:cNvPr id="7" name="TextBox 6">
             <a:extLst>
               <a:ext uri="{FF2B5EF4-FFF2-40B4-BE49-F238E27FC236}">
-                <a16:creationId xmlns:a16="http://schemas.microsoft.com/office/drawing/2014/main" xmlns="" id="{2A691504-3D64-46F3-918C-2E7A4992D35D}"/>
+                <a16:creationId xmlns:a16="http://schemas.microsoft.com/office/drawing/2014/main" id="{2A691504-3D64-46F3-918C-2E7A4992D35D}"/>
               </a:ext>
             </a:extLst>
           </p:cNvPr>
@@ -4603,7 +6700,7 @@
           <p:cNvPr id="9" name="TextBox 8">
             <a:extLst>
               <a:ext uri="{FF2B5EF4-FFF2-40B4-BE49-F238E27FC236}">
-                <a16:creationId xmlns:a16="http://schemas.microsoft.com/office/drawing/2014/main" xmlns="" id="{15B64963-8DFC-48AB-B197-A6E1237D491D}"/>
+                <a16:creationId xmlns:a16="http://schemas.microsoft.com/office/drawing/2014/main" id="{15B64963-8DFC-48AB-B197-A6E1237D491D}"/>
               </a:ext>
             </a:extLst>
           </p:cNvPr>
@@ -4645,7 +6742,7 @@
           <p:cNvPr id="10" name="TextBox 9">
             <a:extLst>
               <a:ext uri="{FF2B5EF4-FFF2-40B4-BE49-F238E27FC236}">
-                <a16:creationId xmlns:a16="http://schemas.microsoft.com/office/drawing/2014/main" xmlns="" id="{50C6A659-800E-46F1-9CB3-4FC7C3CD860F}"/>
+                <a16:creationId xmlns:a16="http://schemas.microsoft.com/office/drawing/2014/main" id="{50C6A659-800E-46F1-9CB3-4FC7C3CD860F}"/>
               </a:ext>
             </a:extLst>
           </p:cNvPr>
@@ -4872,7 +6969,7 @@
           <p:cNvPr id="14" name="Group 13">
             <a:extLst>
               <a:ext uri="{FF2B5EF4-FFF2-40B4-BE49-F238E27FC236}">
-                <a16:creationId xmlns:a16="http://schemas.microsoft.com/office/drawing/2014/main" xmlns="" id="{E6134FC8-7569-482F-A5DA-DD10968F7B20}"/>
+                <a16:creationId xmlns:a16="http://schemas.microsoft.com/office/drawing/2014/main" id="{E6134FC8-7569-482F-A5DA-DD10968F7B20}"/>
               </a:ext>
             </a:extLst>
           </p:cNvPr>
@@ -4892,7 +6989,7 @@
             <p:cNvPr id="11" name="Rectangle: Rounded Corners 10">
               <a:extLst>
                 <a:ext uri="{FF2B5EF4-FFF2-40B4-BE49-F238E27FC236}">
-                  <a16:creationId xmlns:a16="http://schemas.microsoft.com/office/drawing/2014/main" xmlns="" id="{F93394BE-835A-4481-8C91-B83FF62D23E4}"/>
+                  <a16:creationId xmlns:a16="http://schemas.microsoft.com/office/drawing/2014/main" id="{F93394BE-835A-4481-8C91-B83FF62D23E4}"/>
                 </a:ext>
               </a:extLst>
             </p:cNvPr>
@@ -4950,7 +7047,7 @@
             <p:cNvPr id="13" name="Arrow: Right 12">
               <a:extLst>
                 <a:ext uri="{FF2B5EF4-FFF2-40B4-BE49-F238E27FC236}">
-                  <a16:creationId xmlns:a16="http://schemas.microsoft.com/office/drawing/2014/main" xmlns="" id="{FDF8585B-6E40-46E1-BEC8-A6FDEDE7EFB8}"/>
+                  <a16:creationId xmlns:a16="http://schemas.microsoft.com/office/drawing/2014/main" id="{FDF8585B-6E40-46E1-BEC8-A6FDEDE7EFB8}"/>
                 </a:ext>
               </a:extLst>
             </p:cNvPr>
@@ -4997,7 +7094,7 @@
           <p:cNvPr id="15" name="Group 14">
             <a:extLst>
               <a:ext uri="{FF2B5EF4-FFF2-40B4-BE49-F238E27FC236}">
-                <a16:creationId xmlns:a16="http://schemas.microsoft.com/office/drawing/2014/main" xmlns="" id="{FA0AF74F-11BD-498E-9435-5ED42EB48579}"/>
+                <a16:creationId xmlns:a16="http://schemas.microsoft.com/office/drawing/2014/main" id="{FA0AF74F-11BD-498E-9435-5ED42EB48579}"/>
               </a:ext>
             </a:extLst>
           </p:cNvPr>
@@ -5017,7 +7114,7 @@
             <p:cNvPr id="16" name="Rectangle: Rounded Corners 15">
               <a:extLst>
                 <a:ext uri="{FF2B5EF4-FFF2-40B4-BE49-F238E27FC236}">
-                  <a16:creationId xmlns:a16="http://schemas.microsoft.com/office/drawing/2014/main" xmlns="" id="{EADA8B30-F109-4AF0-A8CA-252F80D65DC6}"/>
+                  <a16:creationId xmlns:a16="http://schemas.microsoft.com/office/drawing/2014/main" id="{EADA8B30-F109-4AF0-A8CA-252F80D65DC6}"/>
                 </a:ext>
               </a:extLst>
             </p:cNvPr>
@@ -5075,7 +7172,7 @@
             <p:cNvPr id="17" name="Arrow: Right 16">
               <a:extLst>
                 <a:ext uri="{FF2B5EF4-FFF2-40B4-BE49-F238E27FC236}">
-                  <a16:creationId xmlns:a16="http://schemas.microsoft.com/office/drawing/2014/main" xmlns="" id="{3BC68C74-C902-47F7-B8DC-6EEF67C4E128}"/>
+                  <a16:creationId xmlns:a16="http://schemas.microsoft.com/office/drawing/2014/main" id="{3BC68C74-C902-47F7-B8DC-6EEF67C4E128}"/>
                 </a:ext>
               </a:extLst>
             </p:cNvPr>
@@ -5122,7 +7219,7 @@
           <p:cNvPr id="18" name="Group 17">
             <a:extLst>
               <a:ext uri="{FF2B5EF4-FFF2-40B4-BE49-F238E27FC236}">
-                <a16:creationId xmlns:a16="http://schemas.microsoft.com/office/drawing/2014/main" xmlns="" id="{FAF63C18-EF93-4645-B591-D441BB782E3C}"/>
+                <a16:creationId xmlns:a16="http://schemas.microsoft.com/office/drawing/2014/main" id="{FAF63C18-EF93-4645-B591-D441BB782E3C}"/>
               </a:ext>
             </a:extLst>
           </p:cNvPr>
@@ -5142,7 +7239,7 @@
             <p:cNvPr id="19" name="Rectangle: Rounded Corners 18">
               <a:extLst>
                 <a:ext uri="{FF2B5EF4-FFF2-40B4-BE49-F238E27FC236}">
-                  <a16:creationId xmlns:a16="http://schemas.microsoft.com/office/drawing/2014/main" xmlns="" id="{2AF4A726-4C7B-4F13-A2E8-293521B5877C}"/>
+                  <a16:creationId xmlns:a16="http://schemas.microsoft.com/office/drawing/2014/main" id="{2AF4A726-4C7B-4F13-A2E8-293521B5877C}"/>
                 </a:ext>
               </a:extLst>
             </p:cNvPr>
@@ -5200,7 +7297,7 @@
             <p:cNvPr id="20" name="Arrow: Right 19">
               <a:extLst>
                 <a:ext uri="{FF2B5EF4-FFF2-40B4-BE49-F238E27FC236}">
-                  <a16:creationId xmlns:a16="http://schemas.microsoft.com/office/drawing/2014/main" xmlns="" id="{FBA30B10-DC79-4FBE-B9A6-58B871923EA5}"/>
+                  <a16:creationId xmlns:a16="http://schemas.microsoft.com/office/drawing/2014/main" id="{FBA30B10-DC79-4FBE-B9A6-58B871923EA5}"/>
                 </a:ext>
               </a:extLst>
             </p:cNvPr>
@@ -5277,7 +7374,7 @@
           <p:cNvPr id="5" name="Content Placeholder 4">
             <a:extLst>
               <a:ext uri="{FF2B5EF4-FFF2-40B4-BE49-F238E27FC236}">
-                <a16:creationId xmlns:a16="http://schemas.microsoft.com/office/drawing/2014/main" xmlns="" id="{8E26EE59-CCCA-465C-A229-F910BE4C298C}"/>
+                <a16:creationId xmlns:a16="http://schemas.microsoft.com/office/drawing/2014/main" id="{8E26EE59-CCCA-465C-A229-F910BE4C298C}"/>
               </a:ext>
             </a:extLst>
           </p:cNvPr>
@@ -5312,7 +7409,7 @@
           <p:cNvPr id="9" name="TextBox 8">
             <a:extLst>
               <a:ext uri="{FF2B5EF4-FFF2-40B4-BE49-F238E27FC236}">
-                <a16:creationId xmlns:a16="http://schemas.microsoft.com/office/drawing/2014/main" xmlns="" id="{62AF3DBD-1B75-4248-BD66-BB933D7B27C1}"/>
+                <a16:creationId xmlns:a16="http://schemas.microsoft.com/office/drawing/2014/main" id="{62AF3DBD-1B75-4248-BD66-BB933D7B27C1}"/>
               </a:ext>
             </a:extLst>
           </p:cNvPr>
@@ -5442,7 +7539,7 @@
           <p:cNvPr id="12" name="Title 1">
             <a:extLst>
               <a:ext uri="{FF2B5EF4-FFF2-40B4-BE49-F238E27FC236}">
-                <a16:creationId xmlns:a16="http://schemas.microsoft.com/office/drawing/2014/main" xmlns="" id="{DCD9B9A9-8EDA-4BC7-9AF9-B033C1A11A3A}"/>
+                <a16:creationId xmlns:a16="http://schemas.microsoft.com/office/drawing/2014/main" id="{DCD9B9A9-8EDA-4BC7-9AF9-B033C1A11A3A}"/>
               </a:ext>
             </a:extLst>
           </p:cNvPr>
@@ -5478,7 +7575,7 @@
           <p:cNvPr id="14" name="TextBox 13">
             <a:extLst>
               <a:ext uri="{FF2B5EF4-FFF2-40B4-BE49-F238E27FC236}">
-                <a16:creationId xmlns:a16="http://schemas.microsoft.com/office/drawing/2014/main" xmlns="" id="{AD25BC93-0C10-4D62-AE5D-77AC49F57965}"/>
+                <a16:creationId xmlns:a16="http://schemas.microsoft.com/office/drawing/2014/main" id="{AD25BC93-0C10-4D62-AE5D-77AC49F57965}"/>
               </a:ext>
             </a:extLst>
           </p:cNvPr>
@@ -5520,7 +7617,7 @@
           <p:cNvPr id="6" name="TextBox 5">
             <a:extLst>
               <a:ext uri="{FF2B5EF4-FFF2-40B4-BE49-F238E27FC236}">
-                <a16:creationId xmlns:a16="http://schemas.microsoft.com/office/drawing/2014/main" xmlns="" id="{E469697A-C9B9-4826-A6F8-FC7623BBB27A}"/>
+                <a16:creationId xmlns:a16="http://schemas.microsoft.com/office/drawing/2014/main" id="{E469697A-C9B9-4826-A6F8-FC7623BBB27A}"/>
               </a:ext>
             </a:extLst>
           </p:cNvPr>
@@ -5734,7 +7831,7 @@
           <p:cNvPr id="11" name="Group 10">
             <a:extLst>
               <a:ext uri="{FF2B5EF4-FFF2-40B4-BE49-F238E27FC236}">
-                <a16:creationId xmlns:a16="http://schemas.microsoft.com/office/drawing/2014/main" xmlns="" id="{8CA83818-2F1C-4948-B254-60EC354B9012}"/>
+                <a16:creationId xmlns:a16="http://schemas.microsoft.com/office/drawing/2014/main" id="{8CA83818-2F1C-4948-B254-60EC354B9012}"/>
               </a:ext>
             </a:extLst>
           </p:cNvPr>
@@ -5754,7 +7851,7 @@
             <p:cNvPr id="13" name="Rectangle: Rounded Corners 12">
               <a:extLst>
                 <a:ext uri="{FF2B5EF4-FFF2-40B4-BE49-F238E27FC236}">
-                  <a16:creationId xmlns:a16="http://schemas.microsoft.com/office/drawing/2014/main" xmlns="" id="{865B8BA8-E699-4128-8EB8-2560818D8774}"/>
+                  <a16:creationId xmlns:a16="http://schemas.microsoft.com/office/drawing/2014/main" id="{865B8BA8-E699-4128-8EB8-2560818D8774}"/>
                 </a:ext>
               </a:extLst>
             </p:cNvPr>
@@ -5812,7 +7909,7 @@
             <p:cNvPr id="15" name="Arrow: Right 14">
               <a:extLst>
                 <a:ext uri="{FF2B5EF4-FFF2-40B4-BE49-F238E27FC236}">
-                  <a16:creationId xmlns:a16="http://schemas.microsoft.com/office/drawing/2014/main" xmlns="" id="{B7228086-8783-491C-A98C-715692029D7D}"/>
+                  <a16:creationId xmlns:a16="http://schemas.microsoft.com/office/drawing/2014/main" id="{B7228086-8783-491C-A98C-715692029D7D}"/>
                 </a:ext>
               </a:extLst>
             </p:cNvPr>
@@ -5859,7 +7956,7 @@
           <p:cNvPr id="16" name="Group 15">
             <a:extLst>
               <a:ext uri="{FF2B5EF4-FFF2-40B4-BE49-F238E27FC236}">
-                <a16:creationId xmlns:a16="http://schemas.microsoft.com/office/drawing/2014/main" xmlns="" id="{E0425EDB-355E-43D3-A3B9-5ACD9167DA57}"/>
+                <a16:creationId xmlns:a16="http://schemas.microsoft.com/office/drawing/2014/main" id="{E0425EDB-355E-43D3-A3B9-5ACD9167DA57}"/>
               </a:ext>
             </a:extLst>
           </p:cNvPr>
@@ -5879,7 +7976,7 @@
             <p:cNvPr id="17" name="Rectangle: Rounded Corners 16">
               <a:extLst>
                 <a:ext uri="{FF2B5EF4-FFF2-40B4-BE49-F238E27FC236}">
-                  <a16:creationId xmlns:a16="http://schemas.microsoft.com/office/drawing/2014/main" xmlns="" id="{22C6AEA9-BF89-4732-8137-A6516DD89E49}"/>
+                  <a16:creationId xmlns:a16="http://schemas.microsoft.com/office/drawing/2014/main" id="{22C6AEA9-BF89-4732-8137-A6516DD89E49}"/>
                 </a:ext>
               </a:extLst>
             </p:cNvPr>
@@ -5937,7 +8034,7 @@
             <p:cNvPr id="18" name="Arrow: Right 17">
               <a:extLst>
                 <a:ext uri="{FF2B5EF4-FFF2-40B4-BE49-F238E27FC236}">
-                  <a16:creationId xmlns:a16="http://schemas.microsoft.com/office/drawing/2014/main" xmlns="" id="{92012C18-A931-40BB-86C7-DCC7AEC783AD}"/>
+                  <a16:creationId xmlns:a16="http://schemas.microsoft.com/office/drawing/2014/main" id="{92012C18-A931-40BB-86C7-DCC7AEC783AD}"/>
                 </a:ext>
               </a:extLst>
             </p:cNvPr>
@@ -5984,7 +8081,7 @@
           <p:cNvPr id="19" name="Group 18">
             <a:extLst>
               <a:ext uri="{FF2B5EF4-FFF2-40B4-BE49-F238E27FC236}">
-                <a16:creationId xmlns:a16="http://schemas.microsoft.com/office/drawing/2014/main" xmlns="" id="{5B3FC0C0-36F2-4DE7-A3D8-00A8DA33D244}"/>
+                <a16:creationId xmlns:a16="http://schemas.microsoft.com/office/drawing/2014/main" id="{5B3FC0C0-36F2-4DE7-A3D8-00A8DA33D244}"/>
               </a:ext>
             </a:extLst>
           </p:cNvPr>
@@ -6004,7 +8101,7 @@
             <p:cNvPr id="20" name="Rectangle: Rounded Corners 19">
               <a:extLst>
                 <a:ext uri="{FF2B5EF4-FFF2-40B4-BE49-F238E27FC236}">
-                  <a16:creationId xmlns:a16="http://schemas.microsoft.com/office/drawing/2014/main" xmlns="" id="{64A84BF5-EFAF-4074-AD71-D6B011CE5580}"/>
+                  <a16:creationId xmlns:a16="http://schemas.microsoft.com/office/drawing/2014/main" id="{64A84BF5-EFAF-4074-AD71-D6B011CE5580}"/>
                 </a:ext>
               </a:extLst>
             </p:cNvPr>
@@ -6062,7 +8159,7 @@
             <p:cNvPr id="21" name="Arrow: Right 20">
               <a:extLst>
                 <a:ext uri="{FF2B5EF4-FFF2-40B4-BE49-F238E27FC236}">
-                  <a16:creationId xmlns:a16="http://schemas.microsoft.com/office/drawing/2014/main" xmlns="" id="{91D7A050-1BDB-4261-998F-2FAEFFD7D4AC}"/>
+                  <a16:creationId xmlns:a16="http://schemas.microsoft.com/office/drawing/2014/main" id="{91D7A050-1BDB-4261-998F-2FAEFFD7D4AC}"/>
                 </a:ext>
               </a:extLst>
             </p:cNvPr>
@@ -6139,7 +8236,7 @@
           <p:cNvPr id="9" name="Content Placeholder 8">
             <a:extLst>
               <a:ext uri="{FF2B5EF4-FFF2-40B4-BE49-F238E27FC236}">
-                <a16:creationId xmlns:a16="http://schemas.microsoft.com/office/drawing/2014/main" xmlns="" id="{C6F7B156-8F11-432C-B2CE-327CBB0BAEC6}"/>
+                <a16:creationId xmlns:a16="http://schemas.microsoft.com/office/drawing/2014/main" id="{C6F7B156-8F11-432C-B2CE-327CBB0BAEC6}"/>
               </a:ext>
             </a:extLst>
           </p:cNvPr>
@@ -6174,7 +8271,7 @@
           <p:cNvPr id="14" name="TextBox 13">
             <a:extLst>
               <a:ext uri="{FF2B5EF4-FFF2-40B4-BE49-F238E27FC236}">
-                <a16:creationId xmlns:a16="http://schemas.microsoft.com/office/drawing/2014/main" xmlns="" id="{B6A3A62F-5AB5-43E2-BCCD-190F19B4EE62}"/>
+                <a16:creationId xmlns:a16="http://schemas.microsoft.com/office/drawing/2014/main" id="{B6A3A62F-5AB5-43E2-BCCD-190F19B4EE62}"/>
               </a:ext>
             </a:extLst>
           </p:cNvPr>
@@ -6326,7 +8423,7 @@
           <p:cNvPr id="17" name="Title 1">
             <a:extLst>
               <a:ext uri="{FF2B5EF4-FFF2-40B4-BE49-F238E27FC236}">
-                <a16:creationId xmlns:a16="http://schemas.microsoft.com/office/drawing/2014/main" xmlns="" id="{6FCC0EDB-2B4D-4B21-AD89-55E7BBF10585}"/>
+                <a16:creationId xmlns:a16="http://schemas.microsoft.com/office/drawing/2014/main" id="{6FCC0EDB-2B4D-4B21-AD89-55E7BBF10585}"/>
               </a:ext>
             </a:extLst>
           </p:cNvPr>
@@ -6362,7 +8459,7 @@
           <p:cNvPr id="19" name="TextBox 18">
             <a:extLst>
               <a:ext uri="{FF2B5EF4-FFF2-40B4-BE49-F238E27FC236}">
-                <a16:creationId xmlns:a16="http://schemas.microsoft.com/office/drawing/2014/main" xmlns="" id="{1FCA077D-8E0C-4F1E-B248-1DE404A9F082}"/>
+                <a16:creationId xmlns:a16="http://schemas.microsoft.com/office/drawing/2014/main" id="{1FCA077D-8E0C-4F1E-B248-1DE404A9F082}"/>
               </a:ext>
             </a:extLst>
           </p:cNvPr>
@@ -6553,7 +8650,7 @@
           <p:cNvPr id="6" name="TextBox 5">
             <a:extLst>
               <a:ext uri="{FF2B5EF4-FFF2-40B4-BE49-F238E27FC236}">
-                <a16:creationId xmlns:a16="http://schemas.microsoft.com/office/drawing/2014/main" xmlns="" id="{847A6691-6F0C-4EB0-A43A-FDF4E76C85AD}"/>
+                <a16:creationId xmlns:a16="http://schemas.microsoft.com/office/drawing/2014/main" id="{847A6691-6F0C-4EB0-A43A-FDF4E76C85AD}"/>
               </a:ext>
             </a:extLst>
           </p:cNvPr>
@@ -6740,7 +8837,7 @@
           <p:cNvPr id="7" name="Group 6">
             <a:extLst>
               <a:ext uri="{FF2B5EF4-FFF2-40B4-BE49-F238E27FC236}">
-                <a16:creationId xmlns:a16="http://schemas.microsoft.com/office/drawing/2014/main" xmlns="" id="{4906C91C-1F12-47A7-8879-3FEE86B69DEA}"/>
+                <a16:creationId xmlns:a16="http://schemas.microsoft.com/office/drawing/2014/main" id="{4906C91C-1F12-47A7-8879-3FEE86B69DEA}"/>
               </a:ext>
             </a:extLst>
           </p:cNvPr>
@@ -6760,7 +8857,7 @@
             <p:cNvPr id="8" name="Rectangle: Rounded Corners 7">
               <a:extLst>
                 <a:ext uri="{FF2B5EF4-FFF2-40B4-BE49-F238E27FC236}">
-                  <a16:creationId xmlns:a16="http://schemas.microsoft.com/office/drawing/2014/main" xmlns="" id="{01D0CE59-093F-43F7-941D-761EB1F5F0D0}"/>
+                  <a16:creationId xmlns:a16="http://schemas.microsoft.com/office/drawing/2014/main" id="{01D0CE59-093F-43F7-941D-761EB1F5F0D0}"/>
                 </a:ext>
               </a:extLst>
             </p:cNvPr>
@@ -6818,7 +8915,7 @@
             <p:cNvPr id="10" name="Arrow: Right 9">
               <a:extLst>
                 <a:ext uri="{FF2B5EF4-FFF2-40B4-BE49-F238E27FC236}">
-                  <a16:creationId xmlns:a16="http://schemas.microsoft.com/office/drawing/2014/main" xmlns="" id="{183B7A30-A574-403C-BFD2-09A735D67B39}"/>
+                  <a16:creationId xmlns:a16="http://schemas.microsoft.com/office/drawing/2014/main" id="{183B7A30-A574-403C-BFD2-09A735D67B39}"/>
                 </a:ext>
               </a:extLst>
             </p:cNvPr>
@@ -6865,7 +8962,7 @@
           <p:cNvPr id="11" name="Group 10">
             <a:extLst>
               <a:ext uri="{FF2B5EF4-FFF2-40B4-BE49-F238E27FC236}">
-                <a16:creationId xmlns:a16="http://schemas.microsoft.com/office/drawing/2014/main" xmlns="" id="{2B733B38-C7FA-4AD5-B422-8A1695ECD9D5}"/>
+                <a16:creationId xmlns:a16="http://schemas.microsoft.com/office/drawing/2014/main" id="{2B733B38-C7FA-4AD5-B422-8A1695ECD9D5}"/>
               </a:ext>
             </a:extLst>
           </p:cNvPr>
@@ -6885,7 +8982,7 @@
             <p:cNvPr id="12" name="Rectangle: Rounded Corners 11">
               <a:extLst>
                 <a:ext uri="{FF2B5EF4-FFF2-40B4-BE49-F238E27FC236}">
-                  <a16:creationId xmlns:a16="http://schemas.microsoft.com/office/drawing/2014/main" xmlns="" id="{C64C6560-0928-459D-8F3E-D8646B6E89F3}"/>
+                  <a16:creationId xmlns:a16="http://schemas.microsoft.com/office/drawing/2014/main" id="{C64C6560-0928-459D-8F3E-D8646B6E89F3}"/>
                 </a:ext>
               </a:extLst>
             </p:cNvPr>
@@ -6962,7 +9059,7 @@
             <p:cNvPr id="13" name="Arrow: Right 12">
               <a:extLst>
                 <a:ext uri="{FF2B5EF4-FFF2-40B4-BE49-F238E27FC236}">
-                  <a16:creationId xmlns:a16="http://schemas.microsoft.com/office/drawing/2014/main" xmlns="" id="{64432522-C1B2-4CAB-9D5B-DC8A631D1F48}"/>
+                  <a16:creationId xmlns:a16="http://schemas.microsoft.com/office/drawing/2014/main" id="{64432522-C1B2-4CAB-9D5B-DC8A631D1F48}"/>
                 </a:ext>
               </a:extLst>
             </p:cNvPr>
@@ -7009,7 +9106,7 @@
           <p:cNvPr id="15" name="Group 14">
             <a:extLst>
               <a:ext uri="{FF2B5EF4-FFF2-40B4-BE49-F238E27FC236}">
-                <a16:creationId xmlns:a16="http://schemas.microsoft.com/office/drawing/2014/main" xmlns="" id="{1151F04F-0E1D-4066-B770-340A5B9B3972}"/>
+                <a16:creationId xmlns:a16="http://schemas.microsoft.com/office/drawing/2014/main" id="{1151F04F-0E1D-4066-B770-340A5B9B3972}"/>
               </a:ext>
             </a:extLst>
           </p:cNvPr>
@@ -7029,7 +9126,7 @@
             <p:cNvPr id="16" name="Rectangle: Rounded Corners 15">
               <a:extLst>
                 <a:ext uri="{FF2B5EF4-FFF2-40B4-BE49-F238E27FC236}">
-                  <a16:creationId xmlns:a16="http://schemas.microsoft.com/office/drawing/2014/main" xmlns="" id="{275BBA66-0F5B-4EFA-AC11-DC88C65BC70E}"/>
+                  <a16:creationId xmlns:a16="http://schemas.microsoft.com/office/drawing/2014/main" id="{275BBA66-0F5B-4EFA-AC11-DC88C65BC70E}"/>
                 </a:ext>
               </a:extLst>
             </p:cNvPr>
@@ -7087,7 +9184,7 @@
             <p:cNvPr id="18" name="Arrow: Right 17">
               <a:extLst>
                 <a:ext uri="{FF2B5EF4-FFF2-40B4-BE49-F238E27FC236}">
-                  <a16:creationId xmlns:a16="http://schemas.microsoft.com/office/drawing/2014/main" xmlns="" id="{F31393C4-573F-4B19-8147-E98942AFCA7A}"/>
+                  <a16:creationId xmlns:a16="http://schemas.microsoft.com/office/drawing/2014/main" id="{F31393C4-573F-4B19-8147-E98942AFCA7A}"/>
                 </a:ext>
               </a:extLst>
             </p:cNvPr>
@@ -7164,7 +9261,7 @@
           <p:cNvPr id="6" name="Content Placeholder 5">
             <a:extLst>
               <a:ext uri="{FF2B5EF4-FFF2-40B4-BE49-F238E27FC236}">
-                <a16:creationId xmlns:a16="http://schemas.microsoft.com/office/drawing/2014/main" xmlns="" id="{33B2250B-9EA8-4F72-83BA-EAF6FCB9B2F5}"/>
+                <a16:creationId xmlns:a16="http://schemas.microsoft.com/office/drawing/2014/main" id="{33B2250B-9EA8-4F72-83BA-EAF6FCB9B2F5}"/>
               </a:ext>
             </a:extLst>
           </p:cNvPr>
@@ -7199,7 +9296,7 @@
           <p:cNvPr id="12" name="TextBox 11">
             <a:extLst>
               <a:ext uri="{FF2B5EF4-FFF2-40B4-BE49-F238E27FC236}">
-                <a16:creationId xmlns:a16="http://schemas.microsoft.com/office/drawing/2014/main" xmlns="" id="{DA487378-0C29-4DB0-9248-58A8D7423A4F}"/>
+                <a16:creationId xmlns:a16="http://schemas.microsoft.com/office/drawing/2014/main" id="{DA487378-0C29-4DB0-9248-58A8D7423A4F}"/>
               </a:ext>
             </a:extLst>
           </p:cNvPr>
@@ -7329,7 +9426,7 @@
           <p:cNvPr id="15" name="Title 1">
             <a:extLst>
               <a:ext uri="{FF2B5EF4-FFF2-40B4-BE49-F238E27FC236}">
-                <a16:creationId xmlns:a16="http://schemas.microsoft.com/office/drawing/2014/main" xmlns="" id="{2CFED99B-A86A-46D7-90D3-41E60B7715F8}"/>
+                <a16:creationId xmlns:a16="http://schemas.microsoft.com/office/drawing/2014/main" id="{2CFED99B-A86A-46D7-90D3-41E60B7715F8}"/>
               </a:ext>
             </a:extLst>
           </p:cNvPr>
@@ -7384,7 +9481,7 @@
           <p:cNvPr id="18" name="TextBox 17">
             <a:extLst>
               <a:ext uri="{FF2B5EF4-FFF2-40B4-BE49-F238E27FC236}">
-                <a16:creationId xmlns:a16="http://schemas.microsoft.com/office/drawing/2014/main" xmlns="" id="{3AA3F62D-92D1-4EC5-AC48-EC75F67A3F00}"/>
+                <a16:creationId xmlns:a16="http://schemas.microsoft.com/office/drawing/2014/main" id="{3AA3F62D-92D1-4EC5-AC48-EC75F67A3F00}"/>
               </a:ext>
             </a:extLst>
           </p:cNvPr>
@@ -7426,7 +9523,7 @@
           <p:cNvPr id="7" name="TextBox 6">
             <a:extLst>
               <a:ext uri="{FF2B5EF4-FFF2-40B4-BE49-F238E27FC236}">
-                <a16:creationId xmlns:a16="http://schemas.microsoft.com/office/drawing/2014/main" xmlns="" id="{BF2B5BCC-0EF5-4E73-B220-BB342B940170}"/>
+                <a16:creationId xmlns:a16="http://schemas.microsoft.com/office/drawing/2014/main" id="{BF2B5BCC-0EF5-4E73-B220-BB342B940170}"/>
               </a:ext>
             </a:extLst>
           </p:cNvPr>
@@ -7623,7 +9720,7 @@
           <p:cNvPr id="8" name="Group 7">
             <a:extLst>
               <a:ext uri="{FF2B5EF4-FFF2-40B4-BE49-F238E27FC236}">
-                <a16:creationId xmlns:a16="http://schemas.microsoft.com/office/drawing/2014/main" xmlns="" id="{F325CCFD-6D03-4E8E-8003-8453AC015BF3}"/>
+                <a16:creationId xmlns:a16="http://schemas.microsoft.com/office/drawing/2014/main" id="{F325CCFD-6D03-4E8E-8003-8453AC015BF3}"/>
               </a:ext>
             </a:extLst>
           </p:cNvPr>
@@ -7643,7 +9740,7 @@
             <p:cNvPr id="9" name="Rectangle: Rounded Corners 8">
               <a:extLst>
                 <a:ext uri="{FF2B5EF4-FFF2-40B4-BE49-F238E27FC236}">
-                  <a16:creationId xmlns:a16="http://schemas.microsoft.com/office/drawing/2014/main" xmlns="" id="{55B17B84-DF99-4C29-AC2F-96328E43A5CE}"/>
+                  <a16:creationId xmlns:a16="http://schemas.microsoft.com/office/drawing/2014/main" id="{55B17B84-DF99-4C29-AC2F-96328E43A5CE}"/>
                 </a:ext>
               </a:extLst>
             </p:cNvPr>
@@ -7701,7 +9798,7 @@
             <p:cNvPr id="10" name="Arrow: Right 9">
               <a:extLst>
                 <a:ext uri="{FF2B5EF4-FFF2-40B4-BE49-F238E27FC236}">
-                  <a16:creationId xmlns:a16="http://schemas.microsoft.com/office/drawing/2014/main" xmlns="" id="{A07FD5B9-BF2C-4C3A-8F96-5F58BCE2E7D7}"/>
+                  <a16:creationId xmlns:a16="http://schemas.microsoft.com/office/drawing/2014/main" id="{A07FD5B9-BF2C-4C3A-8F96-5F58BCE2E7D7}"/>
                 </a:ext>
               </a:extLst>
             </p:cNvPr>
@@ -7748,7 +9845,7 @@
           <p:cNvPr id="11" name="Group 10">
             <a:extLst>
               <a:ext uri="{FF2B5EF4-FFF2-40B4-BE49-F238E27FC236}">
-                <a16:creationId xmlns:a16="http://schemas.microsoft.com/office/drawing/2014/main" xmlns="" id="{913BD5FD-B24C-4F43-8C8E-CA275DAF54A6}"/>
+                <a16:creationId xmlns:a16="http://schemas.microsoft.com/office/drawing/2014/main" id="{913BD5FD-B24C-4F43-8C8E-CA275DAF54A6}"/>
               </a:ext>
             </a:extLst>
           </p:cNvPr>
@@ -7768,7 +9865,7 @@
             <p:cNvPr id="13" name="Rectangle: Rounded Corners 12">
               <a:extLst>
                 <a:ext uri="{FF2B5EF4-FFF2-40B4-BE49-F238E27FC236}">
-                  <a16:creationId xmlns:a16="http://schemas.microsoft.com/office/drawing/2014/main" xmlns="" id="{A46B4019-0782-4EDE-8F9B-8787D6ADE9BE}"/>
+                  <a16:creationId xmlns:a16="http://schemas.microsoft.com/office/drawing/2014/main" id="{A46B4019-0782-4EDE-8F9B-8787D6ADE9BE}"/>
                 </a:ext>
               </a:extLst>
             </p:cNvPr>
@@ -7826,7 +9923,7 @@
             <p:cNvPr id="14" name="Arrow: Right 13">
               <a:extLst>
                 <a:ext uri="{FF2B5EF4-FFF2-40B4-BE49-F238E27FC236}">
-                  <a16:creationId xmlns:a16="http://schemas.microsoft.com/office/drawing/2014/main" xmlns="" id="{C05C7D53-B4F4-40E8-A7A4-B612FFE44E39}"/>
+                  <a16:creationId xmlns:a16="http://schemas.microsoft.com/office/drawing/2014/main" id="{C05C7D53-B4F4-40E8-A7A4-B612FFE44E39}"/>
                 </a:ext>
               </a:extLst>
             </p:cNvPr>
@@ -7873,7 +9970,7 @@
           <p:cNvPr id="16" name="Group 15">
             <a:extLst>
               <a:ext uri="{FF2B5EF4-FFF2-40B4-BE49-F238E27FC236}">
-                <a16:creationId xmlns:a16="http://schemas.microsoft.com/office/drawing/2014/main" xmlns="" id="{C301D21F-5248-4416-8F3E-E47E9A42C678}"/>
+                <a16:creationId xmlns:a16="http://schemas.microsoft.com/office/drawing/2014/main" id="{C301D21F-5248-4416-8F3E-E47E9A42C678}"/>
               </a:ext>
             </a:extLst>
           </p:cNvPr>
@@ -7893,7 +9990,7 @@
             <p:cNvPr id="17" name="Rectangle: Rounded Corners 16">
               <a:extLst>
                 <a:ext uri="{FF2B5EF4-FFF2-40B4-BE49-F238E27FC236}">
-                  <a16:creationId xmlns:a16="http://schemas.microsoft.com/office/drawing/2014/main" xmlns="" id="{9FF65848-5DB4-4841-99A8-61A13BF5D235}"/>
+                  <a16:creationId xmlns:a16="http://schemas.microsoft.com/office/drawing/2014/main" id="{9FF65848-5DB4-4841-99A8-61A13BF5D235}"/>
                 </a:ext>
               </a:extLst>
             </p:cNvPr>
@@ -7951,7 +10048,7 @@
             <p:cNvPr id="19" name="Arrow: Right 18">
               <a:extLst>
                 <a:ext uri="{FF2B5EF4-FFF2-40B4-BE49-F238E27FC236}">
-                  <a16:creationId xmlns:a16="http://schemas.microsoft.com/office/drawing/2014/main" xmlns="" id="{8D71F1C5-D713-4480-8649-BAAA3FEEACEC}"/>
+                  <a16:creationId xmlns:a16="http://schemas.microsoft.com/office/drawing/2014/main" id="{8D71F1C5-D713-4480-8649-BAAA3FEEACEC}"/>
                 </a:ext>
               </a:extLst>
             </p:cNvPr>
@@ -8028,7 +10125,7 @@
           <p:cNvPr id="10" name="Content Placeholder 9">
             <a:extLst>
               <a:ext uri="{FF2B5EF4-FFF2-40B4-BE49-F238E27FC236}">
-                <a16:creationId xmlns:a16="http://schemas.microsoft.com/office/drawing/2014/main" xmlns="" id="{6F03154E-C798-4103-802A-0495CC8B2366}"/>
+                <a16:creationId xmlns:a16="http://schemas.microsoft.com/office/drawing/2014/main" id="{6F03154E-C798-4103-802A-0495CC8B2366}"/>
               </a:ext>
             </a:extLst>
           </p:cNvPr>
@@ -8063,7 +10160,7 @@
           <p:cNvPr id="16" name="TextBox 15">
             <a:extLst>
               <a:ext uri="{FF2B5EF4-FFF2-40B4-BE49-F238E27FC236}">
-                <a16:creationId xmlns:a16="http://schemas.microsoft.com/office/drawing/2014/main" xmlns="" id="{A1C25BF2-AF89-4F46-BC03-DCFAD3E95105}"/>
+                <a16:creationId xmlns:a16="http://schemas.microsoft.com/office/drawing/2014/main" id="{A1C25BF2-AF89-4F46-BC03-DCFAD3E95105}"/>
               </a:ext>
             </a:extLst>
           </p:cNvPr>
@@ -8193,7 +10290,7 @@
           <p:cNvPr id="19" name="Title 1">
             <a:extLst>
               <a:ext uri="{FF2B5EF4-FFF2-40B4-BE49-F238E27FC236}">
-                <a16:creationId xmlns:a16="http://schemas.microsoft.com/office/drawing/2014/main" xmlns="" id="{93C90C34-1C7F-420B-B417-8318D46D1D65}"/>
+                <a16:creationId xmlns:a16="http://schemas.microsoft.com/office/drawing/2014/main" id="{93C90C34-1C7F-420B-B417-8318D46D1D65}"/>
               </a:ext>
             </a:extLst>
           </p:cNvPr>
@@ -8233,7 +10330,7 @@
           <p:cNvPr id="21" name="TextBox 20">
             <a:extLst>
               <a:ext uri="{FF2B5EF4-FFF2-40B4-BE49-F238E27FC236}">
-                <a16:creationId xmlns:a16="http://schemas.microsoft.com/office/drawing/2014/main" xmlns="" id="{E123DCBC-D5D8-48E6-B9ED-C86A0953AF7E}"/>
+                <a16:creationId xmlns:a16="http://schemas.microsoft.com/office/drawing/2014/main" id="{E123DCBC-D5D8-48E6-B9ED-C86A0953AF7E}"/>
               </a:ext>
             </a:extLst>
           </p:cNvPr>
@@ -8275,7 +10372,7 @@
           <p:cNvPr id="6" name="TextBox 5">
             <a:extLst>
               <a:ext uri="{FF2B5EF4-FFF2-40B4-BE49-F238E27FC236}">
-                <a16:creationId xmlns:a16="http://schemas.microsoft.com/office/drawing/2014/main" xmlns="" id="{4FDEF96B-42DC-4163-81B2-A5001ACA01CA}"/>
+                <a16:creationId xmlns:a16="http://schemas.microsoft.com/office/drawing/2014/main" id="{4FDEF96B-42DC-4163-81B2-A5001ACA01CA}"/>
               </a:ext>
             </a:extLst>
           </p:cNvPr>
@@ -8519,7 +10616,7 @@
           <p:cNvPr id="7" name="Group 6">
             <a:extLst>
               <a:ext uri="{FF2B5EF4-FFF2-40B4-BE49-F238E27FC236}">
-                <a16:creationId xmlns:a16="http://schemas.microsoft.com/office/drawing/2014/main" xmlns="" id="{5F95F3DB-1D7E-45FF-9EAE-BC30E281A014}"/>
+                <a16:creationId xmlns:a16="http://schemas.microsoft.com/office/drawing/2014/main" id="{5F95F3DB-1D7E-45FF-9EAE-BC30E281A014}"/>
               </a:ext>
             </a:extLst>
           </p:cNvPr>
@@ -8539,7 +10636,7 @@
             <p:cNvPr id="8" name="Rectangle: Rounded Corners 7">
               <a:extLst>
                 <a:ext uri="{FF2B5EF4-FFF2-40B4-BE49-F238E27FC236}">
-                  <a16:creationId xmlns:a16="http://schemas.microsoft.com/office/drawing/2014/main" xmlns="" id="{F9BEFDB9-35C8-424E-97D8-5641C4086015}"/>
+                  <a16:creationId xmlns:a16="http://schemas.microsoft.com/office/drawing/2014/main" id="{F9BEFDB9-35C8-424E-97D8-5641C4086015}"/>
                 </a:ext>
               </a:extLst>
             </p:cNvPr>
@@ -8596,7 +10693,7 @@
             <p:cNvPr id="9" name="Arrow: Right 8">
               <a:extLst>
                 <a:ext uri="{FF2B5EF4-FFF2-40B4-BE49-F238E27FC236}">
-                  <a16:creationId xmlns:a16="http://schemas.microsoft.com/office/drawing/2014/main" xmlns="" id="{7AFE704C-8EC6-42CE-96F5-52F61C57162B}"/>
+                  <a16:creationId xmlns:a16="http://schemas.microsoft.com/office/drawing/2014/main" id="{7AFE704C-8EC6-42CE-96F5-52F61C57162B}"/>
                 </a:ext>
               </a:extLst>
             </p:cNvPr>
@@ -8643,7 +10740,7 @@
           <p:cNvPr id="11" name="Group 10">
             <a:extLst>
               <a:ext uri="{FF2B5EF4-FFF2-40B4-BE49-F238E27FC236}">
-                <a16:creationId xmlns:a16="http://schemas.microsoft.com/office/drawing/2014/main" xmlns="" id="{E3BC47D8-B7EB-408F-90C4-9940C62DAAF3}"/>
+                <a16:creationId xmlns:a16="http://schemas.microsoft.com/office/drawing/2014/main" id="{E3BC47D8-B7EB-408F-90C4-9940C62DAAF3}"/>
               </a:ext>
             </a:extLst>
           </p:cNvPr>
@@ -8663,7 +10760,7 @@
             <p:cNvPr id="12" name="Rectangle: Rounded Corners 11">
               <a:extLst>
                 <a:ext uri="{FF2B5EF4-FFF2-40B4-BE49-F238E27FC236}">
-                  <a16:creationId xmlns:a16="http://schemas.microsoft.com/office/drawing/2014/main" xmlns="" id="{7F238C90-C4CD-4715-8AF9-48C26B1DE246}"/>
+                  <a16:creationId xmlns:a16="http://schemas.microsoft.com/office/drawing/2014/main" id="{7F238C90-C4CD-4715-8AF9-48C26B1DE246}"/>
                 </a:ext>
               </a:extLst>
             </p:cNvPr>
@@ -8721,7 +10818,7 @@
             <p:cNvPr id="13" name="Arrow: Right 12">
               <a:extLst>
                 <a:ext uri="{FF2B5EF4-FFF2-40B4-BE49-F238E27FC236}">
-                  <a16:creationId xmlns:a16="http://schemas.microsoft.com/office/drawing/2014/main" xmlns="" id="{1E25828B-6474-4398-A5B3-7F506BAAE8F6}"/>
+                  <a16:creationId xmlns:a16="http://schemas.microsoft.com/office/drawing/2014/main" id="{1E25828B-6474-4398-A5B3-7F506BAAE8F6}"/>
                 </a:ext>
               </a:extLst>
             </p:cNvPr>
@@ -8768,7 +10865,7 @@
           <p:cNvPr id="14" name="Group 13">
             <a:extLst>
               <a:ext uri="{FF2B5EF4-FFF2-40B4-BE49-F238E27FC236}">
-                <a16:creationId xmlns:a16="http://schemas.microsoft.com/office/drawing/2014/main" xmlns="" id="{C4EA313C-D535-4E72-8FFE-FD4773A77181}"/>
+                <a16:creationId xmlns:a16="http://schemas.microsoft.com/office/drawing/2014/main" id="{C4EA313C-D535-4E72-8FFE-FD4773A77181}"/>
               </a:ext>
             </a:extLst>
           </p:cNvPr>
@@ -8788,7 +10885,7 @@
             <p:cNvPr id="15" name="Rectangle: Rounded Corners 14">
               <a:extLst>
                 <a:ext uri="{FF2B5EF4-FFF2-40B4-BE49-F238E27FC236}">
-                  <a16:creationId xmlns:a16="http://schemas.microsoft.com/office/drawing/2014/main" xmlns="" id="{B66CA07F-E6ED-4216-BE71-BE915735E171}"/>
+                  <a16:creationId xmlns:a16="http://schemas.microsoft.com/office/drawing/2014/main" id="{B66CA07F-E6ED-4216-BE71-BE915735E171}"/>
                 </a:ext>
               </a:extLst>
             </p:cNvPr>
@@ -8846,7 +10943,7 @@
             <p:cNvPr id="17" name="Arrow: Right 16">
               <a:extLst>
                 <a:ext uri="{FF2B5EF4-FFF2-40B4-BE49-F238E27FC236}">
-                  <a16:creationId xmlns:a16="http://schemas.microsoft.com/office/drawing/2014/main" xmlns="" id="{5AEB028D-91B7-4C88-8E60-E666741152D6}"/>
+                  <a16:creationId xmlns:a16="http://schemas.microsoft.com/office/drawing/2014/main" id="{5AEB028D-91B7-4C88-8E60-E666741152D6}"/>
                 </a:ext>
               </a:extLst>
             </p:cNvPr>
@@ -8918,12 +11015,749 @@
           <a:chExt cx="0" cy="0"/>
         </a:xfrm>
       </p:grpSpPr>
+      <p:pic>
+        <p:nvPicPr>
+          <p:cNvPr id="4" name="Content Placeholder 4">
+            <a:extLst>
+              <a:ext uri="{FF2B5EF4-FFF2-40B4-BE49-F238E27FC236}">
+                <a16:creationId xmlns:a16="http://schemas.microsoft.com/office/drawing/2014/main" id="{DDC49777-9C19-4C69-897C-EFFE7B358E29}"/>
+              </a:ext>
+            </a:extLst>
+          </p:cNvPr>
+          <p:cNvPicPr>
+            <a:picLocks noChangeAspect="1"/>
+          </p:cNvPicPr>
+          <p:nvPr/>
+        </p:nvPicPr>
+        <p:blipFill>
+          <a:blip r:embed="rId2">
+            <a:extLst>
+              <a:ext uri="{28A0092B-C50C-407E-A947-70E740481C1C}">
+                <a14:useLocalDpi xmlns:a14="http://schemas.microsoft.com/office/drawing/2010/main" val="0"/>
+              </a:ext>
+            </a:extLst>
+          </a:blip>
+          <a:stretch>
+            <a:fillRect/>
+          </a:stretch>
+        </p:blipFill>
+        <p:spPr>
+          <a:xfrm>
+            <a:off x="402627" y="1182288"/>
+            <a:ext cx="3758472" cy="2734289"/>
+          </a:xfrm>
+          <a:prstGeom prst="rect">
+            <a:avLst/>
+          </a:prstGeom>
+        </p:spPr>
+      </p:pic>
+      <p:grpSp>
+        <p:nvGrpSpPr>
+          <p:cNvPr id="11" name="Group 10">
+            <a:extLst>
+              <a:ext uri="{FF2B5EF4-FFF2-40B4-BE49-F238E27FC236}">
+                <a16:creationId xmlns:a16="http://schemas.microsoft.com/office/drawing/2014/main" id="{ECD11726-C6E3-43D8-8197-EAED1F887805}"/>
+              </a:ext>
+            </a:extLst>
+          </p:cNvPr>
+          <p:cNvGrpSpPr/>
+          <p:nvPr/>
+        </p:nvGrpSpPr>
+        <p:grpSpPr>
+          <a:xfrm>
+            <a:off x="4594637" y="3024305"/>
+            <a:ext cx="2438399" cy="634502"/>
+            <a:chOff x="9083040" y="1237842"/>
+            <a:chExt cx="2105295" cy="634502"/>
+          </a:xfrm>
+        </p:grpSpPr>
+        <p:sp>
+          <p:nvSpPr>
+            <p:cNvPr id="12" name="Rectangle: Rounded Corners 11">
+              <a:extLst>
+                <a:ext uri="{FF2B5EF4-FFF2-40B4-BE49-F238E27FC236}">
+                  <a16:creationId xmlns:a16="http://schemas.microsoft.com/office/drawing/2014/main" id="{D02DAC51-94D1-4586-92DB-B6CFB6C78E50}"/>
+                </a:ext>
+              </a:extLst>
+            </p:cNvPr>
+            <p:cNvSpPr/>
+            <p:nvPr/>
+          </p:nvSpPr>
+          <p:spPr>
+            <a:xfrm>
+              <a:off x="9524998" y="1237842"/>
+              <a:ext cx="1663337" cy="634502"/>
+            </a:xfrm>
+            <a:prstGeom prst="roundRect">
+              <a:avLst/>
+            </a:prstGeom>
+            <a:solidFill>
+              <a:schemeClr val="bg1"/>
+            </a:solidFill>
+            <a:ln w="38100">
+              <a:solidFill>
+                <a:schemeClr val="accent1">
+                  <a:lumMod val="75000"/>
+                </a:schemeClr>
+              </a:solidFill>
+            </a:ln>
+          </p:spPr>
+          <p:style>
+            <a:lnRef idx="2">
+              <a:schemeClr val="accent2"/>
+            </a:lnRef>
+            <a:fillRef idx="1">
+              <a:schemeClr val="lt1"/>
+            </a:fillRef>
+            <a:effectRef idx="0">
+              <a:schemeClr val="accent2"/>
+            </a:effectRef>
+            <a:fontRef idx="minor">
+              <a:schemeClr val="dk1"/>
+            </a:fontRef>
+          </p:style>
+          <p:txBody>
+            <a:bodyPr rtlCol="0" anchor="ctr"/>
+            <a:lstStyle/>
+            <a:p>
+              <a:pPr algn="ctr"/>
+              <a:r>
+                <a:rPr lang="en-US" b="1" dirty="0" err="1"/>
+                <a:t>Misstrauisch</a:t>
+              </a:r>
+              <a:endParaRPr lang="en-US" b="1" dirty="0"/>
+            </a:p>
+          </p:txBody>
+        </p:sp>
+        <p:sp>
+          <p:nvSpPr>
+            <p:cNvPr id="13" name="Arrow: Right 12">
+              <a:extLst>
+                <a:ext uri="{FF2B5EF4-FFF2-40B4-BE49-F238E27FC236}">
+                  <a16:creationId xmlns:a16="http://schemas.microsoft.com/office/drawing/2014/main" id="{4ABD31FA-4B40-44CC-86C9-AA61050A6DAE}"/>
+                </a:ext>
+              </a:extLst>
+            </p:cNvPr>
+            <p:cNvSpPr/>
+            <p:nvPr/>
+          </p:nvSpPr>
+          <p:spPr>
+            <a:xfrm>
+              <a:off x="9083040" y="1382150"/>
+              <a:ext cx="441958" cy="308537"/>
+            </a:xfrm>
+            <a:prstGeom prst="rightArrow">
+              <a:avLst/>
+            </a:prstGeom>
+          </p:spPr>
+          <p:style>
+            <a:lnRef idx="2">
+              <a:schemeClr val="accent1">
+                <a:shade val="50000"/>
+              </a:schemeClr>
+            </a:lnRef>
+            <a:fillRef idx="1">
+              <a:schemeClr val="accent1"/>
+            </a:fillRef>
+            <a:effectRef idx="0">
+              <a:schemeClr val="accent1"/>
+            </a:effectRef>
+            <a:fontRef idx="minor">
+              <a:schemeClr val="lt1"/>
+            </a:fontRef>
+          </p:style>
+          <p:txBody>
+            <a:bodyPr rtlCol="0" anchor="ctr"/>
+            <a:lstStyle/>
+            <a:p>
+              <a:pPr algn="ctr"/>
+              <a:endParaRPr lang="en-US"/>
+            </a:p>
+          </p:txBody>
+        </p:sp>
+      </p:grpSp>
       <p:sp>
         <p:nvSpPr>
-          <p:cNvPr id="2" name="Title 1">
-            <a:extLst>
-              <a:ext uri="{FF2B5EF4-FFF2-40B4-BE49-F238E27FC236}">
-                <a16:creationId xmlns:a16="http://schemas.microsoft.com/office/drawing/2014/main" xmlns="" id="{E963BF55-D87B-4EEA-B2A9-11D9646B8ABF}"/>
+          <p:cNvPr id="14" name="Content Placeholder 2">
+            <a:extLst>
+              <a:ext uri="{FF2B5EF4-FFF2-40B4-BE49-F238E27FC236}">
+                <a16:creationId xmlns:a16="http://schemas.microsoft.com/office/drawing/2014/main" id="{ACDD2540-F14D-4F7B-B2CE-75D30E7A4F96}"/>
+              </a:ext>
+            </a:extLst>
+          </p:cNvPr>
+          <p:cNvSpPr txBox="1">
+            <a:spLocks/>
+          </p:cNvSpPr>
+          <p:nvPr/>
+        </p:nvSpPr>
+        <p:spPr>
+          <a:xfrm>
+            <a:off x="-4072467" y="-1009782"/>
+            <a:ext cx="10515600" cy="4351338"/>
+          </a:xfrm>
+          <a:prstGeom prst="rect">
+            <a:avLst/>
+          </a:prstGeom>
+        </p:spPr>
+        <p:txBody>
+          <a:bodyPr vert="horz" lIns="91440" tIns="45720" rIns="91440" bIns="45720" rtlCol="0">
+            <a:normAutofit/>
+          </a:bodyPr>
+          <a:lstStyle>
+            <a:lvl1pPr marL="228600" indent="-228600" algn="l" defTabSz="914400" rtl="0" eaLnBrk="1" latinLnBrk="0" hangingPunct="1">
+              <a:lnSpc>
+                <a:spcPct val="90000"/>
+              </a:lnSpc>
+              <a:spcBef>
+                <a:spcPts val="1000"/>
+              </a:spcBef>
+              <a:buFont typeface="Arial" panose="020B0604020202020204" pitchFamily="34" charset="0"/>
+              <a:buChar char="•"/>
+              <a:defRPr sz="2800" kern="1200">
+                <a:solidFill>
+                  <a:schemeClr val="tx1"/>
+                </a:solidFill>
+                <a:latin typeface="+mn-lt"/>
+                <a:ea typeface="+mn-ea"/>
+                <a:cs typeface="+mn-cs"/>
+              </a:defRPr>
+            </a:lvl1pPr>
+            <a:lvl2pPr marL="685800" indent="-228600" algn="l" defTabSz="914400" rtl="0" eaLnBrk="1" latinLnBrk="0" hangingPunct="1">
+              <a:lnSpc>
+                <a:spcPct val="90000"/>
+              </a:lnSpc>
+              <a:spcBef>
+                <a:spcPts val="500"/>
+              </a:spcBef>
+              <a:buFont typeface="Arial" panose="020B0604020202020204" pitchFamily="34" charset="0"/>
+              <a:buChar char="•"/>
+              <a:defRPr sz="2400" kern="1200">
+                <a:solidFill>
+                  <a:schemeClr val="tx1"/>
+                </a:solidFill>
+                <a:latin typeface="+mn-lt"/>
+                <a:ea typeface="+mn-ea"/>
+                <a:cs typeface="+mn-cs"/>
+              </a:defRPr>
+            </a:lvl2pPr>
+            <a:lvl3pPr marL="1143000" indent="-228600" algn="l" defTabSz="914400" rtl="0" eaLnBrk="1" latinLnBrk="0" hangingPunct="1">
+              <a:lnSpc>
+                <a:spcPct val="90000"/>
+              </a:lnSpc>
+              <a:spcBef>
+                <a:spcPts val="500"/>
+              </a:spcBef>
+              <a:buFont typeface="Arial" panose="020B0604020202020204" pitchFamily="34" charset="0"/>
+              <a:buChar char="•"/>
+              <a:defRPr sz="2000" kern="1200">
+                <a:solidFill>
+                  <a:schemeClr val="tx1"/>
+                </a:solidFill>
+                <a:latin typeface="+mn-lt"/>
+                <a:ea typeface="+mn-ea"/>
+                <a:cs typeface="+mn-cs"/>
+              </a:defRPr>
+            </a:lvl3pPr>
+            <a:lvl4pPr marL="1600200" indent="-228600" algn="l" defTabSz="914400" rtl="0" eaLnBrk="1" latinLnBrk="0" hangingPunct="1">
+              <a:lnSpc>
+                <a:spcPct val="90000"/>
+              </a:lnSpc>
+              <a:spcBef>
+                <a:spcPts val="500"/>
+              </a:spcBef>
+              <a:buFont typeface="Arial" panose="020B0604020202020204" pitchFamily="34" charset="0"/>
+              <a:buChar char="•"/>
+              <a:defRPr sz="1800" kern="1200">
+                <a:solidFill>
+                  <a:schemeClr val="tx1"/>
+                </a:solidFill>
+                <a:latin typeface="+mn-lt"/>
+                <a:ea typeface="+mn-ea"/>
+                <a:cs typeface="+mn-cs"/>
+              </a:defRPr>
+            </a:lvl4pPr>
+            <a:lvl5pPr marL="2057400" indent="-228600" algn="l" defTabSz="914400" rtl="0" eaLnBrk="1" latinLnBrk="0" hangingPunct="1">
+              <a:lnSpc>
+                <a:spcPct val="90000"/>
+              </a:lnSpc>
+              <a:spcBef>
+                <a:spcPts val="500"/>
+              </a:spcBef>
+              <a:buFont typeface="Arial" panose="020B0604020202020204" pitchFamily="34" charset="0"/>
+              <a:buChar char="•"/>
+              <a:defRPr sz="1800" kern="1200">
+                <a:solidFill>
+                  <a:schemeClr val="tx1"/>
+                </a:solidFill>
+                <a:latin typeface="+mn-lt"/>
+                <a:ea typeface="+mn-ea"/>
+                <a:cs typeface="+mn-cs"/>
+              </a:defRPr>
+            </a:lvl5pPr>
+            <a:lvl6pPr marL="2514600" indent="-228600" algn="l" defTabSz="914400" rtl="0" eaLnBrk="1" latinLnBrk="0" hangingPunct="1">
+              <a:lnSpc>
+                <a:spcPct val="90000"/>
+              </a:lnSpc>
+              <a:spcBef>
+                <a:spcPts val="500"/>
+              </a:spcBef>
+              <a:buFont typeface="Arial" panose="020B0604020202020204" pitchFamily="34" charset="0"/>
+              <a:buChar char="•"/>
+              <a:defRPr sz="1800" kern="1200">
+                <a:solidFill>
+                  <a:schemeClr val="tx1"/>
+                </a:solidFill>
+                <a:latin typeface="+mn-lt"/>
+                <a:ea typeface="+mn-ea"/>
+                <a:cs typeface="+mn-cs"/>
+              </a:defRPr>
+            </a:lvl6pPr>
+            <a:lvl7pPr marL="2971800" indent="-228600" algn="l" defTabSz="914400" rtl="0" eaLnBrk="1" latinLnBrk="0" hangingPunct="1">
+              <a:lnSpc>
+                <a:spcPct val="90000"/>
+              </a:lnSpc>
+              <a:spcBef>
+                <a:spcPts val="500"/>
+              </a:spcBef>
+              <a:buFont typeface="Arial" panose="020B0604020202020204" pitchFamily="34" charset="0"/>
+              <a:buChar char="•"/>
+              <a:defRPr sz="1800" kern="1200">
+                <a:solidFill>
+                  <a:schemeClr val="tx1"/>
+                </a:solidFill>
+                <a:latin typeface="+mn-lt"/>
+                <a:ea typeface="+mn-ea"/>
+                <a:cs typeface="+mn-cs"/>
+              </a:defRPr>
+            </a:lvl7pPr>
+            <a:lvl8pPr marL="3429000" indent="-228600" algn="l" defTabSz="914400" rtl="0" eaLnBrk="1" latinLnBrk="0" hangingPunct="1">
+              <a:lnSpc>
+                <a:spcPct val="90000"/>
+              </a:lnSpc>
+              <a:spcBef>
+                <a:spcPts val="500"/>
+              </a:spcBef>
+              <a:buFont typeface="Arial" panose="020B0604020202020204" pitchFamily="34" charset="0"/>
+              <a:buChar char="•"/>
+              <a:defRPr sz="1800" kern="1200">
+                <a:solidFill>
+                  <a:schemeClr val="tx1"/>
+                </a:solidFill>
+                <a:latin typeface="+mn-lt"/>
+                <a:ea typeface="+mn-ea"/>
+                <a:cs typeface="+mn-cs"/>
+              </a:defRPr>
+            </a:lvl8pPr>
+            <a:lvl9pPr marL="3886200" indent="-228600" algn="l" defTabSz="914400" rtl="0" eaLnBrk="1" latinLnBrk="0" hangingPunct="1">
+              <a:lnSpc>
+                <a:spcPct val="90000"/>
+              </a:lnSpc>
+              <a:spcBef>
+                <a:spcPts val="500"/>
+              </a:spcBef>
+              <a:buFont typeface="Arial" panose="020B0604020202020204" pitchFamily="34" charset="0"/>
+              <a:buChar char="•"/>
+              <a:defRPr sz="1800" kern="1200">
+                <a:solidFill>
+                  <a:schemeClr val="tx1"/>
+                </a:solidFill>
+                <a:latin typeface="+mn-lt"/>
+                <a:ea typeface="+mn-ea"/>
+                <a:cs typeface="+mn-cs"/>
+              </a:defRPr>
+            </a:lvl9pPr>
+          </a:lstStyle>
+          <a:p>
+            <a:endParaRPr lang="en-US" dirty="0"/>
+          </a:p>
+        </p:txBody>
+      </p:sp>
+      <p:grpSp>
+        <p:nvGrpSpPr>
+          <p:cNvPr id="15" name="Group 14">
+            <a:extLst>
+              <a:ext uri="{FF2B5EF4-FFF2-40B4-BE49-F238E27FC236}">
+                <a16:creationId xmlns:a16="http://schemas.microsoft.com/office/drawing/2014/main" id="{E18D4EF5-0CE4-4A38-AE8E-FA71188EAE0E}"/>
+              </a:ext>
+            </a:extLst>
+          </p:cNvPr>
+          <p:cNvGrpSpPr/>
+          <p:nvPr/>
+        </p:nvGrpSpPr>
+        <p:grpSpPr>
+          <a:xfrm>
+            <a:off x="4607441" y="1037980"/>
+            <a:ext cx="2438399" cy="634502"/>
+            <a:chOff x="9083040" y="1237842"/>
+            <a:chExt cx="2105295" cy="634502"/>
+          </a:xfrm>
+        </p:grpSpPr>
+        <p:sp>
+          <p:nvSpPr>
+            <p:cNvPr id="16" name="Rectangle: Rounded Corners 15">
+              <a:extLst>
+                <a:ext uri="{FF2B5EF4-FFF2-40B4-BE49-F238E27FC236}">
+                  <a16:creationId xmlns:a16="http://schemas.microsoft.com/office/drawing/2014/main" id="{7864C4F8-248C-4C1F-A469-3C4B61ACC847}"/>
+                </a:ext>
+              </a:extLst>
+            </p:cNvPr>
+            <p:cNvSpPr/>
+            <p:nvPr/>
+          </p:nvSpPr>
+          <p:spPr>
+            <a:xfrm>
+              <a:off x="9524998" y="1237842"/>
+              <a:ext cx="1663337" cy="634502"/>
+            </a:xfrm>
+            <a:prstGeom prst="roundRect">
+              <a:avLst/>
+            </a:prstGeom>
+            <a:solidFill>
+              <a:schemeClr val="bg1"/>
+            </a:solidFill>
+            <a:ln w="38100">
+              <a:solidFill>
+                <a:schemeClr val="accent1">
+                  <a:lumMod val="75000"/>
+                </a:schemeClr>
+              </a:solidFill>
+            </a:ln>
+          </p:spPr>
+          <p:style>
+            <a:lnRef idx="2">
+              <a:schemeClr val="accent2"/>
+            </a:lnRef>
+            <a:fillRef idx="1">
+              <a:schemeClr val="lt1"/>
+            </a:fillRef>
+            <a:effectRef idx="0">
+              <a:schemeClr val="accent2"/>
+            </a:effectRef>
+            <a:fontRef idx="minor">
+              <a:schemeClr val="dk1"/>
+            </a:fontRef>
+          </p:style>
+          <p:txBody>
+            <a:bodyPr rtlCol="0" anchor="ctr"/>
+            <a:lstStyle/>
+            <a:p>
+              <a:pPr algn="ctr"/>
+              <a:r>
+                <a:rPr lang="en-US" b="1" dirty="0" err="1"/>
+                <a:t>Zuverlässig</a:t>
+              </a:r>
+              <a:endParaRPr lang="en-US" b="1" dirty="0"/>
+            </a:p>
+          </p:txBody>
+        </p:sp>
+        <p:sp>
+          <p:nvSpPr>
+            <p:cNvPr id="17" name="Arrow: Right 16">
+              <a:extLst>
+                <a:ext uri="{FF2B5EF4-FFF2-40B4-BE49-F238E27FC236}">
+                  <a16:creationId xmlns:a16="http://schemas.microsoft.com/office/drawing/2014/main" id="{4E7F8686-8C60-4A63-AE10-B29911893A0E}"/>
+                </a:ext>
+              </a:extLst>
+            </p:cNvPr>
+            <p:cNvSpPr/>
+            <p:nvPr/>
+          </p:nvSpPr>
+          <p:spPr>
+            <a:xfrm>
+              <a:off x="9083040" y="1382150"/>
+              <a:ext cx="441958" cy="308537"/>
+            </a:xfrm>
+            <a:prstGeom prst="rightArrow">
+              <a:avLst/>
+            </a:prstGeom>
+          </p:spPr>
+          <p:style>
+            <a:lnRef idx="2">
+              <a:schemeClr val="accent1">
+                <a:shade val="50000"/>
+              </a:schemeClr>
+            </a:lnRef>
+            <a:fillRef idx="1">
+              <a:schemeClr val="accent1"/>
+            </a:fillRef>
+            <a:effectRef idx="0">
+              <a:schemeClr val="accent1"/>
+            </a:effectRef>
+            <a:fontRef idx="minor">
+              <a:schemeClr val="lt1"/>
+            </a:fontRef>
+          </p:style>
+          <p:txBody>
+            <a:bodyPr rtlCol="0" anchor="ctr"/>
+            <a:lstStyle/>
+            <a:p>
+              <a:pPr algn="ctr"/>
+              <a:endParaRPr lang="en-US"/>
+            </a:p>
+          </p:txBody>
+        </p:sp>
+      </p:grpSp>
+      <p:grpSp>
+        <p:nvGrpSpPr>
+          <p:cNvPr id="18" name="Group 17">
+            <a:extLst>
+              <a:ext uri="{FF2B5EF4-FFF2-40B4-BE49-F238E27FC236}">
+                <a16:creationId xmlns:a16="http://schemas.microsoft.com/office/drawing/2014/main" id="{2579E94C-6203-4F91-B741-52DCE0AB2A96}"/>
+              </a:ext>
+            </a:extLst>
+          </p:cNvPr>
+          <p:cNvGrpSpPr/>
+          <p:nvPr/>
+        </p:nvGrpSpPr>
+        <p:grpSpPr>
+          <a:xfrm>
+            <a:off x="4557369" y="2044631"/>
+            <a:ext cx="2475667" cy="634502"/>
+            <a:chOff x="9083040" y="1237842"/>
+            <a:chExt cx="2105295" cy="634502"/>
+          </a:xfrm>
+        </p:grpSpPr>
+        <p:sp>
+          <p:nvSpPr>
+            <p:cNvPr id="19" name="Rectangle: Rounded Corners 18">
+              <a:extLst>
+                <a:ext uri="{FF2B5EF4-FFF2-40B4-BE49-F238E27FC236}">
+                  <a16:creationId xmlns:a16="http://schemas.microsoft.com/office/drawing/2014/main" id="{AA4C99F5-BC35-4728-AF6E-43CF1D437A03}"/>
+                </a:ext>
+              </a:extLst>
+            </p:cNvPr>
+            <p:cNvSpPr/>
+            <p:nvPr/>
+          </p:nvSpPr>
+          <p:spPr>
+            <a:xfrm>
+              <a:off x="9524998" y="1237842"/>
+              <a:ext cx="1663337" cy="634502"/>
+            </a:xfrm>
+            <a:prstGeom prst="roundRect">
+              <a:avLst/>
+            </a:prstGeom>
+            <a:solidFill>
+              <a:schemeClr val="bg1"/>
+            </a:solidFill>
+            <a:ln w="38100">
+              <a:solidFill>
+                <a:schemeClr val="accent1">
+                  <a:lumMod val="75000"/>
+                </a:schemeClr>
+              </a:solidFill>
+            </a:ln>
+          </p:spPr>
+          <p:style>
+            <a:lnRef idx="2">
+              <a:schemeClr val="accent2"/>
+            </a:lnRef>
+            <a:fillRef idx="1">
+              <a:schemeClr val="lt1"/>
+            </a:fillRef>
+            <a:effectRef idx="0">
+              <a:schemeClr val="accent2"/>
+            </a:effectRef>
+            <a:fontRef idx="minor">
+              <a:schemeClr val="dk1"/>
+            </a:fontRef>
+          </p:style>
+          <p:txBody>
+            <a:bodyPr rtlCol="0" anchor="ctr"/>
+            <a:lstStyle/>
+            <a:p>
+              <a:pPr algn="ctr"/>
+              <a:r>
+                <a:rPr lang="en-US" b="1" dirty="0" err="1"/>
+                <a:t>Gewinnorientiert</a:t>
+              </a:r>
+              <a:endParaRPr lang="en-US" b="1" dirty="0"/>
+            </a:p>
+          </p:txBody>
+        </p:sp>
+        <p:sp>
+          <p:nvSpPr>
+            <p:cNvPr id="20" name="Arrow: Right 19">
+              <a:extLst>
+                <a:ext uri="{FF2B5EF4-FFF2-40B4-BE49-F238E27FC236}">
+                  <a16:creationId xmlns:a16="http://schemas.microsoft.com/office/drawing/2014/main" id="{4E3FCB93-3B75-4879-9717-7683B0E14499}"/>
+                </a:ext>
+              </a:extLst>
+            </p:cNvPr>
+            <p:cNvSpPr/>
+            <p:nvPr/>
+          </p:nvSpPr>
+          <p:spPr>
+            <a:xfrm>
+              <a:off x="9083040" y="1382150"/>
+              <a:ext cx="441958" cy="308537"/>
+            </a:xfrm>
+            <a:prstGeom prst="rightArrow">
+              <a:avLst/>
+            </a:prstGeom>
+          </p:spPr>
+          <p:style>
+            <a:lnRef idx="2">
+              <a:schemeClr val="accent1">
+                <a:shade val="50000"/>
+              </a:schemeClr>
+            </a:lnRef>
+            <a:fillRef idx="1">
+              <a:schemeClr val="accent1"/>
+            </a:fillRef>
+            <a:effectRef idx="0">
+              <a:schemeClr val="accent1"/>
+            </a:effectRef>
+            <a:fontRef idx="minor">
+              <a:schemeClr val="lt1"/>
+            </a:fontRef>
+          </p:style>
+          <p:txBody>
+            <a:bodyPr rtlCol="0" anchor="ctr"/>
+            <a:lstStyle/>
+            <a:p>
+              <a:pPr algn="ctr"/>
+              <a:endParaRPr lang="en-US"/>
+            </a:p>
+          </p:txBody>
+        </p:sp>
+      </p:grpSp>
+      <p:sp>
+        <p:nvSpPr>
+          <p:cNvPr id="21" name="TextBox 20">
+            <a:extLst>
+              <a:ext uri="{FF2B5EF4-FFF2-40B4-BE49-F238E27FC236}">
+                <a16:creationId xmlns:a16="http://schemas.microsoft.com/office/drawing/2014/main" id="{E6FDE632-43D0-4BFF-8079-A2C0B8D77953}"/>
+              </a:ext>
+            </a:extLst>
+          </p:cNvPr>
+          <p:cNvSpPr txBox="1"/>
+          <p:nvPr/>
+        </p:nvSpPr>
+        <p:spPr>
+          <a:xfrm>
+            <a:off x="402627" y="4046082"/>
+            <a:ext cx="3758472" cy="646331"/>
+          </a:xfrm>
+          <a:prstGeom prst="rect">
+            <a:avLst/>
+          </a:prstGeom>
+          <a:noFill/>
+        </p:spPr>
+        <p:txBody>
+          <a:bodyPr wrap="square" rtlCol="0">
+            <a:spAutoFit/>
+          </a:bodyPr>
+          <a:lstStyle/>
+          <a:p>
+            <a:r>
+              <a:rPr lang="en-US" dirty="0">
+                <a:solidFill>
+                  <a:schemeClr val="tx1">
+                    <a:lumMod val="50000"/>
+                    <a:lumOff val="50000"/>
+                  </a:schemeClr>
+                </a:solidFill>
+              </a:rPr>
+              <a:t>“Gratis Geld </a:t>
+            </a:r>
+            <a:r>
+              <a:rPr lang="en-US" dirty="0" err="1">
+                <a:solidFill>
+                  <a:schemeClr val="tx1">
+                    <a:lumMod val="50000"/>
+                    <a:lumOff val="50000"/>
+                  </a:schemeClr>
+                </a:solidFill>
+              </a:rPr>
+              <a:t>verdienen</a:t>
+            </a:r>
+            <a:r>
+              <a:rPr lang="en-US" dirty="0">
+                <a:solidFill>
+                  <a:schemeClr val="tx1">
+                    <a:lumMod val="50000"/>
+                    <a:lumOff val="50000"/>
+                  </a:schemeClr>
+                </a:solidFill>
+              </a:rPr>
+              <a:t> – </a:t>
+            </a:r>
+            <a:r>
+              <a:rPr lang="en-US" dirty="0" err="1">
+                <a:solidFill>
+                  <a:schemeClr val="tx1">
+                    <a:lumMod val="50000"/>
+                    <a:lumOff val="50000"/>
+                  </a:schemeClr>
+                </a:solidFill>
+              </a:rPr>
+              <a:t>aber</a:t>
+            </a:r>
+            <a:r>
+              <a:rPr lang="en-US" dirty="0">
+                <a:solidFill>
+                  <a:schemeClr val="tx1">
+                    <a:lumMod val="50000"/>
+                    <a:lumOff val="50000"/>
+                  </a:schemeClr>
+                </a:solidFill>
+              </a:rPr>
+              <a:t> </a:t>
+            </a:r>
+            <a:r>
+              <a:rPr lang="en-US" dirty="0" err="1">
+                <a:solidFill>
+                  <a:schemeClr val="tx1">
+                    <a:lumMod val="50000"/>
+                    <a:lumOff val="50000"/>
+                  </a:schemeClr>
+                </a:solidFill>
+              </a:rPr>
+              <a:t>ohne</a:t>
+            </a:r>
+            <a:r>
+              <a:rPr lang="en-US" dirty="0">
+                <a:solidFill>
+                  <a:schemeClr val="tx1">
+                    <a:lumMod val="50000"/>
+                    <a:lumOff val="50000"/>
+                  </a:schemeClr>
+                </a:solidFill>
+              </a:rPr>
+              <a:t> </a:t>
+            </a:r>
+            <a:r>
+              <a:rPr lang="en-US" dirty="0" err="1">
+                <a:solidFill>
+                  <a:schemeClr val="tx1">
+                    <a:lumMod val="50000"/>
+                    <a:lumOff val="50000"/>
+                  </a:schemeClr>
+                </a:solidFill>
+              </a:rPr>
+              <a:t>Risiko</a:t>
+            </a:r>
+            <a:r>
+              <a:rPr lang="en-US" dirty="0">
+                <a:solidFill>
+                  <a:schemeClr val="tx1">
+                    <a:lumMod val="50000"/>
+                    <a:lumOff val="50000"/>
+                  </a:schemeClr>
+                </a:solidFill>
+              </a:rPr>
+              <a:t>!”</a:t>
+            </a:r>
+          </a:p>
+        </p:txBody>
+      </p:sp>
+      <p:sp>
+        <p:nvSpPr>
+          <p:cNvPr id="22" name="Title 1">
+            <a:extLst>
+              <a:ext uri="{FF2B5EF4-FFF2-40B4-BE49-F238E27FC236}">
+                <a16:creationId xmlns:a16="http://schemas.microsoft.com/office/drawing/2014/main" id="{8D9F7371-85C1-415E-80EF-4A438412B1D9}"/>
               </a:ext>
             </a:extLst>
           </p:cNvPr>
@@ -8931,50 +11765,36 @@
             <a:spLocks noGrp="1"/>
           </p:cNvSpPr>
           <p:nvPr>
-            <p:ph type="ctrTitle"/>
+            <p:ph type="title"/>
           </p:nvPr>
         </p:nvSpPr>
-        <p:spPr/>
+        <p:spPr>
+          <a:xfrm>
+            <a:off x="402627" y="286375"/>
+            <a:ext cx="4393588" cy="641783"/>
+          </a:xfrm>
+        </p:spPr>
         <p:txBody>
-          <a:bodyPr/>
+          <a:bodyPr>
+            <a:normAutofit fontScale="90000"/>
+          </a:bodyPr>
           <a:lstStyle/>
           <a:p>
             <a:r>
+              <a:rPr lang="en-US" sz="4900" dirty="0"/>
+              <a:t>Thomas</a:t>
+            </a:r>
+            <a:r>
               <a:rPr lang="en-US" dirty="0"/>
-              <a:t>Kontextszenarien</a:t>
-            </a:r>
-          </a:p>
-        </p:txBody>
-      </p:sp>
-      <p:sp>
-        <p:nvSpPr>
-          <p:cNvPr id="3" name="Subtitle 2">
-            <a:extLst>
-              <a:ext uri="{FF2B5EF4-FFF2-40B4-BE49-F238E27FC236}">
-                <a16:creationId xmlns:a16="http://schemas.microsoft.com/office/drawing/2014/main" xmlns="" id="{B835F513-471D-4E14-9773-51CF6EB1CFEA}"/>
-              </a:ext>
-            </a:extLst>
-          </p:cNvPr>
-          <p:cNvSpPr>
-            <a:spLocks noGrp="1"/>
-          </p:cNvSpPr>
-          <p:nvPr>
-            <p:ph type="subTitle" idx="1"/>
-          </p:nvPr>
-        </p:nvSpPr>
-        <p:spPr/>
-        <p:txBody>
-          <a:bodyPr/>
-          <a:lstStyle/>
-          <a:p>
-            <a:endParaRPr lang="en-US"/>
+              <a:t> Berchtold</a:t>
+            </a:r>
           </a:p>
         </p:txBody>
       </p:sp>
     </p:spTree>
     <p:extLst>
       <p:ext uri="{BB962C8B-B14F-4D97-AF65-F5344CB8AC3E}">
-        <p14:creationId xmlns:p14="http://schemas.microsoft.com/office/powerpoint/2010/main" val="221326466"/>
+        <p14:creationId xmlns:p14="http://schemas.microsoft.com/office/powerpoint/2010/main" val="1473262356"/>
       </p:ext>
     </p:extLst>
   </p:cSld>
@@ -9001,9 +11821,377 @@
           <a:chExt cx="0" cy="0"/>
         </a:xfrm>
       </p:grpSpPr>
+      <p:pic>
+        <p:nvPicPr>
+          <p:cNvPr id="4" name="Content Placeholder 4">
+            <a:extLst>
+              <a:ext uri="{FF2B5EF4-FFF2-40B4-BE49-F238E27FC236}">
+                <a16:creationId xmlns:a16="http://schemas.microsoft.com/office/drawing/2014/main" id="{DDC49777-9C19-4C69-897C-EFFE7B358E29}"/>
+              </a:ext>
+            </a:extLst>
+          </p:cNvPr>
+          <p:cNvPicPr>
+            <a:picLocks noChangeAspect="1"/>
+          </p:cNvPicPr>
+          <p:nvPr/>
+        </p:nvPicPr>
+        <p:blipFill>
+          <a:blip r:embed="rId2">
+            <a:extLst>
+              <a:ext uri="{28A0092B-C50C-407E-A947-70E740481C1C}">
+                <a14:useLocalDpi xmlns:a14="http://schemas.microsoft.com/office/drawing/2010/main" val="0"/>
+              </a:ext>
+            </a:extLst>
+          </a:blip>
+          <a:stretch>
+            <a:fillRect/>
+          </a:stretch>
+        </p:blipFill>
+        <p:spPr>
+          <a:xfrm>
+            <a:off x="402627" y="1182288"/>
+            <a:ext cx="3758472" cy="2734289"/>
+          </a:xfrm>
+          <a:prstGeom prst="rect">
+            <a:avLst/>
+          </a:prstGeom>
+        </p:spPr>
+      </p:pic>
       <p:sp>
         <p:nvSpPr>
-          <p:cNvPr id="2" name="Title 1"/>
+          <p:cNvPr id="14" name="Content Placeholder 2">
+            <a:extLst>
+              <a:ext uri="{FF2B5EF4-FFF2-40B4-BE49-F238E27FC236}">
+                <a16:creationId xmlns:a16="http://schemas.microsoft.com/office/drawing/2014/main" id="{ACDD2540-F14D-4F7B-B2CE-75D30E7A4F96}"/>
+              </a:ext>
+            </a:extLst>
+          </p:cNvPr>
+          <p:cNvSpPr txBox="1">
+            <a:spLocks/>
+          </p:cNvSpPr>
+          <p:nvPr/>
+        </p:nvSpPr>
+        <p:spPr>
+          <a:xfrm>
+            <a:off x="-4072467" y="-1009782"/>
+            <a:ext cx="10515600" cy="4351338"/>
+          </a:xfrm>
+          <a:prstGeom prst="rect">
+            <a:avLst/>
+          </a:prstGeom>
+        </p:spPr>
+        <p:txBody>
+          <a:bodyPr vert="horz" lIns="91440" tIns="45720" rIns="91440" bIns="45720" rtlCol="0">
+            <a:normAutofit/>
+          </a:bodyPr>
+          <a:lstStyle>
+            <a:lvl1pPr marL="228600" indent="-228600" algn="l" defTabSz="914400" rtl="0" eaLnBrk="1" latinLnBrk="0" hangingPunct="1">
+              <a:lnSpc>
+                <a:spcPct val="90000"/>
+              </a:lnSpc>
+              <a:spcBef>
+                <a:spcPts val="1000"/>
+              </a:spcBef>
+              <a:buFont typeface="Arial" panose="020B0604020202020204" pitchFamily="34" charset="0"/>
+              <a:buChar char="•"/>
+              <a:defRPr sz="2800" kern="1200">
+                <a:solidFill>
+                  <a:schemeClr val="tx1"/>
+                </a:solidFill>
+                <a:latin typeface="+mn-lt"/>
+                <a:ea typeface="+mn-ea"/>
+                <a:cs typeface="+mn-cs"/>
+              </a:defRPr>
+            </a:lvl1pPr>
+            <a:lvl2pPr marL="685800" indent="-228600" algn="l" defTabSz="914400" rtl="0" eaLnBrk="1" latinLnBrk="0" hangingPunct="1">
+              <a:lnSpc>
+                <a:spcPct val="90000"/>
+              </a:lnSpc>
+              <a:spcBef>
+                <a:spcPts val="500"/>
+              </a:spcBef>
+              <a:buFont typeface="Arial" panose="020B0604020202020204" pitchFamily="34" charset="0"/>
+              <a:buChar char="•"/>
+              <a:defRPr sz="2400" kern="1200">
+                <a:solidFill>
+                  <a:schemeClr val="tx1"/>
+                </a:solidFill>
+                <a:latin typeface="+mn-lt"/>
+                <a:ea typeface="+mn-ea"/>
+                <a:cs typeface="+mn-cs"/>
+              </a:defRPr>
+            </a:lvl2pPr>
+            <a:lvl3pPr marL="1143000" indent="-228600" algn="l" defTabSz="914400" rtl="0" eaLnBrk="1" latinLnBrk="0" hangingPunct="1">
+              <a:lnSpc>
+                <a:spcPct val="90000"/>
+              </a:lnSpc>
+              <a:spcBef>
+                <a:spcPts val="500"/>
+              </a:spcBef>
+              <a:buFont typeface="Arial" panose="020B0604020202020204" pitchFamily="34" charset="0"/>
+              <a:buChar char="•"/>
+              <a:defRPr sz="2000" kern="1200">
+                <a:solidFill>
+                  <a:schemeClr val="tx1"/>
+                </a:solidFill>
+                <a:latin typeface="+mn-lt"/>
+                <a:ea typeface="+mn-ea"/>
+                <a:cs typeface="+mn-cs"/>
+              </a:defRPr>
+            </a:lvl3pPr>
+            <a:lvl4pPr marL="1600200" indent="-228600" algn="l" defTabSz="914400" rtl="0" eaLnBrk="1" latinLnBrk="0" hangingPunct="1">
+              <a:lnSpc>
+                <a:spcPct val="90000"/>
+              </a:lnSpc>
+              <a:spcBef>
+                <a:spcPts val="500"/>
+              </a:spcBef>
+              <a:buFont typeface="Arial" panose="020B0604020202020204" pitchFamily="34" charset="0"/>
+              <a:buChar char="•"/>
+              <a:defRPr sz="1800" kern="1200">
+                <a:solidFill>
+                  <a:schemeClr val="tx1"/>
+                </a:solidFill>
+                <a:latin typeface="+mn-lt"/>
+                <a:ea typeface="+mn-ea"/>
+                <a:cs typeface="+mn-cs"/>
+              </a:defRPr>
+            </a:lvl4pPr>
+            <a:lvl5pPr marL="2057400" indent="-228600" algn="l" defTabSz="914400" rtl="0" eaLnBrk="1" latinLnBrk="0" hangingPunct="1">
+              <a:lnSpc>
+                <a:spcPct val="90000"/>
+              </a:lnSpc>
+              <a:spcBef>
+                <a:spcPts val="500"/>
+              </a:spcBef>
+              <a:buFont typeface="Arial" panose="020B0604020202020204" pitchFamily="34" charset="0"/>
+              <a:buChar char="•"/>
+              <a:defRPr sz="1800" kern="1200">
+                <a:solidFill>
+                  <a:schemeClr val="tx1"/>
+                </a:solidFill>
+                <a:latin typeface="+mn-lt"/>
+                <a:ea typeface="+mn-ea"/>
+                <a:cs typeface="+mn-cs"/>
+              </a:defRPr>
+            </a:lvl5pPr>
+            <a:lvl6pPr marL="2514600" indent="-228600" algn="l" defTabSz="914400" rtl="0" eaLnBrk="1" latinLnBrk="0" hangingPunct="1">
+              <a:lnSpc>
+                <a:spcPct val="90000"/>
+              </a:lnSpc>
+              <a:spcBef>
+                <a:spcPts val="500"/>
+              </a:spcBef>
+              <a:buFont typeface="Arial" panose="020B0604020202020204" pitchFamily="34" charset="0"/>
+              <a:buChar char="•"/>
+              <a:defRPr sz="1800" kern="1200">
+                <a:solidFill>
+                  <a:schemeClr val="tx1"/>
+                </a:solidFill>
+                <a:latin typeface="+mn-lt"/>
+                <a:ea typeface="+mn-ea"/>
+                <a:cs typeface="+mn-cs"/>
+              </a:defRPr>
+            </a:lvl6pPr>
+            <a:lvl7pPr marL="2971800" indent="-228600" algn="l" defTabSz="914400" rtl="0" eaLnBrk="1" latinLnBrk="0" hangingPunct="1">
+              <a:lnSpc>
+                <a:spcPct val="90000"/>
+              </a:lnSpc>
+              <a:spcBef>
+                <a:spcPts val="500"/>
+              </a:spcBef>
+              <a:buFont typeface="Arial" panose="020B0604020202020204" pitchFamily="34" charset="0"/>
+              <a:buChar char="•"/>
+              <a:defRPr sz="1800" kern="1200">
+                <a:solidFill>
+                  <a:schemeClr val="tx1"/>
+                </a:solidFill>
+                <a:latin typeface="+mn-lt"/>
+                <a:ea typeface="+mn-ea"/>
+                <a:cs typeface="+mn-cs"/>
+              </a:defRPr>
+            </a:lvl7pPr>
+            <a:lvl8pPr marL="3429000" indent="-228600" algn="l" defTabSz="914400" rtl="0" eaLnBrk="1" latinLnBrk="0" hangingPunct="1">
+              <a:lnSpc>
+                <a:spcPct val="90000"/>
+              </a:lnSpc>
+              <a:spcBef>
+                <a:spcPts val="500"/>
+              </a:spcBef>
+              <a:buFont typeface="Arial" panose="020B0604020202020204" pitchFamily="34" charset="0"/>
+              <a:buChar char="•"/>
+              <a:defRPr sz="1800" kern="1200">
+                <a:solidFill>
+                  <a:schemeClr val="tx1"/>
+                </a:solidFill>
+                <a:latin typeface="+mn-lt"/>
+                <a:ea typeface="+mn-ea"/>
+                <a:cs typeface="+mn-cs"/>
+              </a:defRPr>
+            </a:lvl8pPr>
+            <a:lvl9pPr marL="3886200" indent="-228600" algn="l" defTabSz="914400" rtl="0" eaLnBrk="1" latinLnBrk="0" hangingPunct="1">
+              <a:lnSpc>
+                <a:spcPct val="90000"/>
+              </a:lnSpc>
+              <a:spcBef>
+                <a:spcPts val="500"/>
+              </a:spcBef>
+              <a:buFont typeface="Arial" panose="020B0604020202020204" pitchFamily="34" charset="0"/>
+              <a:buChar char="•"/>
+              <a:defRPr sz="1800" kern="1200">
+                <a:solidFill>
+                  <a:schemeClr val="tx1"/>
+                </a:solidFill>
+                <a:latin typeface="+mn-lt"/>
+                <a:ea typeface="+mn-ea"/>
+                <a:cs typeface="+mn-cs"/>
+              </a:defRPr>
+            </a:lvl9pPr>
+          </a:lstStyle>
+          <a:p>
+            <a:endParaRPr lang="en-US" dirty="0"/>
+          </a:p>
+        </p:txBody>
+      </p:sp>
+      <p:sp>
+        <p:nvSpPr>
+          <p:cNvPr id="21" name="TextBox 20">
+            <a:extLst>
+              <a:ext uri="{FF2B5EF4-FFF2-40B4-BE49-F238E27FC236}">
+                <a16:creationId xmlns:a16="http://schemas.microsoft.com/office/drawing/2014/main" id="{E6FDE632-43D0-4BFF-8079-A2C0B8D77953}"/>
+              </a:ext>
+            </a:extLst>
+          </p:cNvPr>
+          <p:cNvSpPr txBox="1"/>
+          <p:nvPr/>
+        </p:nvSpPr>
+        <p:spPr>
+          <a:xfrm>
+            <a:off x="402627" y="4046082"/>
+            <a:ext cx="3758472" cy="369332"/>
+          </a:xfrm>
+          <a:prstGeom prst="rect">
+            <a:avLst/>
+          </a:prstGeom>
+          <a:noFill/>
+        </p:spPr>
+        <p:txBody>
+          <a:bodyPr wrap="square" rtlCol="0">
+            <a:spAutoFit/>
+          </a:bodyPr>
+          <a:lstStyle/>
+          <a:p>
+            <a:r>
+              <a:rPr lang="en-US" dirty="0">
+                <a:solidFill>
+                  <a:schemeClr val="tx1">
+                    <a:lumMod val="50000"/>
+                    <a:lumOff val="50000"/>
+                  </a:schemeClr>
+                </a:solidFill>
+              </a:rPr>
+              <a:t>“</a:t>
+            </a:r>
+            <a:r>
+              <a:rPr lang="en-US" dirty="0" err="1">
+                <a:solidFill>
+                  <a:schemeClr val="tx1">
+                    <a:lumMod val="50000"/>
+                    <a:lumOff val="50000"/>
+                  </a:schemeClr>
+                </a:solidFill>
+              </a:rPr>
+              <a:t>Billig</a:t>
+            </a:r>
+            <a:r>
+              <a:rPr lang="en-US" dirty="0">
+                <a:solidFill>
+                  <a:schemeClr val="tx1">
+                    <a:lumMod val="50000"/>
+                    <a:lumOff val="50000"/>
+                  </a:schemeClr>
+                </a:solidFill>
+              </a:rPr>
+              <a:t> und </a:t>
+            </a:r>
+            <a:r>
+              <a:rPr lang="en-US" dirty="0" err="1">
+                <a:solidFill>
+                  <a:schemeClr val="tx1">
+                    <a:lumMod val="50000"/>
+                    <a:lumOff val="50000"/>
+                  </a:schemeClr>
+                </a:solidFill>
+              </a:rPr>
+              <a:t>unkompliziert</a:t>
+            </a:r>
+            <a:r>
+              <a:rPr lang="en-US" dirty="0">
+                <a:solidFill>
+                  <a:schemeClr val="tx1">
+                    <a:lumMod val="50000"/>
+                    <a:lumOff val="50000"/>
+                  </a:schemeClr>
+                </a:solidFill>
+              </a:rPr>
+              <a:t> </a:t>
+            </a:r>
+            <a:r>
+              <a:rPr lang="en-US" dirty="0" err="1">
+                <a:solidFill>
+                  <a:schemeClr val="tx1">
+                    <a:lumMod val="50000"/>
+                    <a:lumOff val="50000"/>
+                  </a:schemeClr>
+                </a:solidFill>
+              </a:rPr>
+              <a:t>ans</a:t>
+            </a:r>
+            <a:r>
+              <a:rPr lang="en-US" dirty="0">
+                <a:solidFill>
+                  <a:schemeClr val="tx1">
+                    <a:lumMod val="50000"/>
+                    <a:lumOff val="50000"/>
+                  </a:schemeClr>
+                </a:solidFill>
+              </a:rPr>
+              <a:t> </a:t>
+            </a:r>
+            <a:r>
+              <a:rPr lang="en-US" dirty="0" err="1">
+                <a:solidFill>
+                  <a:schemeClr val="tx1">
+                    <a:lumMod val="50000"/>
+                    <a:lumOff val="50000"/>
+                  </a:schemeClr>
+                </a:solidFill>
+              </a:rPr>
+              <a:t>Ziel</a:t>
+            </a:r>
+            <a:r>
+              <a:rPr lang="en-US" dirty="0">
+                <a:solidFill>
+                  <a:schemeClr val="tx1">
+                    <a:lumMod val="50000"/>
+                    <a:lumOff val="50000"/>
+                  </a:schemeClr>
+                </a:solidFill>
+              </a:rPr>
+              <a:t>”</a:t>
+            </a:r>
+          </a:p>
+        </p:txBody>
+      </p:sp>
+      <p:sp>
+        <p:nvSpPr>
+          <p:cNvPr id="22" name="Title 1">
+            <a:extLst>
+              <a:ext uri="{FF2B5EF4-FFF2-40B4-BE49-F238E27FC236}">
+                <a16:creationId xmlns:a16="http://schemas.microsoft.com/office/drawing/2014/main" id="{8D9F7371-85C1-415E-80EF-4A438412B1D9}"/>
+              </a:ext>
+            </a:extLst>
+          </p:cNvPr>
           <p:cNvSpPr>
             <a:spLocks noGrp="1"/>
           </p:cNvSpPr>
@@ -9013,8 +12201,8 @@
         </p:nvSpPr>
         <p:spPr>
           <a:xfrm>
-            <a:off x="3510455" y="365126"/>
-            <a:ext cx="7843345" cy="633358"/>
+            <a:off x="402627" y="286375"/>
+            <a:ext cx="4736640" cy="641783"/>
           </a:xfrm>
         </p:spPr>
         <p:txBody>
@@ -9024,66 +12212,19 @@
           <a:lstStyle/>
           <a:p>
             <a:r>
-              <a:rPr lang="de-DE"/>
-              <a:t>Szenario 1: Auto verleihen</a:t>
-            </a:r>
-          </a:p>
-        </p:txBody>
-      </p:sp>
-      <p:sp>
-        <p:nvSpPr>
-          <p:cNvPr id="3" name="Content Placeholder 2"/>
-          <p:cNvSpPr>
-            <a:spLocks noGrp="1"/>
-          </p:cNvSpPr>
-          <p:nvPr>
-            <p:ph idx="1"/>
-          </p:nvPr>
-        </p:nvSpPr>
-        <p:spPr>
-          <a:xfrm>
-            <a:off x="838200" y="2522483"/>
-            <a:ext cx="10515600" cy="3654480"/>
-          </a:xfrm>
-        </p:spPr>
-        <p:txBody>
-          <a:bodyPr/>
-          <a:lstStyle/>
-          <a:p>
-            <a:pPr marL="0" marR="0" lvl="0" indent="0" defTabSz="914400" eaLnBrk="1" fontAlgn="auto" latinLnBrk="0" hangingPunct="1">
-              <a:lnSpc>
-                <a:spcPct val="100000"/>
-              </a:lnSpc>
-              <a:spcBef>
-                <a:spcPts val="0"/>
-              </a:spcBef>
-              <a:spcAft>
-                <a:spcPts val="0"/>
-              </a:spcAft>
-              <a:buClrTx/>
-              <a:buSzTx/>
-              <a:buFontTx/>
-              <a:buNone/>
-              <a:tabLst/>
-              <a:defRPr/>
-            </a:pPr>
-            <a:r>
-              <a:rPr lang="de-DE" b="1"/>
-              <a:t>Szenario:</a:t>
-            </a:r>
-            <a:r>
-              <a:rPr lang="de-DE"/>
-              <a:t> Nach einem langen Arbeitstag kommt Thomas nach Hause. Er hat mit einem Arbeitskollegen über Apps gesprochen, mit welchen man sein eigenes Auto verleihen kann. Er ist müde, will jedoch mehr darüber erfahren. Er erstellt deshalb ein Account auf unserer Seite und will so herausfinden, was er alles tun muss, um sein Auto zu verleihen.</a:t>
-            </a:r>
+              <a:rPr lang="en-US" sz="4900" dirty="0"/>
+              <a:t>Simona Wiederkehr</a:t>
+            </a:r>
+            <a:endParaRPr lang="en-US" dirty="0"/>
           </a:p>
         </p:txBody>
       </p:sp>
       <p:pic>
         <p:nvPicPr>
-          <p:cNvPr id="4" name="Content Placeholder 4">
-            <a:extLst>
-              <a:ext uri="{FF2B5EF4-FFF2-40B4-BE49-F238E27FC236}">
-                <a16:creationId xmlns:a16="http://schemas.microsoft.com/office/drawing/2014/main" xmlns="" id="{0FF40084-511C-41EC-98BA-78D5B14A9BC1}"/>
+          <p:cNvPr id="23" name="Content Placeholder 4">
+            <a:extLst>
+              <a:ext uri="{FF2B5EF4-FFF2-40B4-BE49-F238E27FC236}">
+                <a16:creationId xmlns:a16="http://schemas.microsoft.com/office/drawing/2014/main" id="{4E4245E5-9628-41DF-AF7E-A3365DCD3C73}"/>
               </a:ext>
             </a:extLst>
           </p:cNvPr>
@@ -9093,7 +12234,7 @@
           <p:nvPr/>
         </p:nvPicPr>
         <p:blipFill>
-          <a:blip r:embed="rId2">
+          <a:blip r:embed="rId3">
             <a:extLst>
               <a:ext uri="{28A0092B-C50C-407E-A947-70E740481C1C}">
                 <a14:useLocalDpi xmlns:a14="http://schemas.microsoft.com/office/drawing/2010/main" val="0"/>
@@ -9106,78 +12247,393 @@
         </p:blipFill>
         <p:spPr>
           <a:xfrm>
-            <a:off x="838200" y="365126"/>
-            <a:ext cx="2537654" cy="1846144"/>
+            <a:off x="402627" y="1184821"/>
+            <a:ext cx="3748551" cy="2731756"/>
           </a:xfrm>
           <a:prstGeom prst="rect">
             <a:avLst/>
           </a:prstGeom>
         </p:spPr>
       </p:pic>
-      <p:sp>
-        <p:nvSpPr>
-          <p:cNvPr id="5" name="Title 1"/>
-          <p:cNvSpPr txBox="1">
-            <a:spLocks/>
-          </p:cNvSpPr>
+      <p:grpSp>
+        <p:nvGrpSpPr>
+          <p:cNvPr id="24" name="Group 23">
+            <a:extLst>
+              <a:ext uri="{FF2B5EF4-FFF2-40B4-BE49-F238E27FC236}">
+                <a16:creationId xmlns:a16="http://schemas.microsoft.com/office/drawing/2014/main" id="{3AE8FAD1-1D10-4282-9B75-38C57F3BCA9C}"/>
+              </a:ext>
+            </a:extLst>
+          </p:cNvPr>
+          <p:cNvGrpSpPr/>
           <p:nvPr/>
-        </p:nvSpPr>
-        <p:spPr>
+        </p:nvGrpSpPr>
+        <p:grpSpPr>
           <a:xfrm>
-            <a:off x="3510454" y="998484"/>
-            <a:ext cx="7843345" cy="1212786"/>
+            <a:off x="4453927" y="2207402"/>
+            <a:ext cx="2475667" cy="634502"/>
+            <a:chOff x="9083040" y="1237842"/>
+            <a:chExt cx="2105295" cy="634502"/>
           </a:xfrm>
-          <a:prstGeom prst="rect">
-            <a:avLst/>
-          </a:prstGeom>
-        </p:spPr>
-        <p:txBody>
-          <a:bodyPr vert="horz" lIns="91440" tIns="45720" rIns="91440" bIns="45720" rtlCol="0" anchor="t">
-            <a:normAutofit fontScale="97500"/>
-          </a:bodyPr>
-          <a:lstStyle>
-            <a:lvl1pPr algn="l" defTabSz="914400" rtl="0" eaLnBrk="1" latinLnBrk="0" hangingPunct="1">
-              <a:lnSpc>
-                <a:spcPct val="90000"/>
-              </a:lnSpc>
-              <a:spcBef>
-                <a:spcPct val="0"/>
-              </a:spcBef>
-              <a:buNone/>
-              <a:defRPr sz="4400" kern="1200">
-                <a:solidFill>
-                  <a:schemeClr val="tx1"/>
-                </a:solidFill>
-                <a:latin typeface="+mj-lt"/>
-                <a:ea typeface="+mj-ea"/>
-                <a:cs typeface="+mj-cs"/>
-              </a:defRPr>
-            </a:lvl1pPr>
-          </a:lstStyle>
-          <a:p>
-            <a:r>
-              <a:rPr lang="de-DE" sz="2000"/>
-              <a:t>Produkt: Webapplikation</a:t>
-            </a:r>
-          </a:p>
-          <a:p>
-            <a:r>
-              <a:rPr lang="de-DE" sz="2000"/>
-              <a:t>Primäre Persona: Thomas Berchthold</a:t>
-            </a:r>
-          </a:p>
-          <a:p>
-            <a:r>
-              <a:rPr lang="de-DE" sz="2000"/>
-              <a:t>Will sein Auto verleihen</a:t>
-            </a:r>
-          </a:p>
-        </p:txBody>
-      </p:sp>
+        </p:grpSpPr>
+        <p:sp>
+          <p:nvSpPr>
+            <p:cNvPr id="25" name="Rectangle: Rounded Corners 24">
+              <a:extLst>
+                <a:ext uri="{FF2B5EF4-FFF2-40B4-BE49-F238E27FC236}">
+                  <a16:creationId xmlns:a16="http://schemas.microsoft.com/office/drawing/2014/main" id="{65979B57-83EB-463C-A59F-2D50881F27A4}"/>
+                </a:ext>
+              </a:extLst>
+            </p:cNvPr>
+            <p:cNvSpPr/>
+            <p:nvPr/>
+          </p:nvSpPr>
+          <p:spPr>
+            <a:xfrm>
+              <a:off x="9524998" y="1237842"/>
+              <a:ext cx="1663337" cy="634502"/>
+            </a:xfrm>
+            <a:prstGeom prst="roundRect">
+              <a:avLst/>
+            </a:prstGeom>
+            <a:solidFill>
+              <a:schemeClr val="bg1"/>
+            </a:solidFill>
+            <a:ln w="38100">
+              <a:solidFill>
+                <a:schemeClr val="accent1">
+                  <a:lumMod val="75000"/>
+                </a:schemeClr>
+              </a:solidFill>
+            </a:ln>
+          </p:spPr>
+          <p:style>
+            <a:lnRef idx="2">
+              <a:schemeClr val="accent2"/>
+            </a:lnRef>
+            <a:fillRef idx="1">
+              <a:schemeClr val="lt1"/>
+            </a:fillRef>
+            <a:effectRef idx="0">
+              <a:schemeClr val="accent2"/>
+            </a:effectRef>
+            <a:fontRef idx="minor">
+              <a:schemeClr val="dk1"/>
+            </a:fontRef>
+          </p:style>
+          <p:txBody>
+            <a:bodyPr rtlCol="0" anchor="ctr"/>
+            <a:lstStyle/>
+            <a:p>
+              <a:pPr algn="ctr"/>
+              <a:r>
+                <a:rPr lang="en-US" b="1" dirty="0" err="1"/>
+                <a:t>Sparsam</a:t>
+              </a:r>
+              <a:endParaRPr lang="en-US" b="1" dirty="0"/>
+            </a:p>
+          </p:txBody>
+        </p:sp>
+        <p:sp>
+          <p:nvSpPr>
+            <p:cNvPr id="26" name="Arrow: Right 25">
+              <a:extLst>
+                <a:ext uri="{FF2B5EF4-FFF2-40B4-BE49-F238E27FC236}">
+                  <a16:creationId xmlns:a16="http://schemas.microsoft.com/office/drawing/2014/main" id="{7B2261F6-F3BF-4164-9D9C-2D1FFFFE5688}"/>
+                </a:ext>
+              </a:extLst>
+            </p:cNvPr>
+            <p:cNvSpPr/>
+            <p:nvPr/>
+          </p:nvSpPr>
+          <p:spPr>
+            <a:xfrm>
+              <a:off x="9083040" y="1382150"/>
+              <a:ext cx="441958" cy="308537"/>
+            </a:xfrm>
+            <a:prstGeom prst="rightArrow">
+              <a:avLst/>
+            </a:prstGeom>
+          </p:spPr>
+          <p:style>
+            <a:lnRef idx="2">
+              <a:schemeClr val="accent1">
+                <a:shade val="50000"/>
+              </a:schemeClr>
+            </a:lnRef>
+            <a:fillRef idx="1">
+              <a:schemeClr val="accent1"/>
+            </a:fillRef>
+            <a:effectRef idx="0">
+              <a:schemeClr val="accent1"/>
+            </a:effectRef>
+            <a:fontRef idx="minor">
+              <a:schemeClr val="lt1"/>
+            </a:fontRef>
+          </p:style>
+          <p:txBody>
+            <a:bodyPr rtlCol="0" anchor="ctr"/>
+            <a:lstStyle/>
+            <a:p>
+              <a:pPr algn="ctr"/>
+              <a:endParaRPr lang="en-US"/>
+            </a:p>
+          </p:txBody>
+        </p:sp>
+      </p:grpSp>
+      <p:grpSp>
+        <p:nvGrpSpPr>
+          <p:cNvPr id="27" name="Group 26">
+            <a:extLst>
+              <a:ext uri="{FF2B5EF4-FFF2-40B4-BE49-F238E27FC236}">
+                <a16:creationId xmlns:a16="http://schemas.microsoft.com/office/drawing/2014/main" id="{84A8DCAF-F998-4AA0-B82C-BD13498BFF14}"/>
+              </a:ext>
+            </a:extLst>
+          </p:cNvPr>
+          <p:cNvGrpSpPr/>
+          <p:nvPr/>
+        </p:nvGrpSpPr>
+        <p:grpSpPr>
+          <a:xfrm>
+            <a:off x="4491195" y="3212476"/>
+            <a:ext cx="2438399" cy="634502"/>
+            <a:chOff x="9083040" y="1237842"/>
+            <a:chExt cx="2105295" cy="634502"/>
+          </a:xfrm>
+        </p:grpSpPr>
+        <p:sp>
+          <p:nvSpPr>
+            <p:cNvPr id="28" name="Rectangle: Rounded Corners 27">
+              <a:extLst>
+                <a:ext uri="{FF2B5EF4-FFF2-40B4-BE49-F238E27FC236}">
+                  <a16:creationId xmlns:a16="http://schemas.microsoft.com/office/drawing/2014/main" id="{D49086D5-B2B6-42A0-97B9-6BEB547A4B4B}"/>
+                </a:ext>
+              </a:extLst>
+            </p:cNvPr>
+            <p:cNvSpPr/>
+            <p:nvPr/>
+          </p:nvSpPr>
+          <p:spPr>
+            <a:xfrm>
+              <a:off x="9524998" y="1237842"/>
+              <a:ext cx="1663337" cy="634502"/>
+            </a:xfrm>
+            <a:prstGeom prst="roundRect">
+              <a:avLst/>
+            </a:prstGeom>
+            <a:solidFill>
+              <a:schemeClr val="bg1"/>
+            </a:solidFill>
+            <a:ln w="38100">
+              <a:solidFill>
+                <a:schemeClr val="accent1">
+                  <a:lumMod val="75000"/>
+                </a:schemeClr>
+              </a:solidFill>
+            </a:ln>
+          </p:spPr>
+          <p:style>
+            <a:lnRef idx="2">
+              <a:schemeClr val="accent2"/>
+            </a:lnRef>
+            <a:fillRef idx="1">
+              <a:schemeClr val="lt1"/>
+            </a:fillRef>
+            <a:effectRef idx="0">
+              <a:schemeClr val="accent2"/>
+            </a:effectRef>
+            <a:fontRef idx="minor">
+              <a:schemeClr val="dk1"/>
+            </a:fontRef>
+          </p:style>
+          <p:txBody>
+            <a:bodyPr rtlCol="0" anchor="ctr"/>
+            <a:lstStyle/>
+            <a:p>
+              <a:pPr algn="ctr"/>
+              <a:r>
+                <a:rPr lang="en-US" b="1" dirty="0" err="1"/>
+                <a:t>Unkompliziert</a:t>
+              </a:r>
+              <a:endParaRPr lang="en-US" b="1" dirty="0"/>
+            </a:p>
+          </p:txBody>
+        </p:sp>
+        <p:sp>
+          <p:nvSpPr>
+            <p:cNvPr id="29" name="Arrow: Right 28">
+              <a:extLst>
+                <a:ext uri="{FF2B5EF4-FFF2-40B4-BE49-F238E27FC236}">
+                  <a16:creationId xmlns:a16="http://schemas.microsoft.com/office/drawing/2014/main" id="{28A574E4-9B54-4B35-948E-74A067EAB20D}"/>
+                </a:ext>
+              </a:extLst>
+            </p:cNvPr>
+            <p:cNvSpPr/>
+            <p:nvPr/>
+          </p:nvSpPr>
+          <p:spPr>
+            <a:xfrm>
+              <a:off x="9083040" y="1382150"/>
+              <a:ext cx="441958" cy="308537"/>
+            </a:xfrm>
+            <a:prstGeom prst="rightArrow">
+              <a:avLst/>
+            </a:prstGeom>
+          </p:spPr>
+          <p:style>
+            <a:lnRef idx="2">
+              <a:schemeClr val="accent1">
+                <a:shade val="50000"/>
+              </a:schemeClr>
+            </a:lnRef>
+            <a:fillRef idx="1">
+              <a:schemeClr val="accent1"/>
+            </a:fillRef>
+            <a:effectRef idx="0">
+              <a:schemeClr val="accent1"/>
+            </a:effectRef>
+            <a:fontRef idx="minor">
+              <a:schemeClr val="lt1"/>
+            </a:fontRef>
+          </p:style>
+          <p:txBody>
+            <a:bodyPr rtlCol="0" anchor="ctr"/>
+            <a:lstStyle/>
+            <a:p>
+              <a:pPr algn="ctr"/>
+              <a:endParaRPr lang="en-US"/>
+            </a:p>
+          </p:txBody>
+        </p:sp>
+      </p:grpSp>
+      <p:grpSp>
+        <p:nvGrpSpPr>
+          <p:cNvPr id="30" name="Group 29">
+            <a:extLst>
+              <a:ext uri="{FF2B5EF4-FFF2-40B4-BE49-F238E27FC236}">
+                <a16:creationId xmlns:a16="http://schemas.microsoft.com/office/drawing/2014/main" id="{EBCEAA1C-278D-4352-AC51-11F776957A5A}"/>
+              </a:ext>
+            </a:extLst>
+          </p:cNvPr>
+          <p:cNvGrpSpPr/>
+          <p:nvPr/>
+        </p:nvGrpSpPr>
+        <p:grpSpPr>
+          <a:xfrm>
+            <a:off x="4533575" y="1182288"/>
+            <a:ext cx="2475667" cy="634502"/>
+            <a:chOff x="9083040" y="1237842"/>
+            <a:chExt cx="2105295" cy="634502"/>
+          </a:xfrm>
+        </p:grpSpPr>
+        <p:sp>
+          <p:nvSpPr>
+            <p:cNvPr id="31" name="Rectangle: Rounded Corners 30">
+              <a:extLst>
+                <a:ext uri="{FF2B5EF4-FFF2-40B4-BE49-F238E27FC236}">
+                  <a16:creationId xmlns:a16="http://schemas.microsoft.com/office/drawing/2014/main" id="{22C08B93-6B51-4655-8269-49E9B633AB34}"/>
+                </a:ext>
+              </a:extLst>
+            </p:cNvPr>
+            <p:cNvSpPr/>
+            <p:nvPr/>
+          </p:nvSpPr>
+          <p:spPr>
+            <a:xfrm>
+              <a:off x="9524998" y="1237842"/>
+              <a:ext cx="1663337" cy="634502"/>
+            </a:xfrm>
+            <a:prstGeom prst="roundRect">
+              <a:avLst/>
+            </a:prstGeom>
+            <a:solidFill>
+              <a:schemeClr val="bg1"/>
+            </a:solidFill>
+            <a:ln w="38100">
+              <a:solidFill>
+                <a:schemeClr val="accent1">
+                  <a:lumMod val="75000"/>
+                </a:schemeClr>
+              </a:solidFill>
+            </a:ln>
+          </p:spPr>
+          <p:style>
+            <a:lnRef idx="2">
+              <a:schemeClr val="accent2"/>
+            </a:lnRef>
+            <a:fillRef idx="1">
+              <a:schemeClr val="lt1"/>
+            </a:fillRef>
+            <a:effectRef idx="0">
+              <a:schemeClr val="accent2"/>
+            </a:effectRef>
+            <a:fontRef idx="minor">
+              <a:schemeClr val="dk1"/>
+            </a:fontRef>
+          </p:style>
+          <p:txBody>
+            <a:bodyPr rtlCol="0" anchor="ctr"/>
+            <a:lstStyle/>
+            <a:p>
+              <a:pPr algn="ctr"/>
+              <a:r>
+                <a:rPr lang="en-US" b="1" dirty="0" err="1"/>
+                <a:t>Pünktlich</a:t>
+              </a:r>
+              <a:endParaRPr lang="en-US" b="1" dirty="0"/>
+            </a:p>
+          </p:txBody>
+        </p:sp>
+        <p:sp>
+          <p:nvSpPr>
+            <p:cNvPr id="32" name="Arrow: Right 31">
+              <a:extLst>
+                <a:ext uri="{FF2B5EF4-FFF2-40B4-BE49-F238E27FC236}">
+                  <a16:creationId xmlns:a16="http://schemas.microsoft.com/office/drawing/2014/main" id="{58324F70-BA80-41C1-B36F-D1F6072DD038}"/>
+                </a:ext>
+              </a:extLst>
+            </p:cNvPr>
+            <p:cNvSpPr/>
+            <p:nvPr/>
+          </p:nvSpPr>
+          <p:spPr>
+            <a:xfrm>
+              <a:off x="9083040" y="1382150"/>
+              <a:ext cx="441958" cy="308537"/>
+            </a:xfrm>
+            <a:prstGeom prst="rightArrow">
+              <a:avLst/>
+            </a:prstGeom>
+          </p:spPr>
+          <p:style>
+            <a:lnRef idx="2">
+              <a:schemeClr val="accent1">
+                <a:shade val="50000"/>
+              </a:schemeClr>
+            </a:lnRef>
+            <a:fillRef idx="1">
+              <a:schemeClr val="accent1"/>
+            </a:fillRef>
+            <a:effectRef idx="0">
+              <a:schemeClr val="accent1"/>
+            </a:effectRef>
+            <a:fontRef idx="minor">
+              <a:schemeClr val="lt1"/>
+            </a:fontRef>
+          </p:style>
+          <p:txBody>
+            <a:bodyPr rtlCol="0" anchor="ctr"/>
+            <a:lstStyle/>
+            <a:p>
+              <a:pPr algn="ctr"/>
+              <a:endParaRPr lang="en-US"/>
+            </a:p>
+          </p:txBody>
+        </p:sp>
+      </p:grpSp>
     </p:spTree>
     <p:extLst>
       <p:ext uri="{BB962C8B-B14F-4D97-AF65-F5344CB8AC3E}">
-        <p14:creationId xmlns:p14="http://schemas.microsoft.com/office/powerpoint/2010/main" val="1975784048"/>
+        <p14:creationId xmlns:p14="http://schemas.microsoft.com/office/powerpoint/2010/main" val="4161181527"/>
       </p:ext>
     </p:extLst>
   </p:cSld>
@@ -9206,7 +12662,209 @@
       </p:grpSpPr>
       <p:sp>
         <p:nvSpPr>
-          <p:cNvPr id="2" name="Title 1"/>
+          <p:cNvPr id="14" name="Content Placeholder 2">
+            <a:extLst>
+              <a:ext uri="{FF2B5EF4-FFF2-40B4-BE49-F238E27FC236}">
+                <a16:creationId xmlns:a16="http://schemas.microsoft.com/office/drawing/2014/main" id="{ACDD2540-F14D-4F7B-B2CE-75D30E7A4F96}"/>
+              </a:ext>
+            </a:extLst>
+          </p:cNvPr>
+          <p:cNvSpPr txBox="1">
+            <a:spLocks/>
+          </p:cNvSpPr>
+          <p:nvPr/>
+        </p:nvSpPr>
+        <p:spPr>
+          <a:xfrm>
+            <a:off x="-4072467" y="-1009782"/>
+            <a:ext cx="10515600" cy="4351338"/>
+          </a:xfrm>
+          <a:prstGeom prst="rect">
+            <a:avLst/>
+          </a:prstGeom>
+        </p:spPr>
+        <p:txBody>
+          <a:bodyPr vert="horz" lIns="91440" tIns="45720" rIns="91440" bIns="45720" rtlCol="0">
+            <a:normAutofit/>
+          </a:bodyPr>
+          <a:lstStyle>
+            <a:lvl1pPr marL="228600" indent="-228600" algn="l" defTabSz="914400" rtl="0" eaLnBrk="1" latinLnBrk="0" hangingPunct="1">
+              <a:lnSpc>
+                <a:spcPct val="90000"/>
+              </a:lnSpc>
+              <a:spcBef>
+                <a:spcPts val="1000"/>
+              </a:spcBef>
+              <a:buFont typeface="Arial" panose="020B0604020202020204" pitchFamily="34" charset="0"/>
+              <a:buChar char="•"/>
+              <a:defRPr sz="2800" kern="1200">
+                <a:solidFill>
+                  <a:schemeClr val="tx1"/>
+                </a:solidFill>
+                <a:latin typeface="+mn-lt"/>
+                <a:ea typeface="+mn-ea"/>
+                <a:cs typeface="+mn-cs"/>
+              </a:defRPr>
+            </a:lvl1pPr>
+            <a:lvl2pPr marL="685800" indent="-228600" algn="l" defTabSz="914400" rtl="0" eaLnBrk="1" latinLnBrk="0" hangingPunct="1">
+              <a:lnSpc>
+                <a:spcPct val="90000"/>
+              </a:lnSpc>
+              <a:spcBef>
+                <a:spcPts val="500"/>
+              </a:spcBef>
+              <a:buFont typeface="Arial" panose="020B0604020202020204" pitchFamily="34" charset="0"/>
+              <a:buChar char="•"/>
+              <a:defRPr sz="2400" kern="1200">
+                <a:solidFill>
+                  <a:schemeClr val="tx1"/>
+                </a:solidFill>
+                <a:latin typeface="+mn-lt"/>
+                <a:ea typeface="+mn-ea"/>
+                <a:cs typeface="+mn-cs"/>
+              </a:defRPr>
+            </a:lvl2pPr>
+            <a:lvl3pPr marL="1143000" indent="-228600" algn="l" defTabSz="914400" rtl="0" eaLnBrk="1" latinLnBrk="0" hangingPunct="1">
+              <a:lnSpc>
+                <a:spcPct val="90000"/>
+              </a:lnSpc>
+              <a:spcBef>
+                <a:spcPts val="500"/>
+              </a:spcBef>
+              <a:buFont typeface="Arial" panose="020B0604020202020204" pitchFamily="34" charset="0"/>
+              <a:buChar char="•"/>
+              <a:defRPr sz="2000" kern="1200">
+                <a:solidFill>
+                  <a:schemeClr val="tx1"/>
+                </a:solidFill>
+                <a:latin typeface="+mn-lt"/>
+                <a:ea typeface="+mn-ea"/>
+                <a:cs typeface="+mn-cs"/>
+              </a:defRPr>
+            </a:lvl3pPr>
+            <a:lvl4pPr marL="1600200" indent="-228600" algn="l" defTabSz="914400" rtl="0" eaLnBrk="1" latinLnBrk="0" hangingPunct="1">
+              <a:lnSpc>
+                <a:spcPct val="90000"/>
+              </a:lnSpc>
+              <a:spcBef>
+                <a:spcPts val="500"/>
+              </a:spcBef>
+              <a:buFont typeface="Arial" panose="020B0604020202020204" pitchFamily="34" charset="0"/>
+              <a:buChar char="•"/>
+              <a:defRPr sz="1800" kern="1200">
+                <a:solidFill>
+                  <a:schemeClr val="tx1"/>
+                </a:solidFill>
+                <a:latin typeface="+mn-lt"/>
+                <a:ea typeface="+mn-ea"/>
+                <a:cs typeface="+mn-cs"/>
+              </a:defRPr>
+            </a:lvl4pPr>
+            <a:lvl5pPr marL="2057400" indent="-228600" algn="l" defTabSz="914400" rtl="0" eaLnBrk="1" latinLnBrk="0" hangingPunct="1">
+              <a:lnSpc>
+                <a:spcPct val="90000"/>
+              </a:lnSpc>
+              <a:spcBef>
+                <a:spcPts val="500"/>
+              </a:spcBef>
+              <a:buFont typeface="Arial" panose="020B0604020202020204" pitchFamily="34" charset="0"/>
+              <a:buChar char="•"/>
+              <a:defRPr sz="1800" kern="1200">
+                <a:solidFill>
+                  <a:schemeClr val="tx1"/>
+                </a:solidFill>
+                <a:latin typeface="+mn-lt"/>
+                <a:ea typeface="+mn-ea"/>
+                <a:cs typeface="+mn-cs"/>
+              </a:defRPr>
+            </a:lvl5pPr>
+            <a:lvl6pPr marL="2514600" indent="-228600" algn="l" defTabSz="914400" rtl="0" eaLnBrk="1" latinLnBrk="0" hangingPunct="1">
+              <a:lnSpc>
+                <a:spcPct val="90000"/>
+              </a:lnSpc>
+              <a:spcBef>
+                <a:spcPts val="500"/>
+              </a:spcBef>
+              <a:buFont typeface="Arial" panose="020B0604020202020204" pitchFamily="34" charset="0"/>
+              <a:buChar char="•"/>
+              <a:defRPr sz="1800" kern="1200">
+                <a:solidFill>
+                  <a:schemeClr val="tx1"/>
+                </a:solidFill>
+                <a:latin typeface="+mn-lt"/>
+                <a:ea typeface="+mn-ea"/>
+                <a:cs typeface="+mn-cs"/>
+              </a:defRPr>
+            </a:lvl6pPr>
+            <a:lvl7pPr marL="2971800" indent="-228600" algn="l" defTabSz="914400" rtl="0" eaLnBrk="1" latinLnBrk="0" hangingPunct="1">
+              <a:lnSpc>
+                <a:spcPct val="90000"/>
+              </a:lnSpc>
+              <a:spcBef>
+                <a:spcPts val="500"/>
+              </a:spcBef>
+              <a:buFont typeface="Arial" panose="020B0604020202020204" pitchFamily="34" charset="0"/>
+              <a:buChar char="•"/>
+              <a:defRPr sz="1800" kern="1200">
+                <a:solidFill>
+                  <a:schemeClr val="tx1"/>
+                </a:solidFill>
+                <a:latin typeface="+mn-lt"/>
+                <a:ea typeface="+mn-ea"/>
+                <a:cs typeface="+mn-cs"/>
+              </a:defRPr>
+            </a:lvl7pPr>
+            <a:lvl8pPr marL="3429000" indent="-228600" algn="l" defTabSz="914400" rtl="0" eaLnBrk="1" latinLnBrk="0" hangingPunct="1">
+              <a:lnSpc>
+                <a:spcPct val="90000"/>
+              </a:lnSpc>
+              <a:spcBef>
+                <a:spcPts val="500"/>
+              </a:spcBef>
+              <a:buFont typeface="Arial" panose="020B0604020202020204" pitchFamily="34" charset="0"/>
+              <a:buChar char="•"/>
+              <a:defRPr sz="1800" kern="1200">
+                <a:solidFill>
+                  <a:schemeClr val="tx1"/>
+                </a:solidFill>
+                <a:latin typeface="+mn-lt"/>
+                <a:ea typeface="+mn-ea"/>
+                <a:cs typeface="+mn-cs"/>
+              </a:defRPr>
+            </a:lvl8pPr>
+            <a:lvl9pPr marL="3886200" indent="-228600" algn="l" defTabSz="914400" rtl="0" eaLnBrk="1" latinLnBrk="0" hangingPunct="1">
+              <a:lnSpc>
+                <a:spcPct val="90000"/>
+              </a:lnSpc>
+              <a:spcBef>
+                <a:spcPts val="500"/>
+              </a:spcBef>
+              <a:buFont typeface="Arial" panose="020B0604020202020204" pitchFamily="34" charset="0"/>
+              <a:buChar char="•"/>
+              <a:defRPr sz="1800" kern="1200">
+                <a:solidFill>
+                  <a:schemeClr val="tx1"/>
+                </a:solidFill>
+                <a:latin typeface="+mn-lt"/>
+                <a:ea typeface="+mn-ea"/>
+                <a:cs typeface="+mn-cs"/>
+              </a:defRPr>
+            </a:lvl9pPr>
+          </a:lstStyle>
+          <a:p>
+            <a:endParaRPr lang="en-US" dirty="0"/>
+          </a:p>
+        </p:txBody>
+      </p:sp>
+      <p:sp>
+        <p:nvSpPr>
+          <p:cNvPr id="22" name="Title 1">
+            <a:extLst>
+              <a:ext uri="{FF2B5EF4-FFF2-40B4-BE49-F238E27FC236}">
+                <a16:creationId xmlns:a16="http://schemas.microsoft.com/office/drawing/2014/main" id="{8D9F7371-85C1-415E-80EF-4A438412B1D9}"/>
+              </a:ext>
+            </a:extLst>
+          </p:cNvPr>
           <p:cNvSpPr>
             <a:spLocks noGrp="1"/>
           </p:cNvSpPr>
@@ -9216,8 +12874,8 @@
         </p:nvSpPr>
         <p:spPr>
           <a:xfrm>
-            <a:off x="3510455" y="365126"/>
-            <a:ext cx="7843345" cy="633358"/>
+            <a:off x="402627" y="286375"/>
+            <a:ext cx="4393588" cy="641783"/>
           </a:xfrm>
         </p:spPr>
         <p:txBody>
@@ -9227,73 +12885,28 @@
           <a:lstStyle/>
           <a:p>
             <a:r>
-              <a:rPr lang="de-DE"/>
-              <a:t>Szenario 1: Auto Ausleihen</a:t>
-            </a:r>
-          </a:p>
-        </p:txBody>
-      </p:sp>
-      <p:sp>
-        <p:nvSpPr>
-          <p:cNvPr id="3" name="Content Placeholder 2"/>
-          <p:cNvSpPr>
-            <a:spLocks noGrp="1"/>
-          </p:cNvSpPr>
-          <p:nvPr>
-            <p:ph idx="1"/>
-          </p:nvPr>
-        </p:nvSpPr>
-        <p:spPr>
-          <a:xfrm>
-            <a:off x="838200" y="2522483"/>
-            <a:ext cx="10515600" cy="3654480"/>
-          </a:xfrm>
-        </p:spPr>
-        <p:txBody>
-          <a:bodyPr/>
-          <a:lstStyle/>
-          <a:p>
-            <a:pPr marL="0" marR="0" lvl="0" indent="0" defTabSz="914400" eaLnBrk="1" fontAlgn="auto" latinLnBrk="0" hangingPunct="1">
-              <a:lnSpc>
-                <a:spcPct val="100000"/>
-              </a:lnSpc>
-              <a:spcBef>
-                <a:spcPts val="0"/>
-              </a:spcBef>
-              <a:spcAft>
-                <a:spcPts val="0"/>
-              </a:spcAft>
-              <a:buClrTx/>
-              <a:buSzTx/>
-              <a:buFontTx/>
-              <a:buNone/>
-              <a:tabLst/>
-              <a:defRPr/>
-            </a:pPr>
-            <a:r>
-              <a:rPr lang="de-DE" b="1"/>
-              <a:t>Szenario: </a:t>
-            </a:r>
-            <a:r>
-              <a:rPr lang="de-DE"/>
-              <a:t>Simona hat ein Treffen mit ihrer Familie vereinbart. Sie hat momentan einen knappen Kontostand und überlegt sich, welches Verkehrsmittel sie benutzen soll. Sie hat bereits die Preise aus der SBB App herausgesucht und vergleicht diese nun mit den Preisen auf unserer App. Sie hofft, ein billiges und unkompliziertes Angebot zu finden.</a:t>
-            </a:r>
+              <a:rPr lang="en-US" sz="4900" dirty="0"/>
+              <a:t>Helene Meier</a:t>
+            </a:r>
+            <a:endParaRPr lang="en-US" dirty="0"/>
           </a:p>
         </p:txBody>
       </p:sp>
       <p:pic>
         <p:nvPicPr>
-          <p:cNvPr id="6" name="Content Placeholder 4">
-            <a:extLst>
-              <a:ext uri="{FF2B5EF4-FFF2-40B4-BE49-F238E27FC236}">
-                <a16:creationId xmlns:a16="http://schemas.microsoft.com/office/drawing/2014/main" xmlns="" id="{8E26EE59-CCCA-465C-A229-F910BE4C298C}"/>
+          <p:cNvPr id="23" name="Content Placeholder 8">
+            <a:extLst>
+              <a:ext uri="{FF2B5EF4-FFF2-40B4-BE49-F238E27FC236}">
+                <a16:creationId xmlns:a16="http://schemas.microsoft.com/office/drawing/2014/main" id="{F589AA15-76C3-441F-8DC1-539BE205A2C7}"/>
               </a:ext>
             </a:extLst>
           </p:cNvPr>
           <p:cNvPicPr>
-            <a:picLocks noChangeAspect="1"/>
+            <a:picLocks noGrp="1" noChangeAspect="1"/>
           </p:cNvPicPr>
-          <p:nvPr/>
+          <p:nvPr>
+            <p:ph idx="1"/>
+          </p:nvPr>
         </p:nvPicPr>
         <p:blipFill>
           <a:blip r:embed="rId2">
@@ -9309,78 +12922,561 @@
         </p:blipFill>
         <p:spPr>
           <a:xfrm>
-            <a:off x="838201" y="365126"/>
-            <a:ext cx="2537654" cy="1849315"/>
+            <a:off x="523533" y="1140572"/>
+            <a:ext cx="3740994" cy="2665458"/>
+          </a:xfrm>
+        </p:spPr>
+      </p:pic>
+      <p:sp>
+        <p:nvSpPr>
+          <p:cNvPr id="24" name="TextBox 23">
+            <a:extLst>
+              <a:ext uri="{FF2B5EF4-FFF2-40B4-BE49-F238E27FC236}">
+                <a16:creationId xmlns:a16="http://schemas.microsoft.com/office/drawing/2014/main" id="{A21DF807-A744-463D-8B35-853CACA50570}"/>
+              </a:ext>
+            </a:extLst>
+          </p:cNvPr>
+          <p:cNvSpPr txBox="1"/>
+          <p:nvPr/>
+        </p:nvSpPr>
+        <p:spPr>
+          <a:xfrm>
+            <a:off x="506055" y="3805497"/>
+            <a:ext cx="3758472" cy="646331"/>
           </a:xfrm>
           <a:prstGeom prst="rect">
             <a:avLst/>
           </a:prstGeom>
-        </p:spPr>
-      </p:pic>
-      <p:sp>
-        <p:nvSpPr>
-          <p:cNvPr id="7" name="Title 1"/>
-          <p:cNvSpPr txBox="1">
-            <a:spLocks/>
-          </p:cNvSpPr>
-          <p:nvPr/>
-        </p:nvSpPr>
-        <p:spPr>
-          <a:xfrm>
-            <a:off x="3510454" y="998484"/>
-            <a:ext cx="7843345" cy="1212786"/>
-          </a:xfrm>
-          <a:prstGeom prst="rect">
-            <a:avLst/>
-          </a:prstGeom>
+          <a:noFill/>
         </p:spPr>
         <p:txBody>
-          <a:bodyPr vert="horz" lIns="91440" tIns="45720" rIns="91440" bIns="45720" rtlCol="0" anchor="t">
-            <a:normAutofit fontScale="97500"/>
+          <a:bodyPr wrap="square" rtlCol="0">
+            <a:spAutoFit/>
           </a:bodyPr>
-          <a:lstStyle>
-            <a:lvl1pPr algn="l" defTabSz="914400" rtl="0" eaLnBrk="1" latinLnBrk="0" hangingPunct="1">
-              <a:lnSpc>
-                <a:spcPct val="90000"/>
-              </a:lnSpc>
-              <a:spcBef>
-                <a:spcPct val="0"/>
-              </a:spcBef>
-              <a:buNone/>
-              <a:defRPr sz="4400" kern="1200">
-                <a:solidFill>
-                  <a:schemeClr val="tx1"/>
-                </a:solidFill>
-                <a:latin typeface="+mj-lt"/>
-                <a:ea typeface="+mj-ea"/>
-                <a:cs typeface="+mj-cs"/>
-              </a:defRPr>
-            </a:lvl1pPr>
-          </a:lstStyle>
-          <a:p>
-            <a:r>
-              <a:rPr lang="de-DE" sz="2000"/>
-              <a:t>Produkt: IOS App</a:t>
-            </a:r>
-          </a:p>
-          <a:p>
-            <a:r>
-              <a:rPr lang="de-DE" sz="2000"/>
-              <a:t>Primäre Persona: Simona Wiederkehr</a:t>
-            </a:r>
-          </a:p>
-          <a:p>
-            <a:r>
-              <a:rPr lang="de-DE" sz="2000"/>
-              <a:t>Will ein möglichst billiges Auto ausleihen</a:t>
+          <a:lstStyle/>
+          <a:p>
+            <a:r>
+              <a:rPr lang="en-US" dirty="0">
+                <a:solidFill>
+                  <a:schemeClr val="tx1">
+                    <a:lumMod val="50000"/>
+                    <a:lumOff val="50000"/>
+                  </a:schemeClr>
+                </a:solidFill>
+              </a:rPr>
+              <a:t>“</a:t>
+            </a:r>
+            <a:r>
+              <a:rPr lang="en-US" dirty="0" err="1">
+                <a:solidFill>
+                  <a:schemeClr val="tx1">
+                    <a:lumMod val="50000"/>
+                    <a:lumOff val="50000"/>
+                  </a:schemeClr>
+                </a:solidFill>
+              </a:rPr>
+              <a:t>Anderen</a:t>
+            </a:r>
+            <a:r>
+              <a:rPr lang="en-US" dirty="0">
+                <a:solidFill>
+                  <a:schemeClr val="tx1">
+                    <a:lumMod val="50000"/>
+                    <a:lumOff val="50000"/>
+                  </a:schemeClr>
+                </a:solidFill>
+              </a:rPr>
+              <a:t> </a:t>
+            </a:r>
+            <a:r>
+              <a:rPr lang="en-US" dirty="0" err="1">
+                <a:solidFill>
+                  <a:schemeClr val="tx1">
+                    <a:lumMod val="50000"/>
+                    <a:lumOff val="50000"/>
+                  </a:schemeClr>
+                </a:solidFill>
+              </a:rPr>
+              <a:t>helfen</a:t>
+            </a:r>
+            <a:r>
+              <a:rPr lang="en-US" dirty="0">
+                <a:solidFill>
+                  <a:schemeClr val="tx1">
+                    <a:lumMod val="50000"/>
+                    <a:lumOff val="50000"/>
+                  </a:schemeClr>
+                </a:solidFill>
+              </a:rPr>
+              <a:t> </a:t>
+            </a:r>
+            <a:r>
+              <a:rPr lang="en-US" dirty="0" err="1">
+                <a:solidFill>
+                  <a:schemeClr val="tx1">
+                    <a:lumMod val="50000"/>
+                    <a:lumOff val="50000"/>
+                  </a:schemeClr>
+                </a:solidFill>
+              </a:rPr>
+              <a:t>gibt</a:t>
+            </a:r>
+            <a:r>
+              <a:rPr lang="en-US" dirty="0">
+                <a:solidFill>
+                  <a:schemeClr val="tx1">
+                    <a:lumMod val="50000"/>
+                    <a:lumOff val="50000"/>
+                  </a:schemeClr>
+                </a:solidFill>
+              </a:rPr>
+              <a:t> </a:t>
+            </a:r>
+            <a:r>
+              <a:rPr lang="en-US" dirty="0" err="1">
+                <a:solidFill>
+                  <a:schemeClr val="tx1">
+                    <a:lumMod val="50000"/>
+                    <a:lumOff val="50000"/>
+                  </a:schemeClr>
+                </a:solidFill>
+              </a:rPr>
+              <a:t>dem</a:t>
+            </a:r>
+            <a:r>
+              <a:rPr lang="en-US" dirty="0">
+                <a:solidFill>
+                  <a:schemeClr val="tx1">
+                    <a:lumMod val="50000"/>
+                    <a:lumOff val="50000"/>
+                  </a:schemeClr>
+                </a:solidFill>
+              </a:rPr>
+              <a:t> Leben </a:t>
+            </a:r>
+            <a:r>
+              <a:rPr lang="en-US" dirty="0" err="1">
+                <a:solidFill>
+                  <a:schemeClr val="tx1">
+                    <a:lumMod val="50000"/>
+                    <a:lumOff val="50000"/>
+                  </a:schemeClr>
+                </a:solidFill>
+              </a:rPr>
+              <a:t>einen</a:t>
+            </a:r>
+            <a:r>
+              <a:rPr lang="en-US" dirty="0">
+                <a:solidFill>
+                  <a:schemeClr val="tx1">
+                    <a:lumMod val="50000"/>
+                    <a:lumOff val="50000"/>
+                  </a:schemeClr>
+                </a:solidFill>
+              </a:rPr>
+              <a:t> Sinn”</a:t>
             </a:r>
           </a:p>
         </p:txBody>
       </p:sp>
+      <p:grpSp>
+        <p:nvGrpSpPr>
+          <p:cNvPr id="25" name="Group 24">
+            <a:extLst>
+              <a:ext uri="{FF2B5EF4-FFF2-40B4-BE49-F238E27FC236}">
+                <a16:creationId xmlns:a16="http://schemas.microsoft.com/office/drawing/2014/main" id="{D7C654E1-0403-4807-8F89-E8CF2D1AED2C}"/>
+              </a:ext>
+            </a:extLst>
+          </p:cNvPr>
+          <p:cNvGrpSpPr/>
+          <p:nvPr/>
+        </p:nvGrpSpPr>
+        <p:grpSpPr>
+          <a:xfrm>
+            <a:off x="4796215" y="1140572"/>
+            <a:ext cx="2438399" cy="634502"/>
+            <a:chOff x="9083040" y="1237842"/>
+            <a:chExt cx="2105295" cy="634502"/>
+          </a:xfrm>
+        </p:grpSpPr>
+        <p:sp>
+          <p:nvSpPr>
+            <p:cNvPr id="26" name="Rectangle: Rounded Corners 25">
+              <a:extLst>
+                <a:ext uri="{FF2B5EF4-FFF2-40B4-BE49-F238E27FC236}">
+                  <a16:creationId xmlns:a16="http://schemas.microsoft.com/office/drawing/2014/main" id="{7DFEF594-86C1-49FE-9152-1538AF2B5416}"/>
+                </a:ext>
+              </a:extLst>
+            </p:cNvPr>
+            <p:cNvSpPr/>
+            <p:nvPr/>
+          </p:nvSpPr>
+          <p:spPr>
+            <a:xfrm>
+              <a:off x="9524998" y="1237842"/>
+              <a:ext cx="1663337" cy="634502"/>
+            </a:xfrm>
+            <a:prstGeom prst="roundRect">
+              <a:avLst/>
+            </a:prstGeom>
+            <a:solidFill>
+              <a:schemeClr val="bg1"/>
+            </a:solidFill>
+            <a:ln w="38100">
+              <a:solidFill>
+                <a:schemeClr val="accent1">
+                  <a:lumMod val="75000"/>
+                </a:schemeClr>
+              </a:solidFill>
+            </a:ln>
+          </p:spPr>
+          <p:style>
+            <a:lnRef idx="2">
+              <a:schemeClr val="accent2"/>
+            </a:lnRef>
+            <a:fillRef idx="1">
+              <a:schemeClr val="lt1"/>
+            </a:fillRef>
+            <a:effectRef idx="0">
+              <a:schemeClr val="accent2"/>
+            </a:effectRef>
+            <a:fontRef idx="minor">
+              <a:schemeClr val="dk1"/>
+            </a:fontRef>
+          </p:style>
+          <p:txBody>
+            <a:bodyPr rtlCol="0" anchor="ctr"/>
+            <a:lstStyle/>
+            <a:p>
+              <a:pPr algn="ctr"/>
+              <a:r>
+                <a:rPr lang="en-US" b="1" dirty="0" err="1"/>
+                <a:t>Gutherzig</a:t>
+              </a:r>
+              <a:endParaRPr lang="en-US" b="1" dirty="0"/>
+            </a:p>
+          </p:txBody>
+        </p:sp>
+        <p:sp>
+          <p:nvSpPr>
+            <p:cNvPr id="27" name="Arrow: Right 26">
+              <a:extLst>
+                <a:ext uri="{FF2B5EF4-FFF2-40B4-BE49-F238E27FC236}">
+                  <a16:creationId xmlns:a16="http://schemas.microsoft.com/office/drawing/2014/main" id="{E03EF1D0-323C-4AE6-9741-993F3C6DBEB4}"/>
+                </a:ext>
+              </a:extLst>
+            </p:cNvPr>
+            <p:cNvSpPr/>
+            <p:nvPr/>
+          </p:nvSpPr>
+          <p:spPr>
+            <a:xfrm>
+              <a:off x="9083040" y="1382150"/>
+              <a:ext cx="441958" cy="308537"/>
+            </a:xfrm>
+            <a:prstGeom prst="rightArrow">
+              <a:avLst/>
+            </a:prstGeom>
+          </p:spPr>
+          <p:style>
+            <a:lnRef idx="2">
+              <a:schemeClr val="accent1">
+                <a:shade val="50000"/>
+              </a:schemeClr>
+            </a:lnRef>
+            <a:fillRef idx="1">
+              <a:schemeClr val="accent1"/>
+            </a:fillRef>
+            <a:effectRef idx="0">
+              <a:schemeClr val="accent1"/>
+            </a:effectRef>
+            <a:fontRef idx="minor">
+              <a:schemeClr val="lt1"/>
+            </a:fontRef>
+          </p:style>
+          <p:txBody>
+            <a:bodyPr rtlCol="0" anchor="ctr"/>
+            <a:lstStyle/>
+            <a:p>
+              <a:pPr algn="ctr"/>
+              <a:endParaRPr lang="en-US"/>
+            </a:p>
+          </p:txBody>
+        </p:sp>
+      </p:grpSp>
+      <p:grpSp>
+        <p:nvGrpSpPr>
+          <p:cNvPr id="28" name="Group 27">
+            <a:extLst>
+              <a:ext uri="{FF2B5EF4-FFF2-40B4-BE49-F238E27FC236}">
+                <a16:creationId xmlns:a16="http://schemas.microsoft.com/office/drawing/2014/main" id="{86EB9811-E5D5-4C72-A0BE-94816DE0DC02}"/>
+              </a:ext>
+            </a:extLst>
+          </p:cNvPr>
+          <p:cNvGrpSpPr/>
+          <p:nvPr/>
+        </p:nvGrpSpPr>
+        <p:grpSpPr>
+          <a:xfrm>
+            <a:off x="4746143" y="2147223"/>
+            <a:ext cx="2475667" cy="634502"/>
+            <a:chOff x="9083040" y="1237842"/>
+            <a:chExt cx="2105295" cy="634502"/>
+          </a:xfrm>
+        </p:grpSpPr>
+        <p:sp>
+          <p:nvSpPr>
+            <p:cNvPr id="29" name="Rectangle: Rounded Corners 28">
+              <a:extLst>
+                <a:ext uri="{FF2B5EF4-FFF2-40B4-BE49-F238E27FC236}">
+                  <a16:creationId xmlns:a16="http://schemas.microsoft.com/office/drawing/2014/main" id="{44131810-8A1D-4B41-B104-BD445E0A9803}"/>
+                </a:ext>
+              </a:extLst>
+            </p:cNvPr>
+            <p:cNvSpPr/>
+            <p:nvPr/>
+          </p:nvSpPr>
+          <p:spPr>
+            <a:xfrm>
+              <a:off x="9524998" y="1237842"/>
+              <a:ext cx="1663337" cy="634502"/>
+            </a:xfrm>
+            <a:prstGeom prst="roundRect">
+              <a:avLst/>
+            </a:prstGeom>
+            <a:solidFill>
+              <a:schemeClr val="bg1"/>
+            </a:solidFill>
+            <a:ln w="38100">
+              <a:solidFill>
+                <a:schemeClr val="accent1">
+                  <a:lumMod val="75000"/>
+                </a:schemeClr>
+              </a:solidFill>
+            </a:ln>
+          </p:spPr>
+          <p:style>
+            <a:lnRef idx="2">
+              <a:schemeClr val="accent2"/>
+            </a:lnRef>
+            <a:fillRef idx="1">
+              <a:schemeClr val="lt1"/>
+            </a:fillRef>
+            <a:effectRef idx="0">
+              <a:schemeClr val="accent2"/>
+            </a:effectRef>
+            <a:fontRef idx="minor">
+              <a:schemeClr val="dk1"/>
+            </a:fontRef>
+          </p:style>
+          <p:txBody>
+            <a:bodyPr rtlCol="0" anchor="ctr"/>
+            <a:lstStyle/>
+            <a:p>
+              <a:pPr algn="ctr"/>
+              <a:r>
+                <a:rPr lang="en-US" b="1" dirty="0" err="1"/>
+                <a:t>Nicht</a:t>
+              </a:r>
+              <a:r>
+                <a:rPr lang="en-US" b="1" dirty="0"/>
+                <a:t> </a:t>
+              </a:r>
+              <a:r>
+                <a:rPr lang="en-US" b="1" dirty="0" err="1"/>
+                <a:t>technisch</a:t>
+              </a:r>
+              <a:r>
+                <a:rPr lang="en-US" b="1" dirty="0"/>
+                <a:t> </a:t>
+              </a:r>
+              <a:r>
+                <a:rPr lang="en-US" b="1" dirty="0" err="1"/>
+                <a:t>veranlagt</a:t>
+              </a:r>
+              <a:r>
+                <a:rPr lang="en-US" b="1" dirty="0"/>
+                <a:t> </a:t>
+              </a:r>
+            </a:p>
+          </p:txBody>
+        </p:sp>
+        <p:sp>
+          <p:nvSpPr>
+            <p:cNvPr id="30" name="Arrow: Right 29">
+              <a:extLst>
+                <a:ext uri="{FF2B5EF4-FFF2-40B4-BE49-F238E27FC236}">
+                  <a16:creationId xmlns:a16="http://schemas.microsoft.com/office/drawing/2014/main" id="{AD1F4C99-4623-4639-8827-F8D36458165B}"/>
+                </a:ext>
+              </a:extLst>
+            </p:cNvPr>
+            <p:cNvSpPr/>
+            <p:nvPr/>
+          </p:nvSpPr>
+          <p:spPr>
+            <a:xfrm>
+              <a:off x="9083040" y="1382150"/>
+              <a:ext cx="441958" cy="308537"/>
+            </a:xfrm>
+            <a:prstGeom prst="rightArrow">
+              <a:avLst/>
+            </a:prstGeom>
+          </p:spPr>
+          <p:style>
+            <a:lnRef idx="2">
+              <a:schemeClr val="accent1">
+                <a:shade val="50000"/>
+              </a:schemeClr>
+            </a:lnRef>
+            <a:fillRef idx="1">
+              <a:schemeClr val="accent1"/>
+            </a:fillRef>
+            <a:effectRef idx="0">
+              <a:schemeClr val="accent1"/>
+            </a:effectRef>
+            <a:fontRef idx="minor">
+              <a:schemeClr val="lt1"/>
+            </a:fontRef>
+          </p:style>
+          <p:txBody>
+            <a:bodyPr rtlCol="0" anchor="ctr"/>
+            <a:lstStyle/>
+            <a:p>
+              <a:pPr algn="ctr"/>
+              <a:endParaRPr lang="en-US"/>
+            </a:p>
+          </p:txBody>
+        </p:sp>
+      </p:grpSp>
+      <p:grpSp>
+        <p:nvGrpSpPr>
+          <p:cNvPr id="31" name="Group 30">
+            <a:extLst>
+              <a:ext uri="{FF2B5EF4-FFF2-40B4-BE49-F238E27FC236}">
+                <a16:creationId xmlns:a16="http://schemas.microsoft.com/office/drawing/2014/main" id="{0BF509A9-D1DD-4B03-B8C3-32A5FB07D457}"/>
+              </a:ext>
+            </a:extLst>
+          </p:cNvPr>
+          <p:cNvGrpSpPr/>
+          <p:nvPr/>
+        </p:nvGrpSpPr>
+        <p:grpSpPr>
+          <a:xfrm>
+            <a:off x="4783411" y="3152297"/>
+            <a:ext cx="2438399" cy="634502"/>
+            <a:chOff x="9083040" y="1237842"/>
+            <a:chExt cx="2105295" cy="634502"/>
+          </a:xfrm>
+        </p:grpSpPr>
+        <p:sp>
+          <p:nvSpPr>
+            <p:cNvPr id="32" name="Rectangle: Rounded Corners 31">
+              <a:extLst>
+                <a:ext uri="{FF2B5EF4-FFF2-40B4-BE49-F238E27FC236}">
+                  <a16:creationId xmlns:a16="http://schemas.microsoft.com/office/drawing/2014/main" id="{EBC0FA3D-8DF6-4698-8D7A-11979D1EC716}"/>
+                </a:ext>
+              </a:extLst>
+            </p:cNvPr>
+            <p:cNvSpPr/>
+            <p:nvPr/>
+          </p:nvSpPr>
+          <p:spPr>
+            <a:xfrm>
+              <a:off x="9524998" y="1237842"/>
+              <a:ext cx="1663337" cy="634502"/>
+            </a:xfrm>
+            <a:prstGeom prst="roundRect">
+              <a:avLst/>
+            </a:prstGeom>
+            <a:solidFill>
+              <a:schemeClr val="bg1"/>
+            </a:solidFill>
+            <a:ln w="38100">
+              <a:solidFill>
+                <a:schemeClr val="accent1">
+                  <a:lumMod val="75000"/>
+                </a:schemeClr>
+              </a:solidFill>
+            </a:ln>
+          </p:spPr>
+          <p:style>
+            <a:lnRef idx="2">
+              <a:schemeClr val="accent2"/>
+            </a:lnRef>
+            <a:fillRef idx="1">
+              <a:schemeClr val="lt1"/>
+            </a:fillRef>
+            <a:effectRef idx="0">
+              <a:schemeClr val="accent2"/>
+            </a:effectRef>
+            <a:fontRef idx="minor">
+              <a:schemeClr val="dk1"/>
+            </a:fontRef>
+          </p:style>
+          <p:txBody>
+            <a:bodyPr rtlCol="0" anchor="ctr"/>
+            <a:lstStyle/>
+            <a:p>
+              <a:pPr algn="ctr"/>
+              <a:r>
+                <a:rPr lang="en-US" b="1" dirty="0" err="1"/>
+                <a:t>Zuverlässig</a:t>
+              </a:r>
+              <a:endParaRPr lang="en-US" b="1" dirty="0"/>
+            </a:p>
+          </p:txBody>
+        </p:sp>
+        <p:sp>
+          <p:nvSpPr>
+            <p:cNvPr id="33" name="Arrow: Right 32">
+              <a:extLst>
+                <a:ext uri="{FF2B5EF4-FFF2-40B4-BE49-F238E27FC236}">
+                  <a16:creationId xmlns:a16="http://schemas.microsoft.com/office/drawing/2014/main" id="{5A6AB1F7-A20A-426C-89B4-3078685DA253}"/>
+                </a:ext>
+              </a:extLst>
+            </p:cNvPr>
+            <p:cNvSpPr/>
+            <p:nvPr/>
+          </p:nvSpPr>
+          <p:spPr>
+            <a:xfrm>
+              <a:off x="9083040" y="1382150"/>
+              <a:ext cx="441958" cy="308537"/>
+            </a:xfrm>
+            <a:prstGeom prst="rightArrow">
+              <a:avLst/>
+            </a:prstGeom>
+          </p:spPr>
+          <p:style>
+            <a:lnRef idx="2">
+              <a:schemeClr val="accent1">
+                <a:shade val="50000"/>
+              </a:schemeClr>
+            </a:lnRef>
+            <a:fillRef idx="1">
+              <a:schemeClr val="accent1"/>
+            </a:fillRef>
+            <a:effectRef idx="0">
+              <a:schemeClr val="accent1"/>
+            </a:effectRef>
+            <a:fontRef idx="minor">
+              <a:schemeClr val="lt1"/>
+            </a:fontRef>
+          </p:style>
+          <p:txBody>
+            <a:bodyPr rtlCol="0" anchor="ctr"/>
+            <a:lstStyle/>
+            <a:p>
+              <a:pPr algn="ctr"/>
+              <a:endParaRPr lang="en-US"/>
+            </a:p>
+          </p:txBody>
+        </p:sp>
+      </p:grpSp>
     </p:spTree>
     <p:extLst>
       <p:ext uri="{BB962C8B-B14F-4D97-AF65-F5344CB8AC3E}">
-        <p14:creationId xmlns:p14="http://schemas.microsoft.com/office/powerpoint/2010/main" val="847806206"/>
+        <p14:creationId xmlns:p14="http://schemas.microsoft.com/office/powerpoint/2010/main" val="746269643"/>
       </p:ext>
     </p:extLst>
   </p:cSld>
